--- a/presentation/Autism_hackathon_01.pptx
+++ b/presentation/Autism_hackathon_01.pptx
@@ -124,7 +124,7 @@
 <file path=ppt/revisionInfo.xml><?xml version="1.0" encoding="utf-8"?>
 <p1510:revInfo xmlns:a="http://schemas.openxmlformats.org/drawingml/2006/main" xmlns:r="http://schemas.openxmlformats.org/officeDocument/2006/relationships" xmlns:p1510="http://schemas.microsoft.com/office/powerpoint/2015/10/main">
   <p1510:revLst>
-    <p1510:client id="{84C4CC69-7288-4891-9C4F-C7C5AA4E3CF0}" v="719" dt="2023-04-20T18:56:55.802"/>
+    <p1510:client id="{84C4CC69-7288-4891-9C4F-C7C5AA4E3CF0}" v="744" dt="2023-04-20T19:07:02.898"/>
   </p1510:revLst>
 </p1510:revInfo>
 </file>
@@ -134,18 +134,18 @@
   <pc:docChgLst>
     <pc:chgData name="Dhruv Bhatnagar" userId="d3ce6c2664132320" providerId="LiveId" clId="{84C4CC69-7288-4891-9C4F-C7C5AA4E3CF0}"/>
     <pc:docChg chg="undo custSel addSld delSld modSld sldOrd">
-      <pc:chgData name="Dhruv Bhatnagar" userId="d3ce6c2664132320" providerId="LiveId" clId="{84C4CC69-7288-4891-9C4F-C7C5AA4E3CF0}" dt="2023-04-20T18:57:56.917" v="1623" actId="20577"/>
+      <pc:chgData name="Dhruv Bhatnagar" userId="d3ce6c2664132320" providerId="LiveId" clId="{84C4CC69-7288-4891-9C4F-C7C5AA4E3CF0}" dt="2023-04-20T19:07:51.799" v="3008" actId="962"/>
       <pc:docMkLst>
         <pc:docMk/>
       </pc:docMkLst>
       <pc:sldChg chg="addSp delSp modSp mod modAnim delDesignElem">
-        <pc:chgData name="Dhruv Bhatnagar" userId="d3ce6c2664132320" providerId="LiveId" clId="{84C4CC69-7288-4891-9C4F-C7C5AA4E3CF0}" dt="2023-04-20T18:50:46.574" v="1532" actId="13244"/>
+        <pc:chgData name="Dhruv Bhatnagar" userId="d3ce6c2664132320" providerId="LiveId" clId="{84C4CC69-7288-4891-9C4F-C7C5AA4E3CF0}" dt="2023-04-20T19:01:06.974" v="2215" actId="962"/>
         <pc:sldMkLst>
           <pc:docMk/>
           <pc:sldMk cId="3289761638" sldId="256"/>
         </pc:sldMkLst>
         <pc:spChg chg="mod ord">
-          <ac:chgData name="Dhruv Bhatnagar" userId="d3ce6c2664132320" providerId="LiveId" clId="{84C4CC69-7288-4891-9C4F-C7C5AA4E3CF0}" dt="2023-04-20T18:50:46.574" v="1532" actId="13244"/>
+          <ac:chgData name="Dhruv Bhatnagar" userId="d3ce6c2664132320" providerId="LiveId" clId="{84C4CC69-7288-4891-9C4F-C7C5AA4E3CF0}" dt="2023-04-20T19:01:06.974" v="2215" actId="962"/>
           <ac:spMkLst>
             <pc:docMk/>
             <pc:sldMk cId="3289761638" sldId="256"/>
@@ -153,7 +153,7 @@
           </ac:spMkLst>
         </pc:spChg>
         <pc:spChg chg="mod">
-          <ac:chgData name="Dhruv Bhatnagar" userId="d3ce6c2664132320" providerId="LiveId" clId="{84C4CC69-7288-4891-9C4F-C7C5AA4E3CF0}" dt="2023-04-20T18:49:39.986" v="1527" actId="20577"/>
+          <ac:chgData name="Dhruv Bhatnagar" userId="d3ce6c2664132320" providerId="LiveId" clId="{84C4CC69-7288-4891-9C4F-C7C5AA4E3CF0}" dt="2023-04-20T19:00:45.575" v="2097" actId="962"/>
           <ac:spMkLst>
             <pc:docMk/>
             <pc:sldMk cId="3289761638" sldId="256"/>
@@ -177,7 +177,7 @@
           </ac:spMkLst>
         </pc:spChg>
         <pc:picChg chg="mod">
-          <ac:chgData name="Dhruv Bhatnagar" userId="d3ce6c2664132320" providerId="LiveId" clId="{84C4CC69-7288-4891-9C4F-C7C5AA4E3CF0}" dt="2023-04-20T18:50:46.401" v="1531" actId="962"/>
+          <ac:chgData name="Dhruv Bhatnagar" userId="d3ce6c2664132320" providerId="LiveId" clId="{84C4CC69-7288-4891-9C4F-C7C5AA4E3CF0}" dt="2023-04-20T18:59:19.095" v="1624" actId="962"/>
           <ac:picMkLst>
             <pc:docMk/>
             <pc:sldMk cId="3289761638" sldId="256"/>
@@ -194,13 +194,13 @@
         </pc:cxnChg>
       </pc:sldChg>
       <pc:sldChg chg="addSp delSp modSp mod delDesignElem">
-        <pc:chgData name="Dhruv Bhatnagar" userId="d3ce6c2664132320" providerId="LiveId" clId="{84C4CC69-7288-4891-9C4F-C7C5AA4E3CF0}" dt="2023-04-20T18:41:14.551" v="1441" actId="14100"/>
+        <pc:chgData name="Dhruv Bhatnagar" userId="d3ce6c2664132320" providerId="LiveId" clId="{84C4CC69-7288-4891-9C4F-C7C5AA4E3CF0}" dt="2023-04-20T19:01:28.544" v="2241" actId="962"/>
         <pc:sldMkLst>
           <pc:docMk/>
           <pc:sldMk cId="2301840069" sldId="257"/>
         </pc:sldMkLst>
         <pc:spChg chg="mod">
-          <ac:chgData name="Dhruv Bhatnagar" userId="d3ce6c2664132320" providerId="LiveId" clId="{84C4CC69-7288-4891-9C4F-C7C5AA4E3CF0}" dt="2023-04-20T17:23:16.510" v="556" actId="26606"/>
+          <ac:chgData name="Dhruv Bhatnagar" userId="d3ce6c2664132320" providerId="LiveId" clId="{84C4CC69-7288-4891-9C4F-C7C5AA4E3CF0}" dt="2023-04-20T19:01:23.334" v="2239" actId="962"/>
           <ac:spMkLst>
             <pc:docMk/>
             <pc:sldMk cId="2301840069" sldId="257"/>
@@ -208,7 +208,7 @@
           </ac:spMkLst>
         </pc:spChg>
         <pc:spChg chg="mod ord">
-          <ac:chgData name="Dhruv Bhatnagar" userId="d3ce6c2664132320" providerId="LiveId" clId="{84C4CC69-7288-4891-9C4F-C7C5AA4E3CF0}" dt="2023-04-20T18:41:14.551" v="1441" actId="14100"/>
+          <ac:chgData name="Dhruv Bhatnagar" userId="d3ce6c2664132320" providerId="LiveId" clId="{84C4CC69-7288-4891-9C4F-C7C5AA4E3CF0}" dt="2023-04-20T19:01:28.544" v="2241" actId="962"/>
           <ac:spMkLst>
             <pc:docMk/>
             <pc:sldMk cId="2301840069" sldId="257"/>
@@ -458,7 +458,7 @@
         </pc:sldMkLst>
       </pc:sldChg>
       <pc:sldChg chg="addSp delSp modSp mod setBg modAnim">
-        <pc:chgData name="Dhruv Bhatnagar" userId="d3ce6c2664132320" providerId="LiveId" clId="{84C4CC69-7288-4891-9C4F-C7C5AA4E3CF0}" dt="2023-04-20T18:57:36.791" v="1620" actId="962"/>
+        <pc:chgData name="Dhruv Bhatnagar" userId="d3ce6c2664132320" providerId="LiveId" clId="{84C4CC69-7288-4891-9C4F-C7C5AA4E3CF0}" dt="2023-04-20T19:01:51.586" v="2297" actId="962"/>
         <pc:sldMkLst>
           <pc:docMk/>
           <pc:sldMk cId="1157719442" sldId="275"/>
@@ -496,7 +496,7 @@
           </ac:spMkLst>
         </pc:spChg>
         <pc:spChg chg="mod ord topLvl">
-          <ac:chgData name="Dhruv Bhatnagar" userId="d3ce6c2664132320" providerId="LiveId" clId="{84C4CC69-7288-4891-9C4F-C7C5AA4E3CF0}" dt="2023-04-20T18:57:33.878" v="1619" actId="13244"/>
+          <ac:chgData name="Dhruv Bhatnagar" userId="d3ce6c2664132320" providerId="LiveId" clId="{84C4CC69-7288-4891-9C4F-C7C5AA4E3CF0}" dt="2023-04-20T19:01:46.429" v="2295" actId="962"/>
           <ac:spMkLst>
             <pc:docMk/>
             <pc:sldMk cId="1157719442" sldId="275"/>
@@ -528,7 +528,7 @@
           </ac:spMkLst>
         </pc:spChg>
         <pc:spChg chg="mod topLvl">
-          <ac:chgData name="Dhruv Bhatnagar" userId="d3ce6c2664132320" providerId="LiveId" clId="{84C4CC69-7288-4891-9C4F-C7C5AA4E3CF0}" dt="2023-04-20T18:55:07.608" v="1549" actId="165"/>
+          <ac:chgData name="Dhruv Bhatnagar" userId="d3ce6c2664132320" providerId="LiveId" clId="{84C4CC69-7288-4891-9C4F-C7C5AA4E3CF0}" dt="2023-04-20T19:01:51.586" v="2297" actId="962"/>
           <ac:spMkLst>
             <pc:docMk/>
             <pc:sldMk cId="1157719442" sldId="275"/>
@@ -536,7 +536,7 @@
           </ac:spMkLst>
         </pc:spChg>
         <pc:spChg chg="mod">
-          <ac:chgData name="Dhruv Bhatnagar" userId="d3ce6c2664132320" providerId="LiveId" clId="{84C4CC69-7288-4891-9C4F-C7C5AA4E3CF0}" dt="2023-04-20T16:24:49.675" v="8" actId="26606"/>
+          <ac:chgData name="Dhruv Bhatnagar" userId="d3ce6c2664132320" providerId="LiveId" clId="{84C4CC69-7288-4891-9C4F-C7C5AA4E3CF0}" dt="2023-04-20T19:01:40.731" v="2293" actId="962"/>
           <ac:spMkLst>
             <pc:docMk/>
             <pc:sldMk cId="1157719442" sldId="275"/>
@@ -616,12 +616,20 @@
           </ac:cxnSpMkLst>
         </pc:cxnChg>
       </pc:sldChg>
-      <pc:sldChg chg="modSp ord">
-        <pc:chgData name="Dhruv Bhatnagar" userId="d3ce6c2664132320" providerId="LiveId" clId="{84C4CC69-7288-4891-9C4F-C7C5AA4E3CF0}" dt="2023-04-20T18:10:39.645" v="911"/>
+      <pc:sldChg chg="modSp mod ord">
+        <pc:chgData name="Dhruv Bhatnagar" userId="d3ce6c2664132320" providerId="LiveId" clId="{84C4CC69-7288-4891-9C4F-C7C5AA4E3CF0}" dt="2023-04-20T19:04:27.151" v="2667" actId="962"/>
         <pc:sldMkLst>
           <pc:docMk/>
           <pc:sldMk cId="2655422178" sldId="276"/>
         </pc:sldMkLst>
+        <pc:spChg chg="mod">
+          <ac:chgData name="Dhruv Bhatnagar" userId="d3ce6c2664132320" providerId="LiveId" clId="{84C4CC69-7288-4891-9C4F-C7C5AA4E3CF0}" dt="2023-04-20T19:04:27.151" v="2667" actId="962"/>
+          <ac:spMkLst>
+            <pc:docMk/>
+            <pc:sldMk cId="2655422178" sldId="276"/>
+            <ac:spMk id="6" creationId="{56833CAF-0C8F-BF76-5DAE-7AB825FB6E69}"/>
+          </ac:spMkLst>
+        </pc:spChg>
         <pc:spChg chg="mod">
           <ac:chgData name="Dhruv Bhatnagar" userId="d3ce6c2664132320" providerId="LiveId" clId="{84C4CC69-7288-4891-9C4F-C7C5AA4E3CF0}" dt="2023-04-20T16:24:19.985" v="7"/>
           <ac:spMkLst>
@@ -632,13 +640,13 @@
         </pc:spChg>
       </pc:sldChg>
       <pc:sldChg chg="addSp delSp modSp mod">
-        <pc:chgData name="Dhruv Bhatnagar" userId="d3ce6c2664132320" providerId="LiveId" clId="{84C4CC69-7288-4891-9C4F-C7C5AA4E3CF0}" dt="2023-04-20T18:57:17.649" v="1617" actId="207"/>
+        <pc:chgData name="Dhruv Bhatnagar" userId="d3ce6c2664132320" providerId="LiveId" clId="{84C4CC69-7288-4891-9C4F-C7C5AA4E3CF0}" dt="2023-04-20T19:02:10.120" v="2303" actId="962"/>
         <pc:sldMkLst>
           <pc:docMk/>
           <pc:sldMk cId="174986968" sldId="277"/>
         </pc:sldMkLst>
-        <pc:spChg chg="ord">
-          <ac:chgData name="Dhruv Bhatnagar" userId="d3ce6c2664132320" providerId="LiveId" clId="{84C4CC69-7288-4891-9C4F-C7C5AA4E3CF0}" dt="2023-04-20T18:39:25.371" v="1415" actId="13244"/>
+        <pc:spChg chg="mod ord">
+          <ac:chgData name="Dhruv Bhatnagar" userId="d3ce6c2664132320" providerId="LiveId" clId="{84C4CC69-7288-4891-9C4F-C7C5AA4E3CF0}" dt="2023-04-20T19:02:10.120" v="2303" actId="962"/>
           <ac:spMkLst>
             <pc:docMk/>
             <pc:sldMk cId="174986968" sldId="277"/>
@@ -710,7 +718,7 @@
           </ac:spMkLst>
         </pc:spChg>
         <pc:spChg chg="mod topLvl">
-          <ac:chgData name="Dhruv Bhatnagar" userId="d3ce6c2664132320" providerId="LiveId" clId="{84C4CC69-7288-4891-9C4F-C7C5AA4E3CF0}" dt="2023-04-20T18:56:12.434" v="1611" actId="165"/>
+          <ac:chgData name="Dhruv Bhatnagar" userId="d3ce6c2664132320" providerId="LiveId" clId="{84C4CC69-7288-4891-9C4F-C7C5AA4E3CF0}" dt="2023-04-20T19:01:59.300" v="2299" actId="962"/>
           <ac:spMkLst>
             <pc:docMk/>
             <pc:sldMk cId="174986968" sldId="277"/>
@@ -830,7 +838,7 @@
           </ac:spMkLst>
         </pc:spChg>
         <pc:spChg chg="mod topLvl">
-          <ac:chgData name="Dhruv Bhatnagar" userId="d3ce6c2664132320" providerId="LiveId" clId="{84C4CC69-7288-4891-9C4F-C7C5AA4E3CF0}" dt="2023-04-20T18:56:12.434" v="1611" actId="165"/>
+          <ac:chgData name="Dhruv Bhatnagar" userId="d3ce6c2664132320" providerId="LiveId" clId="{84C4CC69-7288-4891-9C4F-C7C5AA4E3CF0}" dt="2023-04-20T19:02:04.124" v="2301" actId="962"/>
           <ac:spMkLst>
             <pc:docMk/>
             <pc:sldMk cId="174986968" sldId="277"/>
@@ -903,7 +911,7 @@
         </pc:graphicFrameChg>
       </pc:sldChg>
       <pc:sldChg chg="addSp delSp modSp mod ord setBg">
-        <pc:chgData name="Dhruv Bhatnagar" userId="d3ce6c2664132320" providerId="LiveId" clId="{84C4CC69-7288-4891-9C4F-C7C5AA4E3CF0}" dt="2023-04-20T18:57:01.284" v="1616" actId="962"/>
+        <pc:chgData name="Dhruv Bhatnagar" userId="d3ce6c2664132320" providerId="LiveId" clId="{84C4CC69-7288-4891-9C4F-C7C5AA4E3CF0}" dt="2023-04-20T19:04:14.356" v="2613" actId="962"/>
         <pc:sldMkLst>
           <pc:docMk/>
           <pc:sldMk cId="2270266135" sldId="278"/>
@@ -917,7 +925,7 @@
           </ac:spMkLst>
         </pc:spChg>
         <pc:spChg chg="mod topLvl">
-          <ac:chgData name="Dhruv Bhatnagar" userId="d3ce6c2664132320" providerId="LiveId" clId="{84C4CC69-7288-4891-9C4F-C7C5AA4E3CF0}" dt="2023-04-20T18:56:55.802" v="1615" actId="165"/>
+          <ac:chgData name="Dhruv Bhatnagar" userId="d3ce6c2664132320" providerId="LiveId" clId="{84C4CC69-7288-4891-9C4F-C7C5AA4E3CF0}" dt="2023-04-20T19:02:26.113" v="2347" actId="962"/>
           <ac:spMkLst>
             <pc:docMk/>
             <pc:sldMk cId="2270266135" sldId="278"/>
@@ -925,7 +933,7 @@
           </ac:spMkLst>
         </pc:spChg>
         <pc:spChg chg="mod topLvl">
-          <ac:chgData name="Dhruv Bhatnagar" userId="d3ce6c2664132320" providerId="LiveId" clId="{84C4CC69-7288-4891-9C4F-C7C5AA4E3CF0}" dt="2023-04-20T18:56:55.802" v="1615" actId="165"/>
+          <ac:chgData name="Dhruv Bhatnagar" userId="d3ce6c2664132320" providerId="LiveId" clId="{84C4CC69-7288-4891-9C4F-C7C5AA4E3CF0}" dt="2023-04-20T19:02:21.378" v="2345" actId="962"/>
           <ac:spMkLst>
             <pc:docMk/>
             <pc:sldMk cId="2270266135" sldId="278"/>
@@ -933,7 +941,7 @@
           </ac:spMkLst>
         </pc:spChg>
         <pc:spChg chg="mod topLvl">
-          <ac:chgData name="Dhruv Bhatnagar" userId="d3ce6c2664132320" providerId="LiveId" clId="{84C4CC69-7288-4891-9C4F-C7C5AA4E3CF0}" dt="2023-04-20T18:56:55.802" v="1615" actId="165"/>
+          <ac:chgData name="Dhruv Bhatnagar" userId="d3ce6c2664132320" providerId="LiveId" clId="{84C4CC69-7288-4891-9C4F-C7C5AA4E3CF0}" dt="2023-04-20T19:02:44.160" v="2407" actId="962"/>
           <ac:spMkLst>
             <pc:docMk/>
             <pc:sldMk cId="2270266135" sldId="278"/>
@@ -941,7 +949,7 @@
           </ac:spMkLst>
         </pc:spChg>
         <pc:spChg chg="mod">
-          <ac:chgData name="Dhruv Bhatnagar" userId="d3ce6c2664132320" providerId="LiveId" clId="{84C4CC69-7288-4891-9C4F-C7C5AA4E3CF0}" dt="2023-04-20T18:30:37.832" v="1394" actId="26606"/>
+          <ac:chgData name="Dhruv Bhatnagar" userId="d3ce6c2664132320" providerId="LiveId" clId="{84C4CC69-7288-4891-9C4F-C7C5AA4E3CF0}" dt="2023-04-20T19:02:16.211" v="2319" actId="962"/>
           <ac:spMkLst>
             <pc:docMk/>
             <pc:sldMk cId="2270266135" sldId="278"/>
@@ -949,7 +957,7 @@
           </ac:spMkLst>
         </pc:spChg>
         <pc:spChg chg="mod topLvl">
-          <ac:chgData name="Dhruv Bhatnagar" userId="d3ce6c2664132320" providerId="LiveId" clId="{84C4CC69-7288-4891-9C4F-C7C5AA4E3CF0}" dt="2023-04-20T18:56:55.802" v="1615" actId="165"/>
+          <ac:chgData name="Dhruv Bhatnagar" userId="d3ce6c2664132320" providerId="LiveId" clId="{84C4CC69-7288-4891-9C4F-C7C5AA4E3CF0}" dt="2023-04-20T19:02:37.507" v="2405" actId="962"/>
           <ac:spMkLst>
             <pc:docMk/>
             <pc:sldMk cId="2270266135" sldId="278"/>
@@ -965,7 +973,7 @@
           </ac:spMkLst>
         </pc:spChg>
         <pc:spChg chg="mod topLvl">
-          <ac:chgData name="Dhruv Bhatnagar" userId="d3ce6c2664132320" providerId="LiveId" clId="{84C4CC69-7288-4891-9C4F-C7C5AA4E3CF0}" dt="2023-04-20T18:56:55.802" v="1615" actId="165"/>
+          <ac:chgData name="Dhruv Bhatnagar" userId="d3ce6c2664132320" providerId="LiveId" clId="{84C4CC69-7288-4891-9C4F-C7C5AA4E3CF0}" dt="2023-04-20T19:02:50.434" v="2439" actId="962"/>
           <ac:spMkLst>
             <pc:docMk/>
             <pc:sldMk cId="2270266135" sldId="278"/>
@@ -973,7 +981,7 @@
           </ac:spMkLst>
         </pc:spChg>
         <pc:spChg chg="mod topLvl">
-          <ac:chgData name="Dhruv Bhatnagar" userId="d3ce6c2664132320" providerId="LiveId" clId="{84C4CC69-7288-4891-9C4F-C7C5AA4E3CF0}" dt="2023-04-20T18:56:55.802" v="1615" actId="165"/>
+          <ac:chgData name="Dhruv Bhatnagar" userId="d3ce6c2664132320" providerId="LiveId" clId="{84C4CC69-7288-4891-9C4F-C7C5AA4E3CF0}" dt="2023-04-20T19:03:03.214" v="2467" actId="962"/>
           <ac:spMkLst>
             <pc:docMk/>
             <pc:sldMk cId="2270266135" sldId="278"/>
@@ -989,7 +997,7 @@
           </ac:spMkLst>
         </pc:spChg>
         <pc:spChg chg="mod topLvl">
-          <ac:chgData name="Dhruv Bhatnagar" userId="d3ce6c2664132320" providerId="LiveId" clId="{84C4CC69-7288-4891-9C4F-C7C5AA4E3CF0}" dt="2023-04-20T18:56:55.802" v="1615" actId="165"/>
+          <ac:chgData name="Dhruv Bhatnagar" userId="d3ce6c2664132320" providerId="LiveId" clId="{84C4CC69-7288-4891-9C4F-C7C5AA4E3CF0}" dt="2023-04-20T19:02:56.574" v="2465" actId="962"/>
           <ac:spMkLst>
             <pc:docMk/>
             <pc:sldMk cId="2270266135" sldId="278"/>
@@ -997,7 +1005,7 @@
           </ac:spMkLst>
         </pc:spChg>
         <pc:spChg chg="mod topLvl">
-          <ac:chgData name="Dhruv Bhatnagar" userId="d3ce6c2664132320" providerId="LiveId" clId="{84C4CC69-7288-4891-9C4F-C7C5AA4E3CF0}" dt="2023-04-20T18:56:55.802" v="1615" actId="165"/>
+          <ac:chgData name="Dhruv Bhatnagar" userId="d3ce6c2664132320" providerId="LiveId" clId="{84C4CC69-7288-4891-9C4F-C7C5AA4E3CF0}" dt="2023-04-20T19:04:14.356" v="2613" actId="962"/>
           <ac:spMkLst>
             <pc:docMk/>
             <pc:sldMk cId="2270266135" sldId="278"/>
@@ -1005,7 +1013,7 @@
           </ac:spMkLst>
         </pc:spChg>
         <pc:spChg chg="mod topLvl">
-          <ac:chgData name="Dhruv Bhatnagar" userId="d3ce6c2664132320" providerId="LiveId" clId="{84C4CC69-7288-4891-9C4F-C7C5AA4E3CF0}" dt="2023-04-20T18:56:55.802" v="1615" actId="165"/>
+          <ac:chgData name="Dhruv Bhatnagar" userId="d3ce6c2664132320" providerId="LiveId" clId="{84C4CC69-7288-4891-9C4F-C7C5AA4E3CF0}" dt="2023-04-20T19:03:07.667" v="2469" actId="962"/>
           <ac:spMkLst>
             <pc:docMk/>
             <pc:sldMk cId="2270266135" sldId="278"/>
@@ -1373,28 +1381,276 @@
           </ac:cxnSpMkLst>
         </pc:cxnChg>
       </pc:sldChg>
-      <pc:sldChg chg="modSp add del mod">
-        <pc:chgData name="Dhruv Bhatnagar" userId="d3ce6c2664132320" providerId="LiveId" clId="{84C4CC69-7288-4891-9C4F-C7C5AA4E3CF0}" dt="2023-04-20T18:57:56.917" v="1623" actId="20577"/>
+      <pc:sldChg chg="addSp delSp modSp add del mod setBg">
+        <pc:chgData name="Dhruv Bhatnagar" userId="d3ce6c2664132320" providerId="LiveId" clId="{84C4CC69-7288-4891-9C4F-C7C5AA4E3CF0}" dt="2023-04-20T19:07:51.799" v="3008" actId="962"/>
         <pc:sldMkLst>
           <pc:docMk/>
           <pc:sldMk cId="1332957594" sldId="279"/>
         </pc:sldMkLst>
-        <pc:spChg chg="mod">
-          <ac:chgData name="Dhruv Bhatnagar" userId="d3ce6c2664132320" providerId="LiveId" clId="{84C4CC69-7288-4891-9C4F-C7C5AA4E3CF0}" dt="2023-04-20T18:26:43.634" v="1364" actId="20577"/>
+        <pc:spChg chg="add del mod">
+          <ac:chgData name="Dhruv Bhatnagar" userId="d3ce6c2664132320" providerId="LiveId" clId="{84C4CC69-7288-4891-9C4F-C7C5AA4E3CF0}" dt="2023-04-20T19:06:44.444" v="2767" actId="26606"/>
           <ac:spMkLst>
             <pc:docMk/>
             <pc:sldMk cId="1332957594" sldId="279"/>
             <ac:spMk id="2" creationId="{6FB612EE-C982-92D2-3BEB-FCA5D756BFDC}"/>
           </ac:spMkLst>
         </pc:spChg>
+        <pc:spChg chg="mod topLvl">
+          <ac:chgData name="Dhruv Bhatnagar" userId="d3ce6c2664132320" providerId="LiveId" clId="{84C4CC69-7288-4891-9C4F-C7C5AA4E3CF0}" dt="2023-04-20T19:07:07.666" v="2770" actId="962"/>
+          <ac:spMkLst>
+            <pc:docMk/>
+            <pc:sldMk cId="1332957594" sldId="279"/>
+            <ac:spMk id="4" creationId="{D633214F-3578-95C9-90C0-5283310144F3}"/>
+          </ac:spMkLst>
+        </pc:spChg>
+        <pc:spChg chg="mod topLvl">
+          <ac:chgData name="Dhruv Bhatnagar" userId="d3ce6c2664132320" providerId="LiveId" clId="{84C4CC69-7288-4891-9C4F-C7C5AA4E3CF0}" dt="2023-04-20T19:07:30.839" v="2836" actId="962"/>
+          <ac:spMkLst>
+            <pc:docMk/>
+            <pc:sldMk cId="1332957594" sldId="279"/>
+            <ac:spMk id="5" creationId="{A83EEE03-3E26-98A7-2F49-3DCFD8C50668}"/>
+          </ac:spMkLst>
+        </pc:spChg>
         <pc:spChg chg="mod ord">
-          <ac:chgData name="Dhruv Bhatnagar" userId="d3ce6c2664132320" providerId="LiveId" clId="{84C4CC69-7288-4891-9C4F-C7C5AA4E3CF0}" dt="2023-04-20T18:57:56.917" v="1623" actId="20577"/>
+          <ac:chgData name="Dhruv Bhatnagar" userId="d3ce6c2664132320" providerId="LiveId" clId="{84C4CC69-7288-4891-9C4F-C7C5AA4E3CF0}" dt="2023-04-20T19:06:44.444" v="2767" actId="26606"/>
           <ac:spMkLst>
             <pc:docMk/>
             <pc:sldMk cId="1332957594" sldId="279"/>
             <ac:spMk id="6" creationId="{534BF635-0AED-1C94-380C-572EBA67082A}"/>
           </ac:spMkLst>
         </pc:spChg>
+        <pc:spChg chg="mod topLvl">
+          <ac:chgData name="Dhruv Bhatnagar" userId="d3ce6c2664132320" providerId="LiveId" clId="{84C4CC69-7288-4891-9C4F-C7C5AA4E3CF0}" dt="2023-04-20T19:07:11.749" v="2772" actId="962"/>
+          <ac:spMkLst>
+            <pc:docMk/>
+            <pc:sldMk cId="1332957594" sldId="279"/>
+            <ac:spMk id="7" creationId="{07CA73D5-D5A6-49E1-4B31-7DEA27069217}"/>
+          </ac:spMkLst>
+        </pc:spChg>
+        <pc:spChg chg="mod topLvl">
+          <ac:chgData name="Dhruv Bhatnagar" userId="d3ce6c2664132320" providerId="LiveId" clId="{84C4CC69-7288-4891-9C4F-C7C5AA4E3CF0}" dt="2023-04-20T19:07:37.997" v="2896" actId="962"/>
+          <ac:spMkLst>
+            <pc:docMk/>
+            <pc:sldMk cId="1332957594" sldId="279"/>
+            <ac:spMk id="9" creationId="{102912EC-2BDA-E98A-C730-6DECD8917F88}"/>
+          </ac:spMkLst>
+        </pc:spChg>
+        <pc:spChg chg="mod topLvl">
+          <ac:chgData name="Dhruv Bhatnagar" userId="d3ce6c2664132320" providerId="LiveId" clId="{84C4CC69-7288-4891-9C4F-C7C5AA4E3CF0}" dt="2023-04-20T19:07:10.005" v="2771" actId="962"/>
+          <ac:spMkLst>
+            <pc:docMk/>
+            <pc:sldMk cId="1332957594" sldId="279"/>
+            <ac:spMk id="10" creationId="{9934CEFE-E4B1-86E8-BAC9-5B51DC47A2C6}"/>
+          </ac:spMkLst>
+        </pc:spChg>
+        <pc:spChg chg="mod topLvl">
+          <ac:chgData name="Dhruv Bhatnagar" userId="d3ce6c2664132320" providerId="LiveId" clId="{84C4CC69-7288-4891-9C4F-C7C5AA4E3CF0}" dt="2023-04-20T19:07:51.799" v="3008" actId="962"/>
+          <ac:spMkLst>
+            <pc:docMk/>
+            <pc:sldMk cId="1332957594" sldId="279"/>
+            <ac:spMk id="11" creationId="{48FD4320-586F-C1F2-65EC-7AB49AA05928}"/>
+          </ac:spMkLst>
+        </pc:spChg>
+        <pc:spChg chg="add del">
+          <ac:chgData name="Dhruv Bhatnagar" userId="d3ce6c2664132320" providerId="LiveId" clId="{84C4CC69-7288-4891-9C4F-C7C5AA4E3CF0}" dt="2023-04-20T19:06:32.832" v="2762" actId="26606"/>
+          <ac:spMkLst>
+            <pc:docMk/>
+            <pc:sldMk cId="1332957594" sldId="279"/>
+            <ac:spMk id="16" creationId="{F68B2C62-7648-4430-90D5-AE0F252AF113}"/>
+          </ac:spMkLst>
+        </pc:spChg>
+        <pc:spChg chg="add del">
+          <ac:chgData name="Dhruv Bhatnagar" userId="d3ce6c2664132320" providerId="LiveId" clId="{84C4CC69-7288-4891-9C4F-C7C5AA4E3CF0}" dt="2023-04-20T19:06:33.836" v="2764" actId="26606"/>
+          <ac:spMkLst>
+            <pc:docMk/>
+            <pc:sldMk cId="1332957594" sldId="279"/>
+            <ac:spMk id="24" creationId="{F68B2C62-7648-4430-90D5-AE0F252AF113}"/>
+          </ac:spMkLst>
+        </pc:spChg>
+        <pc:spChg chg="add del">
+          <ac:chgData name="Dhruv Bhatnagar" userId="d3ce6c2664132320" providerId="LiveId" clId="{84C4CC69-7288-4891-9C4F-C7C5AA4E3CF0}" dt="2023-04-20T19:06:44.422" v="2766" actId="26606"/>
+          <ac:spMkLst>
+            <pc:docMk/>
+            <pc:sldMk cId="1332957594" sldId="279"/>
+            <ac:spMk id="31" creationId="{F68B2C62-7648-4430-90D5-AE0F252AF113}"/>
+          </ac:spMkLst>
+        </pc:spChg>
+        <pc:spChg chg="add">
+          <ac:chgData name="Dhruv Bhatnagar" userId="d3ce6c2664132320" providerId="LiveId" clId="{84C4CC69-7288-4891-9C4F-C7C5AA4E3CF0}" dt="2023-04-20T19:06:44.444" v="2767" actId="26606"/>
+          <ac:spMkLst>
+            <pc:docMk/>
+            <pc:sldMk cId="1332957594" sldId="279"/>
+            <ac:spMk id="38" creationId="{F68B2C62-7648-4430-90D5-AE0F252AF113}"/>
+          </ac:spMkLst>
+        </pc:spChg>
+        <pc:grpChg chg="del mod">
+          <ac:chgData name="Dhruv Bhatnagar" userId="d3ce6c2664132320" providerId="LiveId" clId="{84C4CC69-7288-4891-9C4F-C7C5AA4E3CF0}" dt="2023-04-20T19:07:02.898" v="2769" actId="165"/>
+          <ac:grpSpMkLst>
+            <pc:docMk/>
+            <pc:sldMk cId="1332957594" sldId="279"/>
+            <ac:grpSpMk id="3" creationId="{2645D7A8-6331-4D47-EE50-760515EFCD63}"/>
+          </ac:grpSpMkLst>
+        </pc:grpChg>
+        <pc:graphicFrameChg chg="add del">
+          <ac:chgData name="Dhruv Bhatnagar" userId="d3ce6c2664132320" providerId="LiveId" clId="{84C4CC69-7288-4891-9C4F-C7C5AA4E3CF0}" dt="2023-04-20T19:06:32.832" v="2762" actId="26606"/>
+          <ac:graphicFrameMkLst>
+            <pc:docMk/>
+            <pc:sldMk cId="1332957594" sldId="279"/>
+            <ac:graphicFrameMk id="8" creationId="{DDEFE3EC-66AA-69F9-413E-E3A06EF73EC3}"/>
+          </ac:graphicFrameMkLst>
+        </pc:graphicFrameChg>
+        <pc:graphicFrameChg chg="add del">
+          <ac:chgData name="Dhruv Bhatnagar" userId="d3ce6c2664132320" providerId="LiveId" clId="{84C4CC69-7288-4891-9C4F-C7C5AA4E3CF0}" dt="2023-04-20T19:06:33.836" v="2764" actId="26606"/>
+          <ac:graphicFrameMkLst>
+            <pc:docMk/>
+            <pc:sldMk cId="1332957594" sldId="279"/>
+            <ac:graphicFrameMk id="27" creationId="{281538D1-2B16-E370-8306-61F80B9FD4D0}"/>
+          </ac:graphicFrameMkLst>
+        </pc:graphicFrameChg>
+        <pc:graphicFrameChg chg="add del">
+          <ac:chgData name="Dhruv Bhatnagar" userId="d3ce6c2664132320" providerId="LiveId" clId="{84C4CC69-7288-4891-9C4F-C7C5AA4E3CF0}" dt="2023-04-20T19:06:44.422" v="2766" actId="26606"/>
+          <ac:graphicFrameMkLst>
+            <pc:docMk/>
+            <pc:sldMk cId="1332957594" sldId="279"/>
+            <ac:graphicFrameMk id="34" creationId="{DDEFE3EC-66AA-69F9-413E-E3A06EF73EC3}"/>
+          </ac:graphicFrameMkLst>
+        </pc:graphicFrameChg>
+        <pc:graphicFrameChg chg="add del">
+          <ac:chgData name="Dhruv Bhatnagar" userId="d3ce6c2664132320" providerId="LiveId" clId="{84C4CC69-7288-4891-9C4F-C7C5AA4E3CF0}" dt="2023-04-20T19:06:58.584" v="2768" actId="18245"/>
+          <ac:graphicFrameMkLst>
+            <pc:docMk/>
+            <pc:sldMk cId="1332957594" sldId="279"/>
+            <ac:graphicFrameMk id="41" creationId="{281538D1-2B16-E370-8306-61F80B9FD4D0}"/>
+          </ac:graphicFrameMkLst>
+        </pc:graphicFrameChg>
+        <pc:cxnChg chg="add del">
+          <ac:chgData name="Dhruv Bhatnagar" userId="d3ce6c2664132320" providerId="LiveId" clId="{84C4CC69-7288-4891-9C4F-C7C5AA4E3CF0}" dt="2023-04-20T19:06:32.832" v="2762" actId="26606"/>
+          <ac:cxnSpMkLst>
+            <pc:docMk/>
+            <pc:sldMk cId="1332957594" sldId="279"/>
+            <ac:cxnSpMk id="12" creationId="{F64F9B95-9045-48D2-B9F3-2927E98F54AA}"/>
+          </ac:cxnSpMkLst>
+        </pc:cxnChg>
+        <pc:cxnChg chg="add del">
+          <ac:chgData name="Dhruv Bhatnagar" userId="d3ce6c2664132320" providerId="LiveId" clId="{84C4CC69-7288-4891-9C4F-C7C5AA4E3CF0}" dt="2023-04-20T19:06:32.832" v="2762" actId="26606"/>
+          <ac:cxnSpMkLst>
+            <pc:docMk/>
+            <pc:sldMk cId="1332957594" sldId="279"/>
+            <ac:cxnSpMk id="14" creationId="{085AA86F-6A4D-4BCB-A045-D992CDC2959B}"/>
+          </ac:cxnSpMkLst>
+        </pc:cxnChg>
+        <pc:cxnChg chg="add del">
+          <ac:chgData name="Dhruv Bhatnagar" userId="d3ce6c2664132320" providerId="LiveId" clId="{84C4CC69-7288-4891-9C4F-C7C5AA4E3CF0}" dt="2023-04-20T19:06:32.832" v="2762" actId="26606"/>
+          <ac:cxnSpMkLst>
+            <pc:docMk/>
+            <pc:sldMk cId="1332957594" sldId="279"/>
+            <ac:cxnSpMk id="18" creationId="{AAD0195E-7F27-4D06-9427-0C121D721A14}"/>
+          </ac:cxnSpMkLst>
+        </pc:cxnChg>
+        <pc:cxnChg chg="add del">
+          <ac:chgData name="Dhruv Bhatnagar" userId="d3ce6c2664132320" providerId="LiveId" clId="{84C4CC69-7288-4891-9C4F-C7C5AA4E3CF0}" dt="2023-04-20T19:06:32.832" v="2762" actId="26606"/>
+          <ac:cxnSpMkLst>
+            <pc:docMk/>
+            <pc:sldMk cId="1332957594" sldId="279"/>
+            <ac:cxnSpMk id="20" creationId="{9D74C2FC-3228-4FC1-B97B-87AD35508D91}"/>
+          </ac:cxnSpMkLst>
+        </pc:cxnChg>
+        <pc:cxnChg chg="add del">
+          <ac:chgData name="Dhruv Bhatnagar" userId="d3ce6c2664132320" providerId="LiveId" clId="{84C4CC69-7288-4891-9C4F-C7C5AA4E3CF0}" dt="2023-04-20T19:06:33.836" v="2764" actId="26606"/>
+          <ac:cxnSpMkLst>
+            <pc:docMk/>
+            <pc:sldMk cId="1332957594" sldId="279"/>
+            <ac:cxnSpMk id="22" creationId="{F64F9B95-9045-48D2-B9F3-2927E98F54AA}"/>
+          </ac:cxnSpMkLst>
+        </pc:cxnChg>
+        <pc:cxnChg chg="add del">
+          <ac:chgData name="Dhruv Bhatnagar" userId="d3ce6c2664132320" providerId="LiveId" clId="{84C4CC69-7288-4891-9C4F-C7C5AA4E3CF0}" dt="2023-04-20T19:06:33.836" v="2764" actId="26606"/>
+          <ac:cxnSpMkLst>
+            <pc:docMk/>
+            <pc:sldMk cId="1332957594" sldId="279"/>
+            <ac:cxnSpMk id="23" creationId="{085AA86F-6A4D-4BCB-A045-D992CDC2959B}"/>
+          </ac:cxnSpMkLst>
+        </pc:cxnChg>
+        <pc:cxnChg chg="add del">
+          <ac:chgData name="Dhruv Bhatnagar" userId="d3ce6c2664132320" providerId="LiveId" clId="{84C4CC69-7288-4891-9C4F-C7C5AA4E3CF0}" dt="2023-04-20T19:06:33.836" v="2764" actId="26606"/>
+          <ac:cxnSpMkLst>
+            <pc:docMk/>
+            <pc:sldMk cId="1332957594" sldId="279"/>
+            <ac:cxnSpMk id="25" creationId="{AAD0195E-7F27-4D06-9427-0C121D721A14}"/>
+          </ac:cxnSpMkLst>
+        </pc:cxnChg>
+        <pc:cxnChg chg="add del">
+          <ac:chgData name="Dhruv Bhatnagar" userId="d3ce6c2664132320" providerId="LiveId" clId="{84C4CC69-7288-4891-9C4F-C7C5AA4E3CF0}" dt="2023-04-20T19:06:33.836" v="2764" actId="26606"/>
+          <ac:cxnSpMkLst>
+            <pc:docMk/>
+            <pc:sldMk cId="1332957594" sldId="279"/>
+            <ac:cxnSpMk id="26" creationId="{9D74C2FC-3228-4FC1-B97B-87AD35508D91}"/>
+          </ac:cxnSpMkLst>
+        </pc:cxnChg>
+        <pc:cxnChg chg="add del">
+          <ac:chgData name="Dhruv Bhatnagar" userId="d3ce6c2664132320" providerId="LiveId" clId="{84C4CC69-7288-4891-9C4F-C7C5AA4E3CF0}" dt="2023-04-20T19:06:44.422" v="2766" actId="26606"/>
+          <ac:cxnSpMkLst>
+            <pc:docMk/>
+            <pc:sldMk cId="1332957594" sldId="279"/>
+            <ac:cxnSpMk id="29" creationId="{F64F9B95-9045-48D2-B9F3-2927E98F54AA}"/>
+          </ac:cxnSpMkLst>
+        </pc:cxnChg>
+        <pc:cxnChg chg="add del">
+          <ac:chgData name="Dhruv Bhatnagar" userId="d3ce6c2664132320" providerId="LiveId" clId="{84C4CC69-7288-4891-9C4F-C7C5AA4E3CF0}" dt="2023-04-20T19:06:44.422" v="2766" actId="26606"/>
+          <ac:cxnSpMkLst>
+            <pc:docMk/>
+            <pc:sldMk cId="1332957594" sldId="279"/>
+            <ac:cxnSpMk id="30" creationId="{085AA86F-6A4D-4BCB-A045-D992CDC2959B}"/>
+          </ac:cxnSpMkLst>
+        </pc:cxnChg>
+        <pc:cxnChg chg="add del">
+          <ac:chgData name="Dhruv Bhatnagar" userId="d3ce6c2664132320" providerId="LiveId" clId="{84C4CC69-7288-4891-9C4F-C7C5AA4E3CF0}" dt="2023-04-20T19:06:44.422" v="2766" actId="26606"/>
+          <ac:cxnSpMkLst>
+            <pc:docMk/>
+            <pc:sldMk cId="1332957594" sldId="279"/>
+            <ac:cxnSpMk id="32" creationId="{AAD0195E-7F27-4D06-9427-0C121D721A14}"/>
+          </ac:cxnSpMkLst>
+        </pc:cxnChg>
+        <pc:cxnChg chg="add del">
+          <ac:chgData name="Dhruv Bhatnagar" userId="d3ce6c2664132320" providerId="LiveId" clId="{84C4CC69-7288-4891-9C4F-C7C5AA4E3CF0}" dt="2023-04-20T19:06:44.422" v="2766" actId="26606"/>
+          <ac:cxnSpMkLst>
+            <pc:docMk/>
+            <pc:sldMk cId="1332957594" sldId="279"/>
+            <ac:cxnSpMk id="33" creationId="{9D74C2FC-3228-4FC1-B97B-87AD35508D91}"/>
+          </ac:cxnSpMkLst>
+        </pc:cxnChg>
+        <pc:cxnChg chg="add">
+          <ac:chgData name="Dhruv Bhatnagar" userId="d3ce6c2664132320" providerId="LiveId" clId="{84C4CC69-7288-4891-9C4F-C7C5AA4E3CF0}" dt="2023-04-20T19:06:44.444" v="2767" actId="26606"/>
+          <ac:cxnSpMkLst>
+            <pc:docMk/>
+            <pc:sldMk cId="1332957594" sldId="279"/>
+            <ac:cxnSpMk id="36" creationId="{F64F9B95-9045-48D2-B9F3-2927E98F54AA}"/>
+          </ac:cxnSpMkLst>
+        </pc:cxnChg>
+        <pc:cxnChg chg="add">
+          <ac:chgData name="Dhruv Bhatnagar" userId="d3ce6c2664132320" providerId="LiveId" clId="{84C4CC69-7288-4891-9C4F-C7C5AA4E3CF0}" dt="2023-04-20T19:06:44.444" v="2767" actId="26606"/>
+          <ac:cxnSpMkLst>
+            <pc:docMk/>
+            <pc:sldMk cId="1332957594" sldId="279"/>
+            <ac:cxnSpMk id="37" creationId="{085AA86F-6A4D-4BCB-A045-D992CDC2959B}"/>
+          </ac:cxnSpMkLst>
+        </pc:cxnChg>
+        <pc:cxnChg chg="add">
+          <ac:chgData name="Dhruv Bhatnagar" userId="d3ce6c2664132320" providerId="LiveId" clId="{84C4CC69-7288-4891-9C4F-C7C5AA4E3CF0}" dt="2023-04-20T19:06:44.444" v="2767" actId="26606"/>
+          <ac:cxnSpMkLst>
+            <pc:docMk/>
+            <pc:sldMk cId="1332957594" sldId="279"/>
+            <ac:cxnSpMk id="39" creationId="{AAD0195E-7F27-4D06-9427-0C121D721A14}"/>
+          </ac:cxnSpMkLst>
+        </pc:cxnChg>
+        <pc:cxnChg chg="add">
+          <ac:chgData name="Dhruv Bhatnagar" userId="d3ce6c2664132320" providerId="LiveId" clId="{84C4CC69-7288-4891-9C4F-C7C5AA4E3CF0}" dt="2023-04-20T19:06:44.444" v="2767" actId="26606"/>
+          <ac:cxnSpMkLst>
+            <pc:docMk/>
+            <pc:sldMk cId="1332957594" sldId="279"/>
+            <ac:cxnSpMk id="40" creationId="{9D74C2FC-3228-4FC1-B97B-87AD35508D91}"/>
+          </ac:cxnSpMkLst>
+        </pc:cxnChg>
       </pc:sldChg>
     </pc:docChg>
   </pc:docChgLst>
@@ -5389,7 +5645,7 @@
       </p:sp>
       <p:sp>
         <p:nvSpPr>
-          <p:cNvPr id="3" name="Subtitle 2">
+          <p:cNvPr id="3" name="Subtitle 2" descr="Use Case 3 Presenters and Subject Matter Experts&#10;&#10;Presenters: &#10;Noha Elprince, Olive Kingsley, Hanen Bondka, Anita Mohanani Rishi Bhatnagar, Dhruv Bhatnagar, Peter Shand, Halaa Menasy, Adam Pryce, and Ryan Carpenter&#10;&#10;Subject Matter Experts:&#10;Richard M. Kubina and Nate Green">
             <a:extLst>
               <a:ext uri="{FF2B5EF4-FFF2-40B4-BE49-F238E27FC236}">
                 <a16:creationId xmlns:a16="http://schemas.microsoft.com/office/drawing/2014/main" id="{98C5AE2C-99C3-6442-8E8B-420A3197757F}"/>
@@ -5550,7 +5806,7 @@
                   <a:schemeClr val="bg1"/>
                 </a:solidFill>
               </a:rPr>
-              <a:t>SME:</a:t>
+              <a:t>Subject Matter Experts:</a:t>
             </a:r>
           </a:p>
           <a:p>
@@ -5624,13 +5880,13 @@
       </p:cxnSp>
       <p:pic>
         <p:nvPicPr>
-          <p:cNvPr id="4" name="Picture 3" descr="Spacial view of digital earth">
+          <p:cNvPr id="4" name="Picture 3">
             <a:extLst>
               <a:ext uri="{FF2B5EF4-FFF2-40B4-BE49-F238E27FC236}">
                 <a16:creationId xmlns:a16="http://schemas.microsoft.com/office/drawing/2014/main" id="{63C3635F-364E-443F-BB85-CD03F126A750}"/>
               </a:ext>
               <a:ext uri="{C183D7F6-B498-43B3-948B-1728B52AA6E4}">
-                <adec:decorative xmlns:adec="http://schemas.microsoft.com/office/drawing/2017/decorative" val="0"/>
+                <adec:decorative xmlns:adec="http://schemas.microsoft.com/office/drawing/2017/decorative" val="1"/>
               </a:ext>
             </a:extLst>
           </p:cNvPr>
@@ -5656,7 +5912,7 @@
       </p:pic>
       <p:sp>
         <p:nvSpPr>
-          <p:cNvPr id="2" name="Title 1">
+          <p:cNvPr id="2" name="Title 1" descr="Autism Hackathon Use Case 3: Machine Learning">
             <a:extLst>
               <a:ext uri="{FF2B5EF4-FFF2-40B4-BE49-F238E27FC236}">
                 <a16:creationId xmlns:a16="http://schemas.microsoft.com/office/drawing/2014/main" id="{A99809CF-F9FB-9648-BE97-57FEB9810130}"/>
@@ -6085,7 +6341,7 @@
       </p:sp>
       <p:sp>
         <p:nvSpPr>
-          <p:cNvPr id="2" name="Title 1">
+          <p:cNvPr id="2" name="Title 1" descr="Agenda">
             <a:extLst>
               <a:ext uri="{FF2B5EF4-FFF2-40B4-BE49-F238E27FC236}">
                 <a16:creationId xmlns:a16="http://schemas.microsoft.com/office/drawing/2014/main" id="{E3E6EF95-9BC9-874A-A61B-A894100F857D}"/>
@@ -6137,7 +6393,7 @@
                 <a:cs typeface="+mj-cs"/>
               </a:rPr>
             </a:br>
-            <a:endParaRPr lang="en-US" kern="1200" cap="all" spc="30" baseline="0">
+            <a:endParaRPr lang="en-US" kern="1200" cap="all" spc="30" baseline="0" dirty="0">
               <a:solidFill>
                 <a:schemeClr val="tx1"/>
               </a:solidFill>
@@ -6234,7 +6490,7 @@
       </p:cxnSp>
       <p:sp>
         <p:nvSpPr>
-          <p:cNvPr id="4" name="TextBox 3">
+          <p:cNvPr id="4" name="TextBox 3" descr="&#10;Problem Statement&#10;Approaches&#10;Insights&#10;Executive Summary&#10;Next Steps&#10;Appendix: Dimensionality reduction techniques:&#10;PCA&#10;T-SNE (visualization)&#10;Clustering Model&#10;Clustering Analysis&#10;">
             <a:extLst>
               <a:ext uri="{FF2B5EF4-FFF2-40B4-BE49-F238E27FC236}">
                 <a16:creationId xmlns:a16="http://schemas.microsoft.com/office/drawing/2014/main" id="{B7E8CF86-5F07-F34F-A2A3-91213CF25BFE}"/>
@@ -6601,7 +6857,7 @@
       </p:sp>
       <p:sp>
         <p:nvSpPr>
-          <p:cNvPr id="9" name="Title 8">
+          <p:cNvPr id="9" name="Title 8" descr="Problem Statements">
             <a:extLst>
               <a:ext uri="{FF2B5EF4-FFF2-40B4-BE49-F238E27FC236}">
                 <a16:creationId xmlns:a16="http://schemas.microsoft.com/office/drawing/2014/main" id="{1F2AF110-AF37-16D4-9349-0D6C71440CA4}"/>
@@ -6636,7 +6892,7 @@
       </p:sp>
       <p:sp>
         <p:nvSpPr>
-          <p:cNvPr id="5" name="Freeform: Shape 4">
+          <p:cNvPr id="5" name="Freeform: Shape 4" descr="Problem Statement #1 - Identify peer group for a patient to compare progress against&#10;">
             <a:extLst>
               <a:ext uri="{FF2B5EF4-FFF2-40B4-BE49-F238E27FC236}">
                 <a16:creationId xmlns:a16="http://schemas.microsoft.com/office/drawing/2014/main" id="{0D240C24-E650-2CB7-783F-DDC7E14EC589}"/>
@@ -7121,7 +7377,7 @@
       </p:sp>
       <p:sp>
         <p:nvSpPr>
-          <p:cNvPr id="8" name="Freeform: Shape 7">
+          <p:cNvPr id="8" name="Freeform: Shape 7" descr="Problem Statement #2 - Determine whether progress is being made based on assessment&#10;">
             <a:extLst>
               <a:ext uri="{FF2B5EF4-FFF2-40B4-BE49-F238E27FC236}">
                 <a16:creationId xmlns:a16="http://schemas.microsoft.com/office/drawing/2014/main" id="{F3AEFCC2-DD9C-5066-AC9A-305A48BB4318}"/>
@@ -7286,7 +7542,7 @@
       </p:grpSpPr>
       <p:sp>
         <p:nvSpPr>
-          <p:cNvPr id="2" name="Title 1">
+          <p:cNvPr id="2" name="Title 1" descr="Methodology">
             <a:extLst>
               <a:ext uri="{FF2B5EF4-FFF2-40B4-BE49-F238E27FC236}">
                 <a16:creationId xmlns:a16="http://schemas.microsoft.com/office/drawing/2014/main" id="{8F99FF3D-E0E3-8DB4-56BA-F521A5CA64E4}"/>
@@ -7443,7 +7699,7 @@
       </p:sp>
       <p:sp>
         <p:nvSpPr>
-          <p:cNvPr id="11" name="Freeform: Shape 10">
+          <p:cNvPr id="11" name="Freeform: Shape 10" descr="Principal component analysis (PCA) is used to reduce the dimensionality. It finds a new set of dimensions such that all the dimensions ranked according to the variance of data along them. &#10;">
             <a:extLst>
               <a:ext uri="{FF2B5EF4-FFF2-40B4-BE49-F238E27FC236}">
                 <a16:creationId xmlns:a16="http://schemas.microsoft.com/office/drawing/2014/main" id="{34011E0A-0792-298C-2A46-FA72415BB7C9}"/>
@@ -7712,7 +7968,7 @@
       </p:sp>
       <p:sp>
         <p:nvSpPr>
-          <p:cNvPr id="26" name="Freeform: Shape 25">
+          <p:cNvPr id="26" name="Freeform: Shape 25" descr="t-SNE is used to reduce the dimensionality, data visualization and for outlier detection. It is used to map high dimensional data to 2 or 3 dimensions in order to visualize it.&#10;">
             <a:extLst>
               <a:ext uri="{FF2B5EF4-FFF2-40B4-BE49-F238E27FC236}">
                 <a16:creationId xmlns:a16="http://schemas.microsoft.com/office/drawing/2014/main" id="{1ECDFCE6-B68C-2A4A-06CD-4A217B9C87AF}"/>
@@ -9131,7 +9387,7 @@
       </p:grpSpPr>
       <p:sp>
         <p:nvSpPr>
-          <p:cNvPr id="6" name="Title 1">
+          <p:cNvPr id="6" name="Title 1" descr="Insights">
             <a:extLst>
               <a:ext uri="{FF2B5EF4-FFF2-40B4-BE49-F238E27FC236}">
                 <a16:creationId xmlns:a16="http://schemas.microsoft.com/office/drawing/2014/main" id="{534BF635-0AED-1C94-380C-572EBA67082A}"/>
@@ -9158,16 +9414,15 @@
           <a:lstStyle/>
           <a:p>
             <a:r>
-              <a:rPr lang="en-US"/>
+              <a:rPr lang="en-US" dirty="0"/>
               <a:t>Insights</a:t>
             </a:r>
-            <a:endParaRPr lang="en-US" dirty="0"/>
           </a:p>
         </p:txBody>
       </p:sp>
       <p:sp>
         <p:nvSpPr>
-          <p:cNvPr id="3" name="Freeform: Shape 2">
+          <p:cNvPr id="3" name="Freeform: Shape 2" descr="Data cleaning - e.g., future dated assessments, date of births, missing gender, etc.&#10;Data compaction – from 544 skills to 25 behaviors – unweighted means, weighted means, bucketing&#10;">
             <a:extLst>
               <a:ext uri="{FF2B5EF4-FFF2-40B4-BE49-F238E27FC236}">
                 <a16:creationId xmlns:a16="http://schemas.microsoft.com/office/drawing/2014/main" id="{855C1811-0770-C017-E668-1834EC5C826F}"/>
@@ -9318,7 +9573,7 @@
       </p:sp>
       <p:sp>
         <p:nvSpPr>
-          <p:cNvPr id="4" name="Freeform: Shape 3">
+          <p:cNvPr id="4" name="Freeform: Shape 3" descr="Data Curation">
             <a:extLst>
               <a:ext uri="{FF2B5EF4-FFF2-40B4-BE49-F238E27FC236}">
                 <a16:creationId xmlns:a16="http://schemas.microsoft.com/office/drawing/2014/main" id="{F7538B52-2384-B447-014B-AF5148BB30D7}"/>
@@ -9485,7 +9740,7 @@
       </p:sp>
       <p:sp>
         <p:nvSpPr>
-          <p:cNvPr id="5" name="Freeform: Shape 4">
+          <p:cNvPr id="5" name="Freeform: Shape 4" descr="Tried K-means, GMM&#10;">
             <a:extLst>
               <a:ext uri="{FF2B5EF4-FFF2-40B4-BE49-F238E27FC236}">
                 <a16:creationId xmlns:a16="http://schemas.microsoft.com/office/drawing/2014/main" id="{7ED63DF3-AD44-88BC-43C1-3C5BDA333374}"/>
@@ -9618,7 +9873,7 @@
       </p:sp>
       <p:sp>
         <p:nvSpPr>
-          <p:cNvPr id="7" name="Freeform: Shape 6">
+          <p:cNvPr id="7" name="Freeform: Shape 6" descr="Selecting the Right Model">
             <a:extLst>
               <a:ext uri="{FF2B5EF4-FFF2-40B4-BE49-F238E27FC236}">
                 <a16:creationId xmlns:a16="http://schemas.microsoft.com/office/drawing/2014/main" id="{B9F90A7A-8DB1-8C47-4176-93CCAB58CECD}"/>
@@ -9846,7 +10101,7 @@
       </p:sp>
       <p:sp>
         <p:nvSpPr>
-          <p:cNvPr id="9" name="Freeform: Shape 8">
+          <p:cNvPr id="9" name="Freeform: Shape 8" descr="Cluster Analysis">
             <a:extLst>
               <a:ext uri="{FF2B5EF4-FFF2-40B4-BE49-F238E27FC236}">
                 <a16:creationId xmlns:a16="http://schemas.microsoft.com/office/drawing/2014/main" id="{ACC98BAE-7536-9CCD-59CC-EE8139801AD2}"/>
@@ -10004,16 +10259,16 @@
               <a:buNone/>
             </a:pPr>
             <a:r>
-              <a:rPr lang="en-US" sz="2400" b="0" i="0" kern="1200"/>
+              <a:rPr lang="en-US" sz="2400" b="0" i="0" kern="1200" dirty="0"/>
               <a:t>Cluster analysis</a:t>
             </a:r>
-            <a:endParaRPr lang="en-US" sz="2400" kern="1200"/>
+            <a:endParaRPr lang="en-US" sz="2400" kern="1200" dirty="0"/>
           </a:p>
         </p:txBody>
       </p:sp>
       <p:sp>
         <p:nvSpPr>
-          <p:cNvPr id="10" name="Freeform: Shape 9">
+          <p:cNvPr id="10" name="Freeform: Shape 9" descr="Lean metadata – age, gender are very broad dimensions to profile&#10;">
             <a:extLst>
               <a:ext uri="{FF2B5EF4-FFF2-40B4-BE49-F238E27FC236}">
                 <a16:creationId xmlns:a16="http://schemas.microsoft.com/office/drawing/2014/main" id="{C34413B0-E86C-F2AD-D01C-96E0B195BA61}"/>
@@ -10146,7 +10401,7 @@
       </p:sp>
       <p:sp>
         <p:nvSpPr>
-          <p:cNvPr id="11" name="Freeform: Shape 10">
+          <p:cNvPr id="11" name="Freeform: Shape 10" descr="Data Analysis">
             <a:extLst>
               <a:ext uri="{FF2B5EF4-FFF2-40B4-BE49-F238E27FC236}">
                 <a16:creationId xmlns:a16="http://schemas.microsoft.com/office/drawing/2014/main" id="{7410E1BF-AB3A-6D77-27B8-CD863E553E63}"/>
@@ -10304,16 +10559,16 @@
               <a:buNone/>
             </a:pPr>
             <a:r>
-              <a:rPr lang="en-US" sz="2400" b="0" i="0" kern="1200"/>
+              <a:rPr lang="en-US" sz="2400" b="0" i="0" kern="1200" dirty="0"/>
               <a:t>Data analysis</a:t>
             </a:r>
-            <a:endParaRPr lang="en-US" sz="2400" kern="1200"/>
+            <a:endParaRPr lang="en-US" sz="2400" kern="1200" dirty="0"/>
           </a:p>
         </p:txBody>
       </p:sp>
       <p:sp>
         <p:nvSpPr>
-          <p:cNvPr id="12" name="Freeform: Shape 11">
+          <p:cNvPr id="12" name="Freeform: Shape 11" descr="Link to the website graphing student performance data.">
             <a:extLst>
               <a:ext uri="{FF2B5EF4-FFF2-40B4-BE49-F238E27FC236}">
                 <a16:creationId xmlns:a16="http://schemas.microsoft.com/office/drawing/2014/main" id="{0B8D5BF2-B4C3-02D7-5D9B-6692E75DED15}"/>
@@ -10449,7 +10704,7 @@
       </p:sp>
       <p:sp>
         <p:nvSpPr>
-          <p:cNvPr id="13" name="Freeform: Shape 12">
+          <p:cNvPr id="13" name="Freeform: Shape 12" descr="Visualizing the data&#10;">
             <a:extLst>
               <a:ext uri="{FF2B5EF4-FFF2-40B4-BE49-F238E27FC236}">
                 <a16:creationId xmlns:a16="http://schemas.microsoft.com/office/drawing/2014/main" id="{8A39E3CC-D296-30AA-C410-52268E49D608}"/>
@@ -10607,10 +10862,10 @@
               <a:buNone/>
             </a:pPr>
             <a:r>
-              <a:rPr lang="en-US" sz="2400" b="0" i="0" kern="1200"/>
+              <a:rPr lang="en-US" sz="2400" b="0" i="0" kern="1200" dirty="0"/>
               <a:t>Visualizing the data</a:t>
             </a:r>
-            <a:endParaRPr lang="en-US" sz="2400" kern="1200"/>
+            <a:endParaRPr lang="en-US" sz="2400" kern="1200" dirty="0"/>
           </a:p>
         </p:txBody>
       </p:sp>
@@ -10646,7 +10901,7 @@
       </p:grpSpPr>
       <p:sp>
         <p:nvSpPr>
-          <p:cNvPr id="6" name="Title 5">
+          <p:cNvPr id="6" name="Title 5" descr="Executive Summary">
             <a:extLst>
               <a:ext uri="{FF2B5EF4-FFF2-40B4-BE49-F238E27FC236}">
                 <a16:creationId xmlns:a16="http://schemas.microsoft.com/office/drawing/2014/main" id="{56833CAF-0C8F-BF76-5DAE-7AB825FB6E69}"/>
@@ -10720,6 +10975,14 @@
 <file path=ppt/slides/slide7.xml><?xml version="1.0" encoding="utf-8"?>
 <p:sld xmlns:a="http://schemas.openxmlformats.org/drawingml/2006/main" xmlns:r="http://schemas.openxmlformats.org/officeDocument/2006/relationships" xmlns:p="http://schemas.openxmlformats.org/presentationml/2006/main">
   <p:cSld>
+    <p:bg>
+      <p:bgPr>
+        <a:solidFill>
+          <a:schemeClr val="bg1"/>
+        </a:solidFill>
+        <a:effectLst/>
+      </p:bgPr>
+    </p:bg>
     <p:spTree>
       <p:nvGrpSpPr>
         <p:cNvPr id="1" name=""/>
@@ -10734,9 +10997,189 @@
           <a:chExt cx="0" cy="0"/>
         </a:xfrm>
       </p:grpSpPr>
-      <p:sp>
-        <p:nvSpPr>
-          <p:cNvPr id="6" name="Title 1">
+      <p:cxnSp>
+        <p:nvCxnSpPr>
+          <p:cNvPr id="36" name="Straight Connector 11">
+            <a:extLst>
+              <a:ext uri="{FF2B5EF4-FFF2-40B4-BE49-F238E27FC236}">
+                <a16:creationId xmlns:a16="http://schemas.microsoft.com/office/drawing/2014/main" id="{F64F9B95-9045-48D2-B9F3-2927E98F54AA}"/>
+              </a:ext>
+              <a:ext uri="{C183D7F6-B498-43B3-948B-1728B52AA6E4}">
+                <adec:decorative xmlns:adec="http://schemas.microsoft.com/office/drawing/2017/decorative" val="1"/>
+              </a:ext>
+            </a:extLst>
+          </p:cNvPr>
+          <p:cNvCxnSpPr>
+            <a:cxnSpLocks noGrp="1" noRot="1" noChangeAspect="1" noMove="1" noResize="1" noEditPoints="1" noAdjustHandles="1" noChangeArrowheads="1" noChangeShapeType="1"/>
+          </p:cNvCxnSpPr>
+          <p:nvPr>
+            <p:extLst>
+              <p:ext uri="{386F3935-93C4-4BCD-93E2-E3B085C9AB24}">
+                <p16:designElem xmlns:p16="http://schemas.microsoft.com/office/powerpoint/2015/main" val="1"/>
+              </p:ext>
+            </p:extLst>
+          </p:nvPr>
+        </p:nvCxnSpPr>
+        <p:spPr>
+          <a:xfrm>
+            <a:off x="800100" y="723900"/>
+            <a:ext cx="10591800" cy="0"/>
+          </a:xfrm>
+          <a:prstGeom prst="line">
+            <a:avLst/>
+          </a:prstGeom>
+          <a:ln w="44450">
+            <a:solidFill>
+              <a:schemeClr val="tx1"/>
+            </a:solidFill>
+          </a:ln>
+        </p:spPr>
+        <p:style>
+          <a:lnRef idx="1">
+            <a:schemeClr val="accent1"/>
+          </a:lnRef>
+          <a:fillRef idx="0">
+            <a:schemeClr val="accent1"/>
+          </a:fillRef>
+          <a:effectRef idx="0">
+            <a:schemeClr val="accent1"/>
+          </a:effectRef>
+          <a:fontRef idx="minor">
+            <a:schemeClr val="tx1"/>
+          </a:fontRef>
+        </p:style>
+      </p:cxnSp>
+      <p:cxnSp>
+        <p:nvCxnSpPr>
+          <p:cNvPr id="37" name="Straight Connector 13">
+            <a:extLst>
+              <a:ext uri="{FF2B5EF4-FFF2-40B4-BE49-F238E27FC236}">
+                <a16:creationId xmlns:a16="http://schemas.microsoft.com/office/drawing/2014/main" id="{085AA86F-6A4D-4BCB-A045-D992CDC2959B}"/>
+              </a:ext>
+              <a:ext uri="{C183D7F6-B498-43B3-948B-1728B52AA6E4}">
+                <adec:decorative xmlns:adec="http://schemas.microsoft.com/office/drawing/2017/decorative" val="1"/>
+              </a:ext>
+            </a:extLst>
+          </p:cNvPr>
+          <p:cNvCxnSpPr>
+            <a:cxnSpLocks noGrp="1" noRot="1" noChangeAspect="1" noMove="1" noResize="1" noEditPoints="1" noAdjustHandles="1" noChangeArrowheads="1" noChangeShapeType="1"/>
+          </p:cNvCxnSpPr>
+          <p:nvPr>
+            <p:extLst>
+              <p:ext uri="{386F3935-93C4-4BCD-93E2-E3B085C9AB24}">
+                <p16:designElem xmlns:p16="http://schemas.microsoft.com/office/powerpoint/2015/main" val="1"/>
+              </p:ext>
+            </p:extLst>
+          </p:nvPr>
+        </p:nvCxnSpPr>
+        <p:spPr>
+          <a:xfrm>
+            <a:off x="800100" y="6142781"/>
+            <a:ext cx="10591800" cy="0"/>
+          </a:xfrm>
+          <a:prstGeom prst="line">
+            <a:avLst/>
+          </a:prstGeom>
+          <a:ln w="12700">
+            <a:solidFill>
+              <a:schemeClr val="tx1"/>
+            </a:solidFill>
+          </a:ln>
+        </p:spPr>
+        <p:style>
+          <a:lnRef idx="1">
+            <a:schemeClr val="accent1"/>
+          </a:lnRef>
+          <a:fillRef idx="0">
+            <a:schemeClr val="accent1"/>
+          </a:fillRef>
+          <a:effectRef idx="0">
+            <a:schemeClr val="accent1"/>
+          </a:effectRef>
+          <a:fontRef idx="minor">
+            <a:schemeClr val="tx1"/>
+          </a:fontRef>
+        </p:style>
+      </p:cxnSp>
+      <p:sp useBgFill="1">
+        <p:nvSpPr>
+          <p:cNvPr id="38" name="Rectangle 15">
+            <a:extLst>
+              <a:ext uri="{FF2B5EF4-FFF2-40B4-BE49-F238E27FC236}">
+                <a16:creationId xmlns:a16="http://schemas.microsoft.com/office/drawing/2014/main" id="{F68B2C62-7648-4430-90D5-AE0F252AF113}"/>
+              </a:ext>
+              <a:ext uri="{C183D7F6-B498-43B3-948B-1728B52AA6E4}">
+                <adec:decorative xmlns:adec="http://schemas.microsoft.com/office/drawing/2017/decorative" val="1"/>
+              </a:ext>
+            </a:extLst>
+          </p:cNvPr>
+          <p:cNvSpPr>
+            <a:spLocks noGrp="1" noRot="1" noChangeAspect="1" noMove="1" noResize="1" noEditPoints="1" noAdjustHandles="1" noChangeArrowheads="1" noChangeShapeType="1" noTextEdit="1"/>
+          </p:cNvSpPr>
+          <p:nvPr>
+            <p:extLst>
+              <p:ext uri="{386F3935-93C4-4BCD-93E2-E3B085C9AB24}">
+                <p16:designElem xmlns:p16="http://schemas.microsoft.com/office/powerpoint/2015/main" val="1"/>
+              </p:ext>
+            </p:extLst>
+          </p:nvPr>
+        </p:nvSpPr>
+        <p:spPr>
+          <a:xfrm>
+            <a:off x="0" y="0"/>
+            <a:ext cx="12192000" cy="6858000"/>
+          </a:xfrm>
+          <a:prstGeom prst="rect">
+            <a:avLst/>
+          </a:prstGeom>
+          <a:ln w="12700" cap="flat" cmpd="sng" algn="ctr">
+            <a:noFill/>
+            <a:prstDash val="solid"/>
+            <a:miter lim="800000"/>
+          </a:ln>
+          <a:effectLst/>
+          <a:extLst>
+            <a:ext uri="{91240B29-F687-4F45-9708-019B960494DF}">
+              <a14:hiddenLine xmlns:a14="http://schemas.microsoft.com/office/drawing/2010/main" w="12700" cap="flat" cmpd="sng" algn="ctr">
+                <a:solidFill>
+                  <a:schemeClr val="accent1">
+                    <a:shade val="50000"/>
+                  </a:schemeClr>
+                </a:solidFill>
+                <a:prstDash val="solid"/>
+                <a:miter lim="800000"/>
+              </a14:hiddenLine>
+            </a:ext>
+          </a:extLst>
+        </p:spPr>
+        <p:style>
+          <a:lnRef idx="2">
+            <a:schemeClr val="accent1">
+              <a:shade val="50000"/>
+            </a:schemeClr>
+          </a:lnRef>
+          <a:fillRef idx="1">
+            <a:schemeClr val="accent1"/>
+          </a:fillRef>
+          <a:effectRef idx="0">
+            <a:schemeClr val="accent1"/>
+          </a:effectRef>
+          <a:fontRef idx="minor">
+            <a:schemeClr val="lt1"/>
+          </a:fontRef>
+        </p:style>
+        <p:txBody>
+          <a:bodyPr rtlCol="0" anchor="ctr"/>
+          <a:lstStyle/>
+          <a:p>
+            <a:pPr algn="ctr"/>
+            <a:endParaRPr lang="en-US"/>
+          </a:p>
+        </p:txBody>
+      </p:sp>
+      <p:sp>
+        <p:nvSpPr>
+          <p:cNvPr id="6" name="Title 1" descr="Next Steps">
             <a:extLst>
               <a:ext uri="{FF2B5EF4-FFF2-40B4-BE49-F238E27FC236}">
                 <a16:creationId xmlns:a16="http://schemas.microsoft.com/office/drawing/2014/main" id="{534BF635-0AED-1C94-380C-572EBA67082A}"/>
@@ -10752,79 +11195,827 @@
         </p:nvSpPr>
         <p:spPr>
           <a:xfrm>
-            <a:off x="689745" y="94782"/>
-            <a:ext cx="10691265" cy="601899"/>
+            <a:off x="700087" y="909638"/>
+            <a:ext cx="10691813" cy="1155618"/>
           </a:xfrm>
         </p:spPr>
         <p:txBody>
-          <a:bodyPr>
-            <a:normAutofit fontScale="90000"/>
+          <a:bodyPr vert="horz" lIns="91440" tIns="45720" rIns="91440" bIns="45720" rtlCol="0" anchor="t">
+            <a:normAutofit/>
           </a:bodyPr>
           <a:lstStyle/>
           <a:p>
             <a:r>
-              <a:rPr lang="en-US"/>
+              <a:rPr lang="en-US" kern="1200" cap="all" spc="30" baseline="0" dirty="0">
+                <a:solidFill>
+                  <a:schemeClr val="tx1"/>
+                </a:solidFill>
+                <a:latin typeface="+mj-lt"/>
+                <a:ea typeface="+mj-ea"/>
+                <a:cs typeface="+mj-cs"/>
+              </a:rPr>
               <a:t>Next Steps</a:t>
             </a:r>
-            <a:endParaRPr lang="en-US" dirty="0"/>
           </a:p>
         </p:txBody>
       </p:sp>
-      <p:sp>
-        <p:nvSpPr>
-          <p:cNvPr id="2" name="TextBox 1">
-            <a:extLst>
-              <a:ext uri="{FF2B5EF4-FFF2-40B4-BE49-F238E27FC236}">
-                <a16:creationId xmlns:a16="http://schemas.microsoft.com/office/drawing/2014/main" id="{6FB612EE-C982-92D2-3BEB-FCA5D756BFDC}"/>
-              </a:ext>
-            </a:extLst>
-          </p:cNvPr>
-          <p:cNvSpPr txBox="1"/>
-          <p:nvPr/>
-        </p:nvSpPr>
+      <p:cxnSp>
+        <p:nvCxnSpPr>
+          <p:cNvPr id="39" name="Straight Connector 17">
+            <a:extLst>
+              <a:ext uri="{FF2B5EF4-FFF2-40B4-BE49-F238E27FC236}">
+                <a16:creationId xmlns:a16="http://schemas.microsoft.com/office/drawing/2014/main" id="{AAD0195E-7F27-4D06-9427-0C121D721A14}"/>
+              </a:ext>
+              <a:ext uri="{C183D7F6-B498-43B3-948B-1728B52AA6E4}">
+                <adec:decorative xmlns:adec="http://schemas.microsoft.com/office/drawing/2017/decorative" val="1"/>
+              </a:ext>
+            </a:extLst>
+          </p:cNvPr>
+          <p:cNvCxnSpPr>
+            <a:cxnSpLocks noGrp="1" noRot="1" noChangeAspect="1" noMove="1" noResize="1" noEditPoints="1" noAdjustHandles="1" noChangeArrowheads="1" noChangeShapeType="1"/>
+          </p:cNvCxnSpPr>
+          <p:nvPr>
+            <p:extLst>
+              <p:ext uri="{386F3935-93C4-4BCD-93E2-E3B085C9AB24}">
+                <p16:designElem xmlns:p16="http://schemas.microsoft.com/office/powerpoint/2015/main" val="1"/>
+              </p:ext>
+            </p:extLst>
+          </p:nvPr>
+        </p:nvCxnSpPr>
         <p:spPr>
           <a:xfrm>
-            <a:off x="667626" y="1698171"/>
-            <a:ext cx="10707945" cy="707886"/>
+            <a:off x="800100" y="723900"/>
+            <a:ext cx="10591800" cy="0"/>
           </a:xfrm>
-          <a:prstGeom prst="rect">
+          <a:prstGeom prst="line">
             <a:avLst/>
           </a:prstGeom>
-          <a:noFill/>
+          <a:ln w="44450">
+            <a:solidFill>
+              <a:schemeClr val="tx1"/>
+            </a:solidFill>
+          </a:ln>
         </p:spPr>
+        <p:style>
+          <a:lnRef idx="1">
+            <a:schemeClr val="accent1"/>
+          </a:lnRef>
+          <a:fillRef idx="0">
+            <a:schemeClr val="accent1"/>
+          </a:fillRef>
+          <a:effectRef idx="0">
+            <a:schemeClr val="accent1"/>
+          </a:effectRef>
+          <a:fontRef idx="minor">
+            <a:schemeClr val="tx1"/>
+          </a:fontRef>
+        </p:style>
+      </p:cxnSp>
+      <p:cxnSp>
+        <p:nvCxnSpPr>
+          <p:cNvPr id="40" name="Straight Connector 19">
+            <a:extLst>
+              <a:ext uri="{FF2B5EF4-FFF2-40B4-BE49-F238E27FC236}">
+                <a16:creationId xmlns:a16="http://schemas.microsoft.com/office/drawing/2014/main" id="{9D74C2FC-3228-4FC1-B97B-87AD35508D91}"/>
+              </a:ext>
+              <a:ext uri="{C183D7F6-B498-43B3-948B-1728B52AA6E4}">
+                <adec:decorative xmlns:adec="http://schemas.microsoft.com/office/drawing/2017/decorative" val="1"/>
+              </a:ext>
+            </a:extLst>
+          </p:cNvPr>
+          <p:cNvCxnSpPr>
+            <a:cxnSpLocks noGrp="1" noRot="1" noChangeAspect="1" noMove="1" noResize="1" noEditPoints="1" noAdjustHandles="1" noChangeArrowheads="1" noChangeShapeType="1"/>
+          </p:cNvCxnSpPr>
+          <p:nvPr>
+            <p:extLst>
+              <p:ext uri="{386F3935-93C4-4BCD-93E2-E3B085C9AB24}">
+                <p16:designElem xmlns:p16="http://schemas.microsoft.com/office/powerpoint/2015/main" val="1"/>
+              </p:ext>
+            </p:extLst>
+          </p:nvPr>
+        </p:nvCxnSpPr>
+        <p:spPr>
+          <a:xfrm>
+            <a:off x="800100" y="6142781"/>
+            <a:ext cx="10591800" cy="0"/>
+          </a:xfrm>
+          <a:prstGeom prst="line">
+            <a:avLst/>
+          </a:prstGeom>
+          <a:ln w="12700">
+            <a:solidFill>
+              <a:schemeClr val="tx1"/>
+            </a:solidFill>
+          </a:ln>
+        </p:spPr>
+        <p:style>
+          <a:lnRef idx="1">
+            <a:schemeClr val="accent1"/>
+          </a:lnRef>
+          <a:fillRef idx="0">
+            <a:schemeClr val="accent1"/>
+          </a:fillRef>
+          <a:effectRef idx="0">
+            <a:schemeClr val="accent1"/>
+          </a:effectRef>
+          <a:fontRef idx="minor">
+            <a:schemeClr val="tx1"/>
+          </a:fontRef>
+        </p:style>
+      </p:cxnSp>
+      <p:sp>
+        <p:nvSpPr>
+          <p:cNvPr id="4" name="Rectangle: Rounded Corners 3">
+            <a:extLst>
+              <a:ext uri="{FF2B5EF4-FFF2-40B4-BE49-F238E27FC236}">
+                <a16:creationId xmlns:a16="http://schemas.microsoft.com/office/drawing/2014/main" id="{D633214F-3578-95C9-90C0-5283310144F3}"/>
+              </a:ext>
+              <a:ext uri="{C183D7F6-B498-43B3-948B-1728B52AA6E4}">
+                <adec:decorative xmlns:adec="http://schemas.microsoft.com/office/drawing/2017/decorative" val="1"/>
+              </a:ext>
+            </a:extLst>
+          </p:cNvPr>
+          <p:cNvSpPr/>
+          <p:nvPr/>
+        </p:nvSpPr>
+        <p:spPr>
+          <a:xfrm>
+            <a:off x="700088" y="2997379"/>
+            <a:ext cx="3007072" cy="1909490"/>
+          </a:xfrm>
+          <a:prstGeom prst="roundRect">
+            <a:avLst>
+              <a:gd name="adj" fmla="val 10000"/>
+            </a:avLst>
+          </a:prstGeom>
+        </p:spPr>
+        <p:style>
+          <a:lnRef idx="2">
+            <a:schemeClr val="lt1">
+              <a:hueOff val="0"/>
+              <a:satOff val="0"/>
+              <a:lumOff val="0"/>
+              <a:alphaOff val="0"/>
+            </a:schemeClr>
+          </a:lnRef>
+          <a:fillRef idx="1">
+            <a:schemeClr val="accent1">
+              <a:hueOff val="0"/>
+              <a:satOff val="0"/>
+              <a:lumOff val="0"/>
+              <a:alphaOff val="0"/>
+            </a:schemeClr>
+          </a:fillRef>
+          <a:effectRef idx="0">
+            <a:schemeClr val="accent1">
+              <a:hueOff val="0"/>
+              <a:satOff val="0"/>
+              <a:lumOff val="0"/>
+              <a:alphaOff val="0"/>
+            </a:schemeClr>
+          </a:effectRef>
+          <a:fontRef idx="minor">
+            <a:schemeClr val="lt1"/>
+          </a:fontRef>
+        </p:style>
+      </p:sp>
+      <p:sp>
+        <p:nvSpPr>
+          <p:cNvPr id="5" name="Freeform: Shape 4" descr="Depth vs breadth of data">
+            <a:extLst>
+              <a:ext uri="{FF2B5EF4-FFF2-40B4-BE49-F238E27FC236}">
+                <a16:creationId xmlns:a16="http://schemas.microsoft.com/office/drawing/2014/main" id="{A83EEE03-3E26-98A7-2F49-3DCFD8C50668}"/>
+              </a:ext>
+            </a:extLst>
+          </p:cNvPr>
+          <p:cNvSpPr/>
+          <p:nvPr/>
+        </p:nvSpPr>
+        <p:spPr>
+          <a:xfrm>
+            <a:off x="1034207" y="3314792"/>
+            <a:ext cx="3007072" cy="1909490"/>
+          </a:xfrm>
+          <a:custGeom>
+            <a:avLst/>
+            <a:gdLst>
+              <a:gd name="connsiteX0" fmla="*/ 0 w 3007072"/>
+              <a:gd name="connsiteY0" fmla="*/ 190949 h 1909490"/>
+              <a:gd name="connsiteX1" fmla="*/ 190949 w 3007072"/>
+              <a:gd name="connsiteY1" fmla="*/ 0 h 1909490"/>
+              <a:gd name="connsiteX2" fmla="*/ 2816123 w 3007072"/>
+              <a:gd name="connsiteY2" fmla="*/ 0 h 1909490"/>
+              <a:gd name="connsiteX3" fmla="*/ 3007072 w 3007072"/>
+              <a:gd name="connsiteY3" fmla="*/ 190949 h 1909490"/>
+              <a:gd name="connsiteX4" fmla="*/ 3007072 w 3007072"/>
+              <a:gd name="connsiteY4" fmla="*/ 1718541 h 1909490"/>
+              <a:gd name="connsiteX5" fmla="*/ 2816123 w 3007072"/>
+              <a:gd name="connsiteY5" fmla="*/ 1909490 h 1909490"/>
+              <a:gd name="connsiteX6" fmla="*/ 190949 w 3007072"/>
+              <a:gd name="connsiteY6" fmla="*/ 1909490 h 1909490"/>
+              <a:gd name="connsiteX7" fmla="*/ 0 w 3007072"/>
+              <a:gd name="connsiteY7" fmla="*/ 1718541 h 1909490"/>
+              <a:gd name="connsiteX8" fmla="*/ 0 w 3007072"/>
+              <a:gd name="connsiteY8" fmla="*/ 190949 h 1909490"/>
+            </a:gdLst>
+            <a:ahLst/>
+            <a:cxnLst>
+              <a:cxn ang="0">
+                <a:pos x="connsiteX0" y="connsiteY0"/>
+              </a:cxn>
+              <a:cxn ang="0">
+                <a:pos x="connsiteX1" y="connsiteY1"/>
+              </a:cxn>
+              <a:cxn ang="0">
+                <a:pos x="connsiteX2" y="connsiteY2"/>
+              </a:cxn>
+              <a:cxn ang="0">
+                <a:pos x="connsiteX3" y="connsiteY3"/>
+              </a:cxn>
+              <a:cxn ang="0">
+                <a:pos x="connsiteX4" y="connsiteY4"/>
+              </a:cxn>
+              <a:cxn ang="0">
+                <a:pos x="connsiteX5" y="connsiteY5"/>
+              </a:cxn>
+              <a:cxn ang="0">
+                <a:pos x="connsiteX6" y="connsiteY6"/>
+              </a:cxn>
+              <a:cxn ang="0">
+                <a:pos x="connsiteX7" y="connsiteY7"/>
+              </a:cxn>
+              <a:cxn ang="0">
+                <a:pos x="connsiteX8" y="connsiteY8"/>
+              </a:cxn>
+            </a:cxnLst>
+            <a:rect l="l" t="t" r="r" b="b"/>
+            <a:pathLst>
+              <a:path w="3007072" h="1909490">
+                <a:moveTo>
+                  <a:pt x="0" y="190949"/>
+                </a:moveTo>
+                <a:cubicBezTo>
+                  <a:pt x="0" y="85491"/>
+                  <a:pt x="85491" y="0"/>
+                  <a:pt x="190949" y="0"/>
+                </a:cubicBezTo>
+                <a:lnTo>
+                  <a:pt x="2816123" y="0"/>
+                </a:lnTo>
+                <a:cubicBezTo>
+                  <a:pt x="2921581" y="0"/>
+                  <a:pt x="3007072" y="85491"/>
+                  <a:pt x="3007072" y="190949"/>
+                </a:cubicBezTo>
+                <a:lnTo>
+                  <a:pt x="3007072" y="1718541"/>
+                </a:lnTo>
+                <a:cubicBezTo>
+                  <a:pt x="3007072" y="1823999"/>
+                  <a:pt x="2921581" y="1909490"/>
+                  <a:pt x="2816123" y="1909490"/>
+                </a:cubicBezTo>
+                <a:lnTo>
+                  <a:pt x="190949" y="1909490"/>
+                </a:lnTo>
+                <a:cubicBezTo>
+                  <a:pt x="85491" y="1909490"/>
+                  <a:pt x="0" y="1823999"/>
+                  <a:pt x="0" y="1718541"/>
+                </a:cubicBezTo>
+                <a:lnTo>
+                  <a:pt x="0" y="190949"/>
+                </a:lnTo>
+                <a:close/>
+              </a:path>
+            </a:pathLst>
+          </a:custGeom>
+        </p:spPr>
+        <p:style>
+          <a:lnRef idx="2">
+            <a:schemeClr val="accent1">
+              <a:hueOff val="0"/>
+              <a:satOff val="0"/>
+              <a:lumOff val="0"/>
+              <a:alphaOff val="0"/>
+            </a:schemeClr>
+          </a:lnRef>
+          <a:fillRef idx="1">
+            <a:schemeClr val="lt1">
+              <a:alpha val="90000"/>
+              <a:hueOff val="0"/>
+              <a:satOff val="0"/>
+              <a:lumOff val="0"/>
+              <a:alphaOff val="0"/>
+            </a:schemeClr>
+          </a:fillRef>
+          <a:effectRef idx="0">
+            <a:schemeClr val="lt1">
+              <a:alpha val="90000"/>
+              <a:hueOff val="0"/>
+              <a:satOff val="0"/>
+              <a:lumOff val="0"/>
+              <a:alphaOff val="0"/>
+            </a:schemeClr>
+          </a:effectRef>
+          <a:fontRef idx="minor">
+            <a:schemeClr val="dk1">
+              <a:hueOff val="0"/>
+              <a:satOff val="0"/>
+              <a:lumOff val="0"/>
+              <a:alphaOff val="0"/>
+            </a:schemeClr>
+          </a:fontRef>
+        </p:style>
         <p:txBody>
-          <a:bodyPr wrap="square">
-            <a:spAutoFit/>
+          <a:bodyPr spcFirstLastPara="0" vert="horz" wrap="square" lIns="166417" tIns="166417" rIns="166417" bIns="166417" numCol="1" spcCol="1270" anchor="ctr" anchorCtr="0">
+            <a:noAutofit/>
           </a:bodyPr>
           <a:lstStyle/>
           <a:p>
-            <a:pPr marL="342900" indent="-342900" algn="l">
-              <a:buFont typeface="Arial" panose="020B0604020202020204" pitchFamily="34" charset="0"/>
-              <a:buChar char="•"/>
+            <a:pPr marL="0" lvl="0" indent="0" algn="ctr" defTabSz="1289050">
+              <a:lnSpc>
+                <a:spcPct val="90000"/>
+              </a:lnSpc>
+              <a:spcBef>
+                <a:spcPct val="0"/>
+              </a:spcBef>
+              <a:spcAft>
+                <a:spcPct val="35000"/>
+              </a:spcAft>
+              <a:buNone/>
             </a:pPr>
             <a:r>
-              <a:rPr lang="en-US" sz="2000" b="0" i="0" dirty="0">
-                <a:effectLst/>
-                <a:latin typeface="-apple-system"/>
-              </a:rPr>
-              <a:t>Depth vs Breadth of Data</a:t>
-            </a:r>
-          </a:p>
-          <a:p>
-            <a:pPr marL="342900" indent="-342900" algn="l">
-              <a:buFont typeface="Arial" panose="020B0604020202020204" pitchFamily="34" charset="0"/>
-              <a:buChar char="•"/>
+              <a:rPr lang="en-US" sz="2900" b="0" i="0" kern="1200" dirty="0"/>
+              <a:t>Depth vs breadth of </a:t>
+            </a:r>
+            <a:r>
+              <a:rPr lang="en-US" sz="2900" kern="1200" dirty="0"/>
+              <a:t>d</a:t>
+            </a:r>
+            <a:r>
+              <a:rPr lang="en-US" sz="2900" b="0" i="0" kern="1200" dirty="0"/>
+              <a:t>ata</a:t>
+            </a:r>
+            <a:endParaRPr lang="en-US" sz="2900" kern="1200" dirty="0"/>
+          </a:p>
+        </p:txBody>
+      </p:sp>
+      <p:sp>
+        <p:nvSpPr>
+          <p:cNvPr id="7" name="Rectangle: Rounded Corners 6">
+            <a:extLst>
+              <a:ext uri="{FF2B5EF4-FFF2-40B4-BE49-F238E27FC236}">
+                <a16:creationId xmlns:a16="http://schemas.microsoft.com/office/drawing/2014/main" id="{07CA73D5-D5A6-49E1-4B31-7DEA27069217}"/>
+              </a:ext>
+              <a:ext uri="{C183D7F6-B498-43B3-948B-1728B52AA6E4}">
+                <adec:decorative xmlns:adec="http://schemas.microsoft.com/office/drawing/2017/decorative" val="1"/>
+              </a:ext>
+            </a:extLst>
+          </p:cNvPr>
+          <p:cNvSpPr/>
+          <p:nvPr/>
+        </p:nvSpPr>
+        <p:spPr>
+          <a:xfrm>
+            <a:off x="4375398" y="2997379"/>
+            <a:ext cx="3007072" cy="1909490"/>
+          </a:xfrm>
+          <a:prstGeom prst="roundRect">
+            <a:avLst>
+              <a:gd name="adj" fmla="val 10000"/>
+            </a:avLst>
+          </a:prstGeom>
+        </p:spPr>
+        <p:style>
+          <a:lnRef idx="2">
+            <a:schemeClr val="lt1">
+              <a:hueOff val="0"/>
+              <a:satOff val="0"/>
+              <a:lumOff val="0"/>
+              <a:alphaOff val="0"/>
+            </a:schemeClr>
+          </a:lnRef>
+          <a:fillRef idx="1">
+            <a:schemeClr val="accent1">
+              <a:hueOff val="0"/>
+              <a:satOff val="0"/>
+              <a:lumOff val="0"/>
+              <a:alphaOff val="0"/>
+            </a:schemeClr>
+          </a:fillRef>
+          <a:effectRef idx="0">
+            <a:schemeClr val="accent1">
+              <a:hueOff val="0"/>
+              <a:satOff val="0"/>
+              <a:lumOff val="0"/>
+              <a:alphaOff val="0"/>
+            </a:schemeClr>
+          </a:effectRef>
+          <a:fontRef idx="minor">
+            <a:schemeClr val="lt1"/>
+          </a:fontRef>
+        </p:style>
+      </p:sp>
+      <p:sp>
+        <p:nvSpPr>
+          <p:cNvPr id="9" name="Freeform: Shape 8" descr="Quality of data collection">
+            <a:extLst>
+              <a:ext uri="{FF2B5EF4-FFF2-40B4-BE49-F238E27FC236}">
+                <a16:creationId xmlns:a16="http://schemas.microsoft.com/office/drawing/2014/main" id="{102912EC-2BDA-E98A-C730-6DECD8917F88}"/>
+              </a:ext>
+            </a:extLst>
+          </p:cNvPr>
+          <p:cNvSpPr/>
+          <p:nvPr/>
+        </p:nvSpPr>
+        <p:spPr>
+          <a:xfrm>
+            <a:off x="4709517" y="3314792"/>
+            <a:ext cx="3007072" cy="1909490"/>
+          </a:xfrm>
+          <a:custGeom>
+            <a:avLst/>
+            <a:gdLst>
+              <a:gd name="connsiteX0" fmla="*/ 0 w 3007072"/>
+              <a:gd name="connsiteY0" fmla="*/ 190949 h 1909490"/>
+              <a:gd name="connsiteX1" fmla="*/ 190949 w 3007072"/>
+              <a:gd name="connsiteY1" fmla="*/ 0 h 1909490"/>
+              <a:gd name="connsiteX2" fmla="*/ 2816123 w 3007072"/>
+              <a:gd name="connsiteY2" fmla="*/ 0 h 1909490"/>
+              <a:gd name="connsiteX3" fmla="*/ 3007072 w 3007072"/>
+              <a:gd name="connsiteY3" fmla="*/ 190949 h 1909490"/>
+              <a:gd name="connsiteX4" fmla="*/ 3007072 w 3007072"/>
+              <a:gd name="connsiteY4" fmla="*/ 1718541 h 1909490"/>
+              <a:gd name="connsiteX5" fmla="*/ 2816123 w 3007072"/>
+              <a:gd name="connsiteY5" fmla="*/ 1909490 h 1909490"/>
+              <a:gd name="connsiteX6" fmla="*/ 190949 w 3007072"/>
+              <a:gd name="connsiteY6" fmla="*/ 1909490 h 1909490"/>
+              <a:gd name="connsiteX7" fmla="*/ 0 w 3007072"/>
+              <a:gd name="connsiteY7" fmla="*/ 1718541 h 1909490"/>
+              <a:gd name="connsiteX8" fmla="*/ 0 w 3007072"/>
+              <a:gd name="connsiteY8" fmla="*/ 190949 h 1909490"/>
+            </a:gdLst>
+            <a:ahLst/>
+            <a:cxnLst>
+              <a:cxn ang="0">
+                <a:pos x="connsiteX0" y="connsiteY0"/>
+              </a:cxn>
+              <a:cxn ang="0">
+                <a:pos x="connsiteX1" y="connsiteY1"/>
+              </a:cxn>
+              <a:cxn ang="0">
+                <a:pos x="connsiteX2" y="connsiteY2"/>
+              </a:cxn>
+              <a:cxn ang="0">
+                <a:pos x="connsiteX3" y="connsiteY3"/>
+              </a:cxn>
+              <a:cxn ang="0">
+                <a:pos x="connsiteX4" y="connsiteY4"/>
+              </a:cxn>
+              <a:cxn ang="0">
+                <a:pos x="connsiteX5" y="connsiteY5"/>
+              </a:cxn>
+              <a:cxn ang="0">
+                <a:pos x="connsiteX6" y="connsiteY6"/>
+              </a:cxn>
+              <a:cxn ang="0">
+                <a:pos x="connsiteX7" y="connsiteY7"/>
+              </a:cxn>
+              <a:cxn ang="0">
+                <a:pos x="connsiteX8" y="connsiteY8"/>
+              </a:cxn>
+            </a:cxnLst>
+            <a:rect l="l" t="t" r="r" b="b"/>
+            <a:pathLst>
+              <a:path w="3007072" h="1909490">
+                <a:moveTo>
+                  <a:pt x="0" y="190949"/>
+                </a:moveTo>
+                <a:cubicBezTo>
+                  <a:pt x="0" y="85491"/>
+                  <a:pt x="85491" y="0"/>
+                  <a:pt x="190949" y="0"/>
+                </a:cubicBezTo>
+                <a:lnTo>
+                  <a:pt x="2816123" y="0"/>
+                </a:lnTo>
+                <a:cubicBezTo>
+                  <a:pt x="2921581" y="0"/>
+                  <a:pt x="3007072" y="85491"/>
+                  <a:pt x="3007072" y="190949"/>
+                </a:cubicBezTo>
+                <a:lnTo>
+                  <a:pt x="3007072" y="1718541"/>
+                </a:lnTo>
+                <a:cubicBezTo>
+                  <a:pt x="3007072" y="1823999"/>
+                  <a:pt x="2921581" y="1909490"/>
+                  <a:pt x="2816123" y="1909490"/>
+                </a:cubicBezTo>
+                <a:lnTo>
+                  <a:pt x="190949" y="1909490"/>
+                </a:lnTo>
+                <a:cubicBezTo>
+                  <a:pt x="85491" y="1909490"/>
+                  <a:pt x="0" y="1823999"/>
+                  <a:pt x="0" y="1718541"/>
+                </a:cubicBezTo>
+                <a:lnTo>
+                  <a:pt x="0" y="190949"/>
+                </a:lnTo>
+                <a:close/>
+              </a:path>
+            </a:pathLst>
+          </a:custGeom>
+        </p:spPr>
+        <p:style>
+          <a:lnRef idx="2">
+            <a:schemeClr val="accent1">
+              <a:hueOff val="0"/>
+              <a:satOff val="0"/>
+              <a:lumOff val="0"/>
+              <a:alphaOff val="0"/>
+            </a:schemeClr>
+          </a:lnRef>
+          <a:fillRef idx="1">
+            <a:schemeClr val="lt1">
+              <a:alpha val="90000"/>
+              <a:hueOff val="0"/>
+              <a:satOff val="0"/>
+              <a:lumOff val="0"/>
+              <a:alphaOff val="0"/>
+            </a:schemeClr>
+          </a:fillRef>
+          <a:effectRef idx="0">
+            <a:schemeClr val="lt1">
+              <a:alpha val="90000"/>
+              <a:hueOff val="0"/>
+              <a:satOff val="0"/>
+              <a:lumOff val="0"/>
+              <a:alphaOff val="0"/>
+            </a:schemeClr>
+          </a:effectRef>
+          <a:fontRef idx="minor">
+            <a:schemeClr val="dk1">
+              <a:hueOff val="0"/>
+              <a:satOff val="0"/>
+              <a:lumOff val="0"/>
+              <a:alphaOff val="0"/>
+            </a:schemeClr>
+          </a:fontRef>
+        </p:style>
+        <p:txBody>
+          <a:bodyPr spcFirstLastPara="0" vert="horz" wrap="square" lIns="166417" tIns="166417" rIns="166417" bIns="166417" numCol="1" spcCol="1270" anchor="ctr" anchorCtr="0">
+            <a:noAutofit/>
+          </a:bodyPr>
+          <a:lstStyle/>
+          <a:p>
+            <a:pPr marL="0" lvl="0" indent="0" algn="ctr" defTabSz="1289050">
+              <a:lnSpc>
+                <a:spcPct val="90000"/>
+              </a:lnSpc>
+              <a:spcBef>
+                <a:spcPct val="0"/>
+              </a:spcBef>
+              <a:spcAft>
+                <a:spcPct val="35000"/>
+              </a:spcAft>
+              <a:buNone/>
             </a:pPr>
             <a:r>
-              <a:rPr lang="en-US" sz="2000" dirty="0">
-                <a:latin typeface="-apple-system"/>
-              </a:rPr>
+              <a:rPr lang="en-US" sz="2900" kern="1200" dirty="0"/>
+              <a:t>Quality of data collection</a:t>
+            </a:r>
+          </a:p>
+        </p:txBody>
+      </p:sp>
+      <p:sp>
+        <p:nvSpPr>
+          <p:cNvPr id="10" name="Rectangle: Rounded Corners 9">
+            <a:extLst>
+              <a:ext uri="{FF2B5EF4-FFF2-40B4-BE49-F238E27FC236}">
+                <a16:creationId xmlns:a16="http://schemas.microsoft.com/office/drawing/2014/main" id="{9934CEFE-E4B1-86E8-BAC9-5B51DC47A2C6}"/>
+              </a:ext>
+              <a:ext uri="{C183D7F6-B498-43B3-948B-1728B52AA6E4}">
+                <adec:decorative xmlns:adec="http://schemas.microsoft.com/office/drawing/2017/decorative" val="1"/>
+              </a:ext>
+            </a:extLst>
+          </p:cNvPr>
+          <p:cNvSpPr/>
+          <p:nvPr/>
+        </p:nvSpPr>
+        <p:spPr>
+          <a:xfrm>
+            <a:off x="8050708" y="2997379"/>
+            <a:ext cx="3007072" cy="1909490"/>
+          </a:xfrm>
+          <a:prstGeom prst="roundRect">
+            <a:avLst>
+              <a:gd name="adj" fmla="val 10000"/>
+            </a:avLst>
+          </a:prstGeom>
+        </p:spPr>
+        <p:style>
+          <a:lnRef idx="2">
+            <a:schemeClr val="lt1">
+              <a:hueOff val="0"/>
+              <a:satOff val="0"/>
+              <a:lumOff val="0"/>
+              <a:alphaOff val="0"/>
+            </a:schemeClr>
+          </a:lnRef>
+          <a:fillRef idx="1">
+            <a:schemeClr val="accent1">
+              <a:hueOff val="0"/>
+              <a:satOff val="0"/>
+              <a:lumOff val="0"/>
+              <a:alphaOff val="0"/>
+            </a:schemeClr>
+          </a:fillRef>
+          <a:effectRef idx="0">
+            <a:schemeClr val="accent1">
+              <a:hueOff val="0"/>
+              <a:satOff val="0"/>
+              <a:lumOff val="0"/>
+              <a:alphaOff val="0"/>
+            </a:schemeClr>
+          </a:effectRef>
+          <a:fontRef idx="minor">
+            <a:schemeClr val="lt1"/>
+          </a:fontRef>
+        </p:style>
+      </p:sp>
+      <p:sp>
+        <p:nvSpPr>
+          <p:cNvPr id="11" name="Freeform: Shape 10" descr="Predictive model instead of cluster analysis">
+            <a:extLst>
+              <a:ext uri="{FF2B5EF4-FFF2-40B4-BE49-F238E27FC236}">
+                <a16:creationId xmlns:a16="http://schemas.microsoft.com/office/drawing/2014/main" id="{48FD4320-586F-C1F2-65EC-7AB49AA05928}"/>
+              </a:ext>
+            </a:extLst>
+          </p:cNvPr>
+          <p:cNvSpPr/>
+          <p:nvPr/>
+        </p:nvSpPr>
+        <p:spPr>
+          <a:xfrm>
+            <a:off x="8384827" y="3314792"/>
+            <a:ext cx="3007072" cy="1909490"/>
+          </a:xfrm>
+          <a:custGeom>
+            <a:avLst/>
+            <a:gdLst>
+              <a:gd name="connsiteX0" fmla="*/ 0 w 3007072"/>
+              <a:gd name="connsiteY0" fmla="*/ 190949 h 1909490"/>
+              <a:gd name="connsiteX1" fmla="*/ 190949 w 3007072"/>
+              <a:gd name="connsiteY1" fmla="*/ 0 h 1909490"/>
+              <a:gd name="connsiteX2" fmla="*/ 2816123 w 3007072"/>
+              <a:gd name="connsiteY2" fmla="*/ 0 h 1909490"/>
+              <a:gd name="connsiteX3" fmla="*/ 3007072 w 3007072"/>
+              <a:gd name="connsiteY3" fmla="*/ 190949 h 1909490"/>
+              <a:gd name="connsiteX4" fmla="*/ 3007072 w 3007072"/>
+              <a:gd name="connsiteY4" fmla="*/ 1718541 h 1909490"/>
+              <a:gd name="connsiteX5" fmla="*/ 2816123 w 3007072"/>
+              <a:gd name="connsiteY5" fmla="*/ 1909490 h 1909490"/>
+              <a:gd name="connsiteX6" fmla="*/ 190949 w 3007072"/>
+              <a:gd name="connsiteY6" fmla="*/ 1909490 h 1909490"/>
+              <a:gd name="connsiteX7" fmla="*/ 0 w 3007072"/>
+              <a:gd name="connsiteY7" fmla="*/ 1718541 h 1909490"/>
+              <a:gd name="connsiteX8" fmla="*/ 0 w 3007072"/>
+              <a:gd name="connsiteY8" fmla="*/ 190949 h 1909490"/>
+            </a:gdLst>
+            <a:ahLst/>
+            <a:cxnLst>
+              <a:cxn ang="0">
+                <a:pos x="connsiteX0" y="connsiteY0"/>
+              </a:cxn>
+              <a:cxn ang="0">
+                <a:pos x="connsiteX1" y="connsiteY1"/>
+              </a:cxn>
+              <a:cxn ang="0">
+                <a:pos x="connsiteX2" y="connsiteY2"/>
+              </a:cxn>
+              <a:cxn ang="0">
+                <a:pos x="connsiteX3" y="connsiteY3"/>
+              </a:cxn>
+              <a:cxn ang="0">
+                <a:pos x="connsiteX4" y="connsiteY4"/>
+              </a:cxn>
+              <a:cxn ang="0">
+                <a:pos x="connsiteX5" y="connsiteY5"/>
+              </a:cxn>
+              <a:cxn ang="0">
+                <a:pos x="connsiteX6" y="connsiteY6"/>
+              </a:cxn>
+              <a:cxn ang="0">
+                <a:pos x="connsiteX7" y="connsiteY7"/>
+              </a:cxn>
+              <a:cxn ang="0">
+                <a:pos x="connsiteX8" y="connsiteY8"/>
+              </a:cxn>
+            </a:cxnLst>
+            <a:rect l="l" t="t" r="r" b="b"/>
+            <a:pathLst>
+              <a:path w="3007072" h="1909490">
+                <a:moveTo>
+                  <a:pt x="0" y="190949"/>
+                </a:moveTo>
+                <a:cubicBezTo>
+                  <a:pt x="0" y="85491"/>
+                  <a:pt x="85491" y="0"/>
+                  <a:pt x="190949" y="0"/>
+                </a:cubicBezTo>
+                <a:lnTo>
+                  <a:pt x="2816123" y="0"/>
+                </a:lnTo>
+                <a:cubicBezTo>
+                  <a:pt x="2921581" y="0"/>
+                  <a:pt x="3007072" y="85491"/>
+                  <a:pt x="3007072" y="190949"/>
+                </a:cubicBezTo>
+                <a:lnTo>
+                  <a:pt x="3007072" y="1718541"/>
+                </a:lnTo>
+                <a:cubicBezTo>
+                  <a:pt x="3007072" y="1823999"/>
+                  <a:pt x="2921581" y="1909490"/>
+                  <a:pt x="2816123" y="1909490"/>
+                </a:cubicBezTo>
+                <a:lnTo>
+                  <a:pt x="190949" y="1909490"/>
+                </a:lnTo>
+                <a:cubicBezTo>
+                  <a:pt x="85491" y="1909490"/>
+                  <a:pt x="0" y="1823999"/>
+                  <a:pt x="0" y="1718541"/>
+                </a:cubicBezTo>
+                <a:lnTo>
+                  <a:pt x="0" y="190949"/>
+                </a:lnTo>
+                <a:close/>
+              </a:path>
+            </a:pathLst>
+          </a:custGeom>
+        </p:spPr>
+        <p:style>
+          <a:lnRef idx="2">
+            <a:schemeClr val="accent1">
+              <a:hueOff val="0"/>
+              <a:satOff val="0"/>
+              <a:lumOff val="0"/>
+              <a:alphaOff val="0"/>
+            </a:schemeClr>
+          </a:lnRef>
+          <a:fillRef idx="1">
+            <a:schemeClr val="lt1">
+              <a:alpha val="90000"/>
+              <a:hueOff val="0"/>
+              <a:satOff val="0"/>
+              <a:lumOff val="0"/>
+              <a:alphaOff val="0"/>
+            </a:schemeClr>
+          </a:fillRef>
+          <a:effectRef idx="0">
+            <a:schemeClr val="lt1">
+              <a:alpha val="90000"/>
+              <a:hueOff val="0"/>
+              <a:satOff val="0"/>
+              <a:lumOff val="0"/>
+              <a:alphaOff val="0"/>
+            </a:schemeClr>
+          </a:effectRef>
+          <a:fontRef idx="minor">
+            <a:schemeClr val="dk1">
+              <a:hueOff val="0"/>
+              <a:satOff val="0"/>
+              <a:lumOff val="0"/>
+              <a:alphaOff val="0"/>
+            </a:schemeClr>
+          </a:fontRef>
+        </p:style>
+        <p:txBody>
+          <a:bodyPr spcFirstLastPara="0" vert="horz" wrap="square" lIns="166417" tIns="166417" rIns="166417" bIns="166417" numCol="1" spcCol="1270" anchor="ctr" anchorCtr="0">
+            <a:noAutofit/>
+          </a:bodyPr>
+          <a:lstStyle/>
+          <a:p>
+            <a:pPr marL="0" lvl="0" indent="0" algn="ctr" defTabSz="1289050">
+              <a:lnSpc>
+                <a:spcPct val="90000"/>
+              </a:lnSpc>
+              <a:spcBef>
+                <a:spcPct val="0"/>
+              </a:spcBef>
+              <a:spcAft>
+                <a:spcPct val="35000"/>
+              </a:spcAft>
+              <a:buNone/>
+            </a:pPr>
+            <a:r>
+              <a:rPr lang="en-US" sz="2900" kern="1200" dirty="0"/>
               <a:t>Predictive model instead of only cluster analysis</a:t>
             </a:r>
-            <a:endParaRPr lang="en-US" sz="2000" b="0" i="0" dirty="0">
-              <a:effectLst/>
-              <a:latin typeface="-apple-system"/>
-            </a:endParaRPr>
           </a:p>
         </p:txBody>
       </p:sp>

--- a/presentation/Autism_hackathon_01.pptx
+++ b/presentation/Autism_hackathon_01.pptx
@@ -134,7 +134,7 @@
   <pc:docChgLst>
     <pc:chgData name="Dhruv Bhatnagar" userId="d3ce6c2664132320" providerId="LiveId" clId="{84C4CC69-7288-4891-9C4F-C7C5AA4E3CF0}"/>
     <pc:docChg chg="undo custSel addSld delSld modSld sldOrd">
-      <pc:chgData name="Dhruv Bhatnagar" userId="d3ce6c2664132320" providerId="LiveId" clId="{84C4CC69-7288-4891-9C4F-C7C5AA4E3CF0}" dt="2023-04-20T19:07:51.799" v="3008" actId="962"/>
+      <pc:chgData name="Dhruv Bhatnagar" userId="d3ce6c2664132320" providerId="LiveId" clId="{84C4CC69-7288-4891-9C4F-C7C5AA4E3CF0}" dt="2023-04-20T19:09:42.759" v="3115" actId="962"/>
       <pc:docMkLst>
         <pc:docMk/>
       </pc:docMkLst>
@@ -194,7 +194,7 @@
         </pc:cxnChg>
       </pc:sldChg>
       <pc:sldChg chg="addSp delSp modSp mod delDesignElem">
-        <pc:chgData name="Dhruv Bhatnagar" userId="d3ce6c2664132320" providerId="LiveId" clId="{84C4CC69-7288-4891-9C4F-C7C5AA4E3CF0}" dt="2023-04-20T19:01:28.544" v="2241" actId="962"/>
+        <pc:chgData name="Dhruv Bhatnagar" userId="d3ce6c2664132320" providerId="LiveId" clId="{84C4CC69-7288-4891-9C4F-C7C5AA4E3CF0}" dt="2023-04-20T19:09:42.759" v="3115" actId="962"/>
         <pc:sldMkLst>
           <pc:docMk/>
           <pc:sldMk cId="2301840069" sldId="257"/>
@@ -208,7 +208,7 @@
           </ac:spMkLst>
         </pc:spChg>
         <pc:spChg chg="mod ord">
-          <ac:chgData name="Dhruv Bhatnagar" userId="d3ce6c2664132320" providerId="LiveId" clId="{84C4CC69-7288-4891-9C4F-C7C5AA4E3CF0}" dt="2023-04-20T19:01:28.544" v="2241" actId="962"/>
+          <ac:chgData name="Dhruv Bhatnagar" userId="d3ce6c2664132320" providerId="LiveId" clId="{84C4CC69-7288-4891-9C4F-C7C5AA4E3CF0}" dt="2023-04-20T19:09:42.759" v="3115" actId="962"/>
           <ac:spMkLst>
             <pc:docMk/>
             <pc:sldMk cId="2301840069" sldId="257"/>
@@ -6490,7 +6490,7 @@
       </p:cxnSp>
       <p:sp>
         <p:nvSpPr>
-          <p:cNvPr id="4" name="TextBox 3" descr="&#10;Problem Statement&#10;Approaches&#10;Insights&#10;Executive Summary&#10;Next Steps&#10;Appendix: Dimensionality reduction techniques:&#10;PCA&#10;T-SNE (visualization)&#10;Clustering Model&#10;Clustering Analysis&#10;">
+          <p:cNvPr id="4" name="TextBox 3" descr="&#10;Problem Statement&#10;Approaches&#10;Insights&#10;Executive Summary&#10;Next Steps&#10;">
             <a:extLst>
               <a:ext uri="{FF2B5EF4-FFF2-40B4-BE49-F238E27FC236}">
                 <a16:creationId xmlns:a16="http://schemas.microsoft.com/office/drawing/2014/main" id="{B7E8CF86-5F07-F34F-A2A3-91213CF25BFE}"/>
@@ -6605,86 +6605,6 @@
             <a:r>
               <a:rPr lang="en-US" sz="2000" dirty="0"/>
               <a:t>Next Steps</a:t>
-            </a:r>
-          </a:p>
-          <a:p>
-            <a:pPr marL="285750" indent="-228600">
-              <a:lnSpc>
-                <a:spcPct val="110000"/>
-              </a:lnSpc>
-              <a:spcAft>
-                <a:spcPts val="600"/>
-              </a:spcAft>
-              <a:buFont typeface="Arial" panose="020B0604020202020204" pitchFamily="34" charset="0"/>
-              <a:buChar char="•"/>
-            </a:pPr>
-            <a:r>
-              <a:rPr lang="en-US" sz="2000" dirty="0"/>
-              <a:t>Appendix: Dimensionality reduction techniques:</a:t>
-            </a:r>
-          </a:p>
-          <a:p>
-            <a:pPr marL="800100" lvl="1" indent="-228600">
-              <a:lnSpc>
-                <a:spcPct val="110000"/>
-              </a:lnSpc>
-              <a:spcAft>
-                <a:spcPts val="600"/>
-              </a:spcAft>
-              <a:buFont typeface="Arial" panose="020B0604020202020204" pitchFamily="34" charset="0"/>
-              <a:buChar char="•"/>
-            </a:pPr>
-            <a:r>
-              <a:rPr lang="en-US" sz="2000" dirty="0"/>
-              <a:t>PCA</a:t>
-            </a:r>
-          </a:p>
-          <a:p>
-            <a:pPr marL="800100" lvl="1" indent="-228600">
-              <a:lnSpc>
-                <a:spcPct val="110000"/>
-              </a:lnSpc>
-              <a:spcAft>
-                <a:spcPts val="600"/>
-              </a:spcAft>
-              <a:buFont typeface="Arial" panose="020B0604020202020204" pitchFamily="34" charset="0"/>
-              <a:buChar char="•"/>
-            </a:pPr>
-            <a:r>
-              <a:rPr lang="en-US" sz="2000" dirty="0"/>
-              <a:t>T-SNE (visualization)</a:t>
-            </a:r>
-          </a:p>
-          <a:p>
-            <a:pPr marL="342900" indent="-228600">
-              <a:lnSpc>
-                <a:spcPct val="110000"/>
-              </a:lnSpc>
-              <a:spcAft>
-                <a:spcPts val="600"/>
-              </a:spcAft>
-              <a:buFont typeface="Arial" panose="020B0604020202020204" pitchFamily="34" charset="0"/>
-              <a:buChar char="•"/>
-            </a:pPr>
-            <a:r>
-              <a:rPr lang="en-US" sz="2000" dirty="0"/>
-              <a:t>Clustering Model</a:t>
-            </a:r>
-          </a:p>
-          <a:p>
-            <a:pPr marL="342900" indent="-228600">
-              <a:lnSpc>
-                <a:spcPct val="110000"/>
-              </a:lnSpc>
-              <a:spcAft>
-                <a:spcPts val="600"/>
-              </a:spcAft>
-              <a:buFont typeface="Arial" panose="020B0604020202020204" pitchFamily="34" charset="0"/>
-              <a:buChar char="•"/>
-            </a:pPr>
-            <a:r>
-              <a:rPr lang="en-US" sz="2000" dirty="0"/>
-              <a:t>Clustering Analysis</a:t>
             </a:r>
           </a:p>
         </p:txBody>

--- a/presentation/Autism_hackathon_01.pptx
+++ b/presentation/Autism_hackathon_01.pptx
@@ -124,7 +124,7 @@
 <file path=ppt/revisionInfo.xml><?xml version="1.0" encoding="utf-8"?>
 <p1510:revInfo xmlns:a="http://schemas.openxmlformats.org/drawingml/2006/main" xmlns:r="http://schemas.openxmlformats.org/officeDocument/2006/relationships" xmlns:p1510="http://schemas.microsoft.com/office/powerpoint/2015/10/main">
   <p1510:revLst>
-    <p1510:client id="{84C4CC69-7288-4891-9C4F-C7C5AA4E3CF0}" v="744" dt="2023-04-20T19:07:02.898"/>
+    <p1510:client id="{84C4CC69-7288-4891-9C4F-C7C5AA4E3CF0}" v="746" dt="2023-04-20T19:26:42.505"/>
   </p1510:revLst>
 </p1510:revInfo>
 </file>
@@ -134,7 +134,7 @@
   <pc:docChgLst>
     <pc:chgData name="Dhruv Bhatnagar" userId="d3ce6c2664132320" providerId="LiveId" clId="{84C4CC69-7288-4891-9C4F-C7C5AA4E3CF0}"/>
     <pc:docChg chg="undo custSel addSld delSld modSld sldOrd">
-      <pc:chgData name="Dhruv Bhatnagar" userId="d3ce6c2664132320" providerId="LiveId" clId="{84C4CC69-7288-4891-9C4F-C7C5AA4E3CF0}" dt="2023-04-20T19:09:42.759" v="3115" actId="962"/>
+      <pc:chgData name="Dhruv Bhatnagar" userId="d3ce6c2664132320" providerId="LiveId" clId="{84C4CC69-7288-4891-9C4F-C7C5AA4E3CF0}" dt="2023-04-20T19:26:56.083" v="3314" actId="962"/>
       <pc:docMkLst>
         <pc:docMk/>
       </pc:docMkLst>
@@ -1382,7 +1382,7 @@
         </pc:cxnChg>
       </pc:sldChg>
       <pc:sldChg chg="addSp delSp modSp add del mod setBg">
-        <pc:chgData name="Dhruv Bhatnagar" userId="d3ce6c2664132320" providerId="LiveId" clId="{84C4CC69-7288-4891-9C4F-C7C5AA4E3CF0}" dt="2023-04-20T19:07:51.799" v="3008" actId="962"/>
+        <pc:chgData name="Dhruv Bhatnagar" userId="d3ce6c2664132320" providerId="LiveId" clId="{84C4CC69-7288-4891-9C4F-C7C5AA4E3CF0}" dt="2023-04-20T19:26:56.083" v="3314" actId="962"/>
         <pc:sldMkLst>
           <pc:docMk/>
           <pc:sldMk cId="1332957594" sldId="279"/>
@@ -1395,16 +1395,24 @@
             <ac:spMk id="2" creationId="{6FB612EE-C982-92D2-3BEB-FCA5D756BFDC}"/>
           </ac:spMkLst>
         </pc:spChg>
-        <pc:spChg chg="mod topLvl">
-          <ac:chgData name="Dhruv Bhatnagar" userId="d3ce6c2664132320" providerId="LiveId" clId="{84C4CC69-7288-4891-9C4F-C7C5AA4E3CF0}" dt="2023-04-20T19:07:07.666" v="2770" actId="962"/>
+        <pc:spChg chg="add del mod">
+          <ac:chgData name="Dhruv Bhatnagar" userId="d3ce6c2664132320" providerId="LiveId" clId="{84C4CC69-7288-4891-9C4F-C7C5AA4E3CF0}" dt="2023-04-20T19:26:17.659" v="3309" actId="26606"/>
+          <ac:spMkLst>
+            <pc:docMk/>
+            <pc:sldMk cId="1332957594" sldId="279"/>
+            <ac:spMk id="3" creationId="{C6368799-F4E6-E752-AD02-7CA57FA5834A}"/>
+          </ac:spMkLst>
+        </pc:spChg>
+        <pc:spChg chg="del mod topLvl">
+          <ac:chgData name="Dhruv Bhatnagar" userId="d3ce6c2664132320" providerId="LiveId" clId="{84C4CC69-7288-4891-9C4F-C7C5AA4E3CF0}" dt="2023-04-20T19:20:58.378" v="3231" actId="21"/>
           <ac:spMkLst>
             <pc:docMk/>
             <pc:sldMk cId="1332957594" sldId="279"/>
             <ac:spMk id="4" creationId="{D633214F-3578-95C9-90C0-5283310144F3}"/>
           </ac:spMkLst>
         </pc:spChg>
-        <pc:spChg chg="mod topLvl">
-          <ac:chgData name="Dhruv Bhatnagar" userId="d3ce6c2664132320" providerId="LiveId" clId="{84C4CC69-7288-4891-9C4F-C7C5AA4E3CF0}" dt="2023-04-20T19:07:30.839" v="2836" actId="962"/>
+        <pc:spChg chg="del mod topLvl">
+          <ac:chgData name="Dhruv Bhatnagar" userId="d3ce6c2664132320" providerId="LiveId" clId="{84C4CC69-7288-4891-9C4F-C7C5AA4E3CF0}" dt="2023-04-20T19:21:42.937" v="3243" actId="478"/>
           <ac:spMkLst>
             <pc:docMk/>
             <pc:sldMk cId="1332957594" sldId="279"/>
@@ -1412,43 +1420,67 @@
           </ac:spMkLst>
         </pc:spChg>
         <pc:spChg chg="mod ord">
-          <ac:chgData name="Dhruv Bhatnagar" userId="d3ce6c2664132320" providerId="LiveId" clId="{84C4CC69-7288-4891-9C4F-C7C5AA4E3CF0}" dt="2023-04-20T19:06:44.444" v="2767" actId="26606"/>
+          <ac:chgData name="Dhruv Bhatnagar" userId="d3ce6c2664132320" providerId="LiveId" clId="{84C4CC69-7288-4891-9C4F-C7C5AA4E3CF0}" dt="2023-04-20T19:24:14.492" v="3270" actId="1076"/>
           <ac:spMkLst>
             <pc:docMk/>
             <pc:sldMk cId="1332957594" sldId="279"/>
             <ac:spMk id="6" creationId="{534BF635-0AED-1C94-380C-572EBA67082A}"/>
           </ac:spMkLst>
         </pc:spChg>
-        <pc:spChg chg="mod topLvl">
-          <ac:chgData name="Dhruv Bhatnagar" userId="d3ce6c2664132320" providerId="LiveId" clId="{84C4CC69-7288-4891-9C4F-C7C5AA4E3CF0}" dt="2023-04-20T19:07:11.749" v="2772" actId="962"/>
+        <pc:spChg chg="del mod topLvl">
+          <ac:chgData name="Dhruv Bhatnagar" userId="d3ce6c2664132320" providerId="LiveId" clId="{84C4CC69-7288-4891-9C4F-C7C5AA4E3CF0}" dt="2023-04-20T19:20:54.490" v="3230" actId="21"/>
           <ac:spMkLst>
             <pc:docMk/>
             <pc:sldMk cId="1332957594" sldId="279"/>
             <ac:spMk id="7" creationId="{07CA73D5-D5A6-49E1-4B31-7DEA27069217}"/>
           </ac:spMkLst>
         </pc:spChg>
-        <pc:spChg chg="mod topLvl">
-          <ac:chgData name="Dhruv Bhatnagar" userId="d3ce6c2664132320" providerId="LiveId" clId="{84C4CC69-7288-4891-9C4F-C7C5AA4E3CF0}" dt="2023-04-20T19:07:37.997" v="2896" actId="962"/>
+        <pc:spChg chg="del mod topLvl">
+          <ac:chgData name="Dhruv Bhatnagar" userId="d3ce6c2664132320" providerId="LiveId" clId="{84C4CC69-7288-4891-9C4F-C7C5AA4E3CF0}" dt="2023-04-20T19:21:42.937" v="3243" actId="478"/>
           <ac:spMkLst>
             <pc:docMk/>
             <pc:sldMk cId="1332957594" sldId="279"/>
             <ac:spMk id="9" creationId="{102912EC-2BDA-E98A-C730-6DECD8917F88}"/>
           </ac:spMkLst>
         </pc:spChg>
-        <pc:spChg chg="mod topLvl">
-          <ac:chgData name="Dhruv Bhatnagar" userId="d3ce6c2664132320" providerId="LiveId" clId="{84C4CC69-7288-4891-9C4F-C7C5AA4E3CF0}" dt="2023-04-20T19:07:10.005" v="2771" actId="962"/>
+        <pc:spChg chg="del mod topLvl">
+          <ac:chgData name="Dhruv Bhatnagar" userId="d3ce6c2664132320" providerId="LiveId" clId="{84C4CC69-7288-4891-9C4F-C7C5AA4E3CF0}" dt="2023-04-20T19:20:51.305" v="3229" actId="21"/>
           <ac:spMkLst>
             <pc:docMk/>
             <pc:sldMk cId="1332957594" sldId="279"/>
             <ac:spMk id="10" creationId="{9934CEFE-E4B1-86E8-BAC9-5B51DC47A2C6}"/>
           </ac:spMkLst>
         </pc:spChg>
-        <pc:spChg chg="mod topLvl">
-          <ac:chgData name="Dhruv Bhatnagar" userId="d3ce6c2664132320" providerId="LiveId" clId="{84C4CC69-7288-4891-9C4F-C7C5AA4E3CF0}" dt="2023-04-20T19:07:51.799" v="3008" actId="962"/>
+        <pc:spChg chg="add del mod topLvl">
+          <ac:chgData name="Dhruv Bhatnagar" userId="d3ce6c2664132320" providerId="LiveId" clId="{84C4CC69-7288-4891-9C4F-C7C5AA4E3CF0}" dt="2023-04-20T19:21:42.937" v="3243" actId="478"/>
           <ac:spMkLst>
             <pc:docMk/>
             <pc:sldMk cId="1332957594" sldId="279"/>
             <ac:spMk id="11" creationId="{48FD4320-586F-C1F2-65EC-7AB49AA05928}"/>
+          </ac:spMkLst>
+        </pc:spChg>
+        <pc:spChg chg="add del mod">
+          <ac:chgData name="Dhruv Bhatnagar" userId="d3ce6c2664132320" providerId="LiveId" clId="{84C4CC69-7288-4891-9C4F-C7C5AA4E3CF0}" dt="2023-04-20T19:26:11.684" v="3308"/>
+          <ac:spMkLst>
+            <pc:docMk/>
+            <pc:sldMk cId="1332957594" sldId="279"/>
+            <ac:spMk id="12" creationId="{B70A2C70-ABD4-DD2C-E12F-3B2AEFC5716C}"/>
+          </ac:spMkLst>
+        </pc:spChg>
+        <pc:spChg chg="add del mod">
+          <ac:chgData name="Dhruv Bhatnagar" userId="d3ce6c2664132320" providerId="LiveId" clId="{84C4CC69-7288-4891-9C4F-C7C5AA4E3CF0}" dt="2023-04-20T19:26:11.684" v="3306"/>
+          <ac:spMkLst>
+            <pc:docMk/>
+            <pc:sldMk cId="1332957594" sldId="279"/>
+            <ac:spMk id="14" creationId="{D7A47C24-5C06-5C69-8FCC-B30558C94137}"/>
+          </ac:spMkLst>
+        </pc:spChg>
+        <pc:spChg chg="mod topLvl">
+          <ac:chgData name="Dhruv Bhatnagar" userId="d3ce6c2664132320" providerId="LiveId" clId="{84C4CC69-7288-4891-9C4F-C7C5AA4E3CF0}" dt="2023-04-20T19:26:42.505" v="3311" actId="165"/>
+          <ac:spMkLst>
+            <pc:docMk/>
+            <pc:sldMk cId="1332957594" sldId="279"/>
+            <ac:spMk id="16" creationId="{4C1FDCCB-0AD2-911E-220D-561E5B03DFB0}"/>
           </ac:spMkLst>
         </pc:spChg>
         <pc:spChg chg="add del">
@@ -1457,6 +1489,70 @@
             <pc:docMk/>
             <pc:sldMk cId="1332957594" sldId="279"/>
             <ac:spMk id="16" creationId="{F68B2C62-7648-4430-90D5-AE0F252AF113}"/>
+          </ac:spMkLst>
+        </pc:spChg>
+        <pc:spChg chg="mod topLvl">
+          <ac:chgData name="Dhruv Bhatnagar" userId="d3ce6c2664132320" providerId="LiveId" clId="{84C4CC69-7288-4891-9C4F-C7C5AA4E3CF0}" dt="2023-04-20T19:26:51.765" v="3312" actId="962"/>
+          <ac:spMkLst>
+            <pc:docMk/>
+            <pc:sldMk cId="1332957594" sldId="279"/>
+            <ac:spMk id="17" creationId="{9BB0E00A-9ED3-1DCD-9E57-39CF2B000A39}"/>
+          </ac:spMkLst>
+        </pc:spChg>
+        <pc:spChg chg="mod topLvl">
+          <ac:chgData name="Dhruv Bhatnagar" userId="d3ce6c2664132320" providerId="LiveId" clId="{84C4CC69-7288-4891-9C4F-C7C5AA4E3CF0}" dt="2023-04-20T19:26:42.505" v="3311" actId="165"/>
+          <ac:spMkLst>
+            <pc:docMk/>
+            <pc:sldMk cId="1332957594" sldId="279"/>
+            <ac:spMk id="18" creationId="{6FB92882-FC4E-2E7A-489A-72E2EAB89D6F}"/>
+          </ac:spMkLst>
+        </pc:spChg>
+        <pc:spChg chg="mod topLvl">
+          <ac:chgData name="Dhruv Bhatnagar" userId="d3ce6c2664132320" providerId="LiveId" clId="{84C4CC69-7288-4891-9C4F-C7C5AA4E3CF0}" dt="2023-04-20T19:26:56.083" v="3314" actId="962"/>
+          <ac:spMkLst>
+            <pc:docMk/>
+            <pc:sldMk cId="1332957594" sldId="279"/>
+            <ac:spMk id="19" creationId="{34B06410-EF9C-472E-4054-FCD8ECAF8729}"/>
+          </ac:spMkLst>
+        </pc:spChg>
+        <pc:spChg chg="mod topLvl">
+          <ac:chgData name="Dhruv Bhatnagar" userId="d3ce6c2664132320" providerId="LiveId" clId="{84C4CC69-7288-4891-9C4F-C7C5AA4E3CF0}" dt="2023-04-20T19:26:42.505" v="3311" actId="165"/>
+          <ac:spMkLst>
+            <pc:docMk/>
+            <pc:sldMk cId="1332957594" sldId="279"/>
+            <ac:spMk id="20" creationId="{C2138683-929B-F5D2-29B6-D0D4FAF5DCC4}"/>
+          </ac:spMkLst>
+        </pc:spChg>
+        <pc:spChg chg="mod topLvl">
+          <ac:chgData name="Dhruv Bhatnagar" userId="d3ce6c2664132320" providerId="LiveId" clId="{84C4CC69-7288-4891-9C4F-C7C5AA4E3CF0}" dt="2023-04-20T19:26:42.505" v="3311" actId="165"/>
+          <ac:spMkLst>
+            <pc:docMk/>
+            <pc:sldMk cId="1332957594" sldId="279"/>
+            <ac:spMk id="21" creationId="{04482732-D9D3-04F3-7E73-C32F675CA459}"/>
+          </ac:spMkLst>
+        </pc:spChg>
+        <pc:spChg chg="mod topLvl">
+          <ac:chgData name="Dhruv Bhatnagar" userId="d3ce6c2664132320" providerId="LiveId" clId="{84C4CC69-7288-4891-9C4F-C7C5AA4E3CF0}" dt="2023-04-20T19:26:54.127" v="3313" actId="962"/>
+          <ac:spMkLst>
+            <pc:docMk/>
+            <pc:sldMk cId="1332957594" sldId="279"/>
+            <ac:spMk id="22" creationId="{F5752C9F-8F46-DB6E-9F76-1F97E5253082}"/>
+          </ac:spMkLst>
+        </pc:spChg>
+        <pc:spChg chg="mod topLvl">
+          <ac:chgData name="Dhruv Bhatnagar" userId="d3ce6c2664132320" providerId="LiveId" clId="{84C4CC69-7288-4891-9C4F-C7C5AA4E3CF0}" dt="2023-04-20T19:26:42.505" v="3311" actId="165"/>
+          <ac:spMkLst>
+            <pc:docMk/>
+            <pc:sldMk cId="1332957594" sldId="279"/>
+            <ac:spMk id="23" creationId="{5C1825A1-CE14-3E0E-0BFE-CFF9467F33D6}"/>
+          </ac:spMkLst>
+        </pc:spChg>
+        <pc:spChg chg="mod topLvl">
+          <ac:chgData name="Dhruv Bhatnagar" userId="d3ce6c2664132320" providerId="LiveId" clId="{84C4CC69-7288-4891-9C4F-C7C5AA4E3CF0}" dt="2023-04-20T19:26:42.505" v="3311" actId="165"/>
+          <ac:spMkLst>
+            <pc:docMk/>
+            <pc:sldMk cId="1332957594" sldId="279"/>
+            <ac:spMk id="24" creationId="{56AC885A-9459-6BB5-1693-665730DE858D}"/>
           </ac:spMkLst>
         </pc:spChg>
         <pc:spChg chg="add del">
@@ -1475,12 +1571,36 @@
             <ac:spMk id="31" creationId="{F68B2C62-7648-4430-90D5-AE0F252AF113}"/>
           </ac:spMkLst>
         </pc:spChg>
-        <pc:spChg chg="add">
-          <ac:chgData name="Dhruv Bhatnagar" userId="d3ce6c2664132320" providerId="LiveId" clId="{84C4CC69-7288-4891-9C4F-C7C5AA4E3CF0}" dt="2023-04-20T19:06:44.444" v="2767" actId="26606"/>
+        <pc:spChg chg="add del">
+          <ac:chgData name="Dhruv Bhatnagar" userId="d3ce6c2664132320" providerId="LiveId" clId="{84C4CC69-7288-4891-9C4F-C7C5AA4E3CF0}" dt="2023-04-20T19:26:17.659" v="3309" actId="26606"/>
           <ac:spMkLst>
             <pc:docMk/>
             <pc:sldMk cId="1332957594" sldId="279"/>
             <ac:spMk id="38" creationId="{F68B2C62-7648-4430-90D5-AE0F252AF113}"/>
+          </ac:spMkLst>
+        </pc:spChg>
+        <pc:spChg chg="add del">
+          <ac:chgData name="Dhruv Bhatnagar" userId="d3ce6c2664132320" providerId="LiveId" clId="{84C4CC69-7288-4891-9C4F-C7C5AA4E3CF0}" dt="2023-04-20T19:23:45.841" v="3263" actId="26606"/>
+          <ac:spMkLst>
+            <pc:docMk/>
+            <pc:sldMk cId="1332957594" sldId="279"/>
+            <ac:spMk id="50" creationId="{E49D7415-2F11-44C2-B6AA-13A25B6814B9}"/>
+          </ac:spMkLst>
+        </pc:spChg>
+        <pc:spChg chg="add del">
+          <ac:chgData name="Dhruv Bhatnagar" userId="d3ce6c2664132320" providerId="LiveId" clId="{84C4CC69-7288-4891-9C4F-C7C5AA4E3CF0}" dt="2023-04-20T19:23:34.539" v="3260" actId="26606"/>
+          <ac:spMkLst>
+            <pc:docMk/>
+            <pc:sldMk cId="1332957594" sldId="279"/>
+            <ac:spMk id="51" creationId="{E49D7415-2F11-44C2-B6AA-13A25B6814B9}"/>
+          </ac:spMkLst>
+        </pc:spChg>
+        <pc:spChg chg="add">
+          <ac:chgData name="Dhruv Bhatnagar" userId="d3ce6c2664132320" providerId="LiveId" clId="{84C4CC69-7288-4891-9C4F-C7C5AA4E3CF0}" dt="2023-04-20T19:26:17.659" v="3309" actId="26606"/>
+          <ac:spMkLst>
+            <pc:docMk/>
+            <pc:sldMk cId="1332957594" sldId="279"/>
+            <ac:spMk id="56" creationId="{F68B2C62-7648-4430-90D5-AE0F252AF113}"/>
           </ac:spMkLst>
         </pc:spChg>
         <pc:grpChg chg="del mod">
@@ -1489,6 +1609,14 @@
             <pc:docMk/>
             <pc:sldMk cId="1332957594" sldId="279"/>
             <ac:grpSpMk id="3" creationId="{2645D7A8-6331-4D47-EE50-760515EFCD63}"/>
+          </ac:grpSpMkLst>
+        </pc:grpChg>
+        <pc:grpChg chg="del mod">
+          <ac:chgData name="Dhruv Bhatnagar" userId="d3ce6c2664132320" providerId="LiveId" clId="{84C4CC69-7288-4891-9C4F-C7C5AA4E3CF0}" dt="2023-04-20T19:26:42.505" v="3311" actId="165"/>
+          <ac:grpSpMkLst>
+            <pc:docMk/>
+            <pc:sldMk cId="1332957594" sldId="279"/>
+            <ac:grpSpMk id="15" creationId="{932054A5-93F7-F51D-3FA4-A3E11B5B6F7F}"/>
           </ac:grpSpMkLst>
         </pc:grpChg>
         <pc:graphicFrameChg chg="add del">
@@ -1523,6 +1651,30 @@
             <ac:graphicFrameMk id="41" creationId="{281538D1-2B16-E370-8306-61F80B9FD4D0}"/>
           </ac:graphicFrameMkLst>
         </pc:graphicFrameChg>
+        <pc:graphicFrameChg chg="add del">
+          <ac:chgData name="Dhruv Bhatnagar" userId="d3ce6c2664132320" providerId="LiveId" clId="{84C4CC69-7288-4891-9C4F-C7C5AA4E3CF0}" dt="2023-04-20T19:26:38.908" v="3310" actId="18245"/>
+          <ac:graphicFrameMkLst>
+            <pc:docMk/>
+            <pc:sldMk cId="1332957594" sldId="279"/>
+            <ac:graphicFrameMk id="59" creationId="{36556B55-FC41-89E0-D204-243CD2140AB5}"/>
+          </ac:graphicFrameMkLst>
+        </pc:graphicFrameChg>
+        <pc:picChg chg="add del">
+          <ac:chgData name="Dhruv Bhatnagar" userId="d3ce6c2664132320" providerId="LiveId" clId="{84C4CC69-7288-4891-9C4F-C7C5AA4E3CF0}" dt="2023-04-20T19:23:45.841" v="3263" actId="26606"/>
+          <ac:picMkLst>
+            <pc:docMk/>
+            <pc:sldMk cId="1332957594" sldId="279"/>
+            <ac:picMk id="42" creationId="{088607EA-1A66-708F-38E3-05C87AC8BE24}"/>
+          </ac:picMkLst>
+        </pc:picChg>
+        <pc:picChg chg="add del">
+          <ac:chgData name="Dhruv Bhatnagar" userId="d3ce6c2664132320" providerId="LiveId" clId="{84C4CC69-7288-4891-9C4F-C7C5AA4E3CF0}" dt="2023-04-20T19:23:34.539" v="3260" actId="26606"/>
+          <ac:picMkLst>
+            <pc:docMk/>
+            <pc:sldMk cId="1332957594" sldId="279"/>
+            <ac:picMk id="44" creationId="{06EA5356-A29D-744A-7D96-49D212BD682B}"/>
+          </ac:picMkLst>
+        </pc:picChg>
         <pc:cxnChg chg="add del">
           <ac:chgData name="Dhruv Bhatnagar" userId="d3ce6c2664132320" providerId="LiveId" clId="{84C4CC69-7288-4891-9C4F-C7C5AA4E3CF0}" dt="2023-04-20T19:06:32.832" v="2762" actId="26606"/>
           <ac:cxnSpMkLst>
@@ -1619,36 +1771,132 @@
             <ac:cxnSpMk id="33" creationId="{9D74C2FC-3228-4FC1-B97B-87AD35508D91}"/>
           </ac:cxnSpMkLst>
         </pc:cxnChg>
-        <pc:cxnChg chg="add">
-          <ac:chgData name="Dhruv Bhatnagar" userId="d3ce6c2664132320" providerId="LiveId" clId="{84C4CC69-7288-4891-9C4F-C7C5AA4E3CF0}" dt="2023-04-20T19:06:44.444" v="2767" actId="26606"/>
+        <pc:cxnChg chg="add del">
+          <ac:chgData name="Dhruv Bhatnagar" userId="d3ce6c2664132320" providerId="LiveId" clId="{84C4CC69-7288-4891-9C4F-C7C5AA4E3CF0}" dt="2023-04-20T19:26:17.659" v="3309" actId="26606"/>
           <ac:cxnSpMkLst>
             <pc:docMk/>
             <pc:sldMk cId="1332957594" sldId="279"/>
             <ac:cxnSpMk id="36" creationId="{F64F9B95-9045-48D2-B9F3-2927E98F54AA}"/>
           </ac:cxnSpMkLst>
         </pc:cxnChg>
-        <pc:cxnChg chg="add">
-          <ac:chgData name="Dhruv Bhatnagar" userId="d3ce6c2664132320" providerId="LiveId" clId="{84C4CC69-7288-4891-9C4F-C7C5AA4E3CF0}" dt="2023-04-20T19:06:44.444" v="2767" actId="26606"/>
+        <pc:cxnChg chg="add del">
+          <ac:chgData name="Dhruv Bhatnagar" userId="d3ce6c2664132320" providerId="LiveId" clId="{84C4CC69-7288-4891-9C4F-C7C5AA4E3CF0}" dt="2023-04-20T19:26:17.659" v="3309" actId="26606"/>
           <ac:cxnSpMkLst>
             <pc:docMk/>
             <pc:sldMk cId="1332957594" sldId="279"/>
             <ac:cxnSpMk id="37" creationId="{085AA86F-6A4D-4BCB-A045-D992CDC2959B}"/>
           </ac:cxnSpMkLst>
         </pc:cxnChg>
-        <pc:cxnChg chg="add">
-          <ac:chgData name="Dhruv Bhatnagar" userId="d3ce6c2664132320" providerId="LiveId" clId="{84C4CC69-7288-4891-9C4F-C7C5AA4E3CF0}" dt="2023-04-20T19:06:44.444" v="2767" actId="26606"/>
+        <pc:cxnChg chg="add del">
+          <ac:chgData name="Dhruv Bhatnagar" userId="d3ce6c2664132320" providerId="LiveId" clId="{84C4CC69-7288-4891-9C4F-C7C5AA4E3CF0}" dt="2023-04-20T19:26:17.659" v="3309" actId="26606"/>
           <ac:cxnSpMkLst>
             <pc:docMk/>
             <pc:sldMk cId="1332957594" sldId="279"/>
             <ac:cxnSpMk id="39" creationId="{AAD0195E-7F27-4D06-9427-0C121D721A14}"/>
           </ac:cxnSpMkLst>
         </pc:cxnChg>
-        <pc:cxnChg chg="add">
-          <ac:chgData name="Dhruv Bhatnagar" userId="d3ce6c2664132320" providerId="LiveId" clId="{84C4CC69-7288-4891-9C4F-C7C5AA4E3CF0}" dt="2023-04-20T19:06:44.444" v="2767" actId="26606"/>
+        <pc:cxnChg chg="add del">
+          <ac:chgData name="Dhruv Bhatnagar" userId="d3ce6c2664132320" providerId="LiveId" clId="{84C4CC69-7288-4891-9C4F-C7C5AA4E3CF0}" dt="2023-04-20T19:26:17.659" v="3309" actId="26606"/>
           <ac:cxnSpMkLst>
             <pc:docMk/>
             <pc:sldMk cId="1332957594" sldId="279"/>
             <ac:cxnSpMk id="40" creationId="{9D74C2FC-3228-4FC1-B97B-87AD35508D91}"/>
+          </ac:cxnSpMkLst>
+        </pc:cxnChg>
+        <pc:cxnChg chg="add">
+          <ac:chgData name="Dhruv Bhatnagar" userId="d3ce6c2664132320" providerId="LiveId" clId="{84C4CC69-7288-4891-9C4F-C7C5AA4E3CF0}" dt="2023-04-20T19:26:17.659" v="3309" actId="26606"/>
+          <ac:cxnSpMkLst>
+            <pc:docMk/>
+            <pc:sldMk cId="1332957594" sldId="279"/>
+            <ac:cxnSpMk id="43" creationId="{F64F9B95-9045-48D2-B9F3-2927E98F54AA}"/>
+          </ac:cxnSpMkLst>
+        </pc:cxnChg>
+        <pc:cxnChg chg="add">
+          <ac:chgData name="Dhruv Bhatnagar" userId="d3ce6c2664132320" providerId="LiveId" clId="{84C4CC69-7288-4891-9C4F-C7C5AA4E3CF0}" dt="2023-04-20T19:26:17.659" v="3309" actId="26606"/>
+          <ac:cxnSpMkLst>
+            <pc:docMk/>
+            <pc:sldMk cId="1332957594" sldId="279"/>
+            <ac:cxnSpMk id="45" creationId="{085AA86F-6A4D-4BCB-A045-D992CDC2959B}"/>
+          </ac:cxnSpMkLst>
+        </pc:cxnChg>
+        <pc:cxnChg chg="add del">
+          <ac:chgData name="Dhruv Bhatnagar" userId="d3ce6c2664132320" providerId="LiveId" clId="{84C4CC69-7288-4891-9C4F-C7C5AA4E3CF0}" dt="2023-04-20T19:23:45.841" v="3263" actId="26606"/>
+          <ac:cxnSpMkLst>
+            <pc:docMk/>
+            <pc:sldMk cId="1332957594" sldId="279"/>
+            <ac:cxnSpMk id="46" creationId="{F64F9B95-9045-48D2-B9F3-2927E98F54AA}"/>
+          </ac:cxnSpMkLst>
+        </pc:cxnChg>
+        <pc:cxnChg chg="add del">
+          <ac:chgData name="Dhruv Bhatnagar" userId="d3ce6c2664132320" providerId="LiveId" clId="{84C4CC69-7288-4891-9C4F-C7C5AA4E3CF0}" dt="2023-04-20T19:23:34.539" v="3260" actId="26606"/>
+          <ac:cxnSpMkLst>
+            <pc:docMk/>
+            <pc:sldMk cId="1332957594" sldId="279"/>
+            <ac:cxnSpMk id="47" creationId="{F64F9B95-9045-48D2-B9F3-2927E98F54AA}"/>
+          </ac:cxnSpMkLst>
+        </pc:cxnChg>
+        <pc:cxnChg chg="add del">
+          <ac:chgData name="Dhruv Bhatnagar" userId="d3ce6c2664132320" providerId="LiveId" clId="{84C4CC69-7288-4891-9C4F-C7C5AA4E3CF0}" dt="2023-04-20T19:23:45.841" v="3263" actId="26606"/>
+          <ac:cxnSpMkLst>
+            <pc:docMk/>
+            <pc:sldMk cId="1332957594" sldId="279"/>
+            <ac:cxnSpMk id="48" creationId="{085AA86F-6A4D-4BCB-A045-D992CDC2959B}"/>
+          </ac:cxnSpMkLst>
+        </pc:cxnChg>
+        <pc:cxnChg chg="add del">
+          <ac:chgData name="Dhruv Bhatnagar" userId="d3ce6c2664132320" providerId="LiveId" clId="{84C4CC69-7288-4891-9C4F-C7C5AA4E3CF0}" dt="2023-04-20T19:23:34.539" v="3260" actId="26606"/>
+          <ac:cxnSpMkLst>
+            <pc:docMk/>
+            <pc:sldMk cId="1332957594" sldId="279"/>
+            <ac:cxnSpMk id="49" creationId="{085AA86F-6A4D-4BCB-A045-D992CDC2959B}"/>
+          </ac:cxnSpMkLst>
+        </pc:cxnChg>
+        <pc:cxnChg chg="add del">
+          <ac:chgData name="Dhruv Bhatnagar" userId="d3ce6c2664132320" providerId="LiveId" clId="{84C4CC69-7288-4891-9C4F-C7C5AA4E3CF0}" dt="2023-04-20T19:23:45.841" v="3263" actId="26606"/>
+          <ac:cxnSpMkLst>
+            <pc:docMk/>
+            <pc:sldMk cId="1332957594" sldId="279"/>
+            <ac:cxnSpMk id="52" creationId="{D2E57F3D-33BE-4306-87E6-245763719516}"/>
+          </ac:cxnSpMkLst>
+        </pc:cxnChg>
+        <pc:cxnChg chg="add del">
+          <ac:chgData name="Dhruv Bhatnagar" userId="d3ce6c2664132320" providerId="LiveId" clId="{84C4CC69-7288-4891-9C4F-C7C5AA4E3CF0}" dt="2023-04-20T19:23:34.539" v="3260" actId="26606"/>
+          <ac:cxnSpMkLst>
+            <pc:docMk/>
+            <pc:sldMk cId="1332957594" sldId="279"/>
+            <ac:cxnSpMk id="53" creationId="{5EF1A8C6-8F60-4EF2-B4D7-A5A5E94F6946}"/>
+          </ac:cxnSpMkLst>
+        </pc:cxnChg>
+        <pc:cxnChg chg="add del">
+          <ac:chgData name="Dhruv Bhatnagar" userId="d3ce6c2664132320" providerId="LiveId" clId="{84C4CC69-7288-4891-9C4F-C7C5AA4E3CF0}" dt="2023-04-20T19:23:45.841" v="3263" actId="26606"/>
+          <ac:cxnSpMkLst>
+            <pc:docMk/>
+            <pc:sldMk cId="1332957594" sldId="279"/>
+            <ac:cxnSpMk id="54" creationId="{CBA3C59D-8641-484F-A35C-361AD7E1553B}"/>
+          </ac:cxnSpMkLst>
+        </pc:cxnChg>
+        <pc:cxnChg chg="add del">
+          <ac:chgData name="Dhruv Bhatnagar" userId="d3ce6c2664132320" providerId="LiveId" clId="{84C4CC69-7288-4891-9C4F-C7C5AA4E3CF0}" dt="2023-04-20T19:23:34.539" v="3260" actId="26606"/>
+          <ac:cxnSpMkLst>
+            <pc:docMk/>
+            <pc:sldMk cId="1332957594" sldId="279"/>
+            <ac:cxnSpMk id="55" creationId="{FD9760AA-CA3F-4C65-B688-B44307731F5A}"/>
+          </ac:cxnSpMkLst>
+        </pc:cxnChg>
+        <pc:cxnChg chg="add">
+          <ac:chgData name="Dhruv Bhatnagar" userId="d3ce6c2664132320" providerId="LiveId" clId="{84C4CC69-7288-4891-9C4F-C7C5AA4E3CF0}" dt="2023-04-20T19:26:17.659" v="3309" actId="26606"/>
+          <ac:cxnSpMkLst>
+            <pc:docMk/>
+            <pc:sldMk cId="1332957594" sldId="279"/>
+            <ac:cxnSpMk id="57" creationId="{AAD0195E-7F27-4D06-9427-0C121D721A14}"/>
+          </ac:cxnSpMkLst>
+        </pc:cxnChg>
+        <pc:cxnChg chg="add">
+          <ac:chgData name="Dhruv Bhatnagar" userId="d3ce6c2664132320" providerId="LiveId" clId="{84C4CC69-7288-4891-9C4F-C7C5AA4E3CF0}" dt="2023-04-20T19:26:17.659" v="3309" actId="26606"/>
+          <ac:cxnSpMkLst>
+            <pc:docMk/>
+            <pc:sldMk cId="1332957594" sldId="279"/>
+            <ac:cxnSpMk id="58" creationId="{9D74C2FC-3228-4FC1-B97B-87AD35508D91}"/>
           </ac:cxnSpMkLst>
         </pc:cxnChg>
       </pc:sldChg>
@@ -10919,7 +11167,7 @@
       </p:grpSpPr>
       <p:cxnSp>
         <p:nvCxnSpPr>
-          <p:cNvPr id="36" name="Straight Connector 11">
+          <p:cNvPr id="43" name="Straight Connector 45">
             <a:extLst>
               <a:ext uri="{FF2B5EF4-FFF2-40B4-BE49-F238E27FC236}">
                 <a16:creationId xmlns:a16="http://schemas.microsoft.com/office/drawing/2014/main" id="{F64F9B95-9045-48D2-B9F3-2927E98F54AA}"/>
@@ -10971,7 +11219,7 @@
       </p:cxnSp>
       <p:cxnSp>
         <p:nvCxnSpPr>
-          <p:cNvPr id="37" name="Straight Connector 13">
+          <p:cNvPr id="45" name="Straight Connector 47">
             <a:extLst>
               <a:ext uri="{FF2B5EF4-FFF2-40B4-BE49-F238E27FC236}">
                 <a16:creationId xmlns:a16="http://schemas.microsoft.com/office/drawing/2014/main" id="{085AA86F-6A4D-4BCB-A045-D992CDC2959B}"/>
@@ -11023,7 +11271,7 @@
       </p:cxnSp>
       <p:sp useBgFill="1">
         <p:nvSpPr>
-          <p:cNvPr id="38" name="Rectangle 15">
+          <p:cNvPr id="56" name="Rectangle 49">
             <a:extLst>
               <a:ext uri="{FF2B5EF4-FFF2-40B4-BE49-F238E27FC236}">
                 <a16:creationId xmlns:a16="http://schemas.microsoft.com/office/drawing/2014/main" id="{F68B2C62-7648-4430-90D5-AE0F252AF113}"/>
@@ -11141,7 +11389,7 @@
       </p:sp>
       <p:cxnSp>
         <p:nvCxnSpPr>
-          <p:cNvPr id="39" name="Straight Connector 17">
+          <p:cNvPr id="57" name="Straight Connector 51">
             <a:extLst>
               <a:ext uri="{FF2B5EF4-FFF2-40B4-BE49-F238E27FC236}">
                 <a16:creationId xmlns:a16="http://schemas.microsoft.com/office/drawing/2014/main" id="{AAD0195E-7F27-4D06-9427-0C121D721A14}"/>
@@ -11193,7 +11441,7 @@
       </p:cxnSp>
       <p:cxnSp>
         <p:nvCxnSpPr>
-          <p:cNvPr id="40" name="Straight Connector 19">
+          <p:cNvPr id="58" name="Straight Connector 53">
             <a:extLst>
               <a:ext uri="{FF2B5EF4-FFF2-40B4-BE49-F238E27FC236}">
                 <a16:creationId xmlns:a16="http://schemas.microsoft.com/office/drawing/2014/main" id="{9D74C2FC-3228-4FC1-B97B-87AD35508D91}"/>
@@ -11245,13 +11493,10 @@
       </p:cxnSp>
       <p:sp>
         <p:nvSpPr>
-          <p:cNvPr id="4" name="Rectangle: Rounded Corners 3">
-            <a:extLst>
-              <a:ext uri="{FF2B5EF4-FFF2-40B4-BE49-F238E27FC236}">
-                <a16:creationId xmlns:a16="http://schemas.microsoft.com/office/drawing/2014/main" id="{D633214F-3578-95C9-90C0-5283310144F3}"/>
-              </a:ext>
-              <a:ext uri="{C183D7F6-B498-43B3-948B-1728B52AA6E4}">
-                <adec:decorative xmlns:adec="http://schemas.microsoft.com/office/drawing/2017/decorative" val="1"/>
+          <p:cNvPr id="16" name="Freeform: Shape 15">
+            <a:extLst>
+              <a:ext uri="{FF2B5EF4-FFF2-40B4-BE49-F238E27FC236}">
+                <a16:creationId xmlns:a16="http://schemas.microsoft.com/office/drawing/2014/main" id="{4C1FDCCB-0AD2-911E-220D-561E5B03DFB0}"/>
               </a:ext>
             </a:extLst>
           </p:cNvPr>
@@ -11260,14 +11505,103 @@
         </p:nvSpPr>
         <p:spPr>
           <a:xfrm>
-            <a:off x="700088" y="2997379"/>
-            <a:ext cx="3007072" cy="1909490"/>
+            <a:off x="2409838" y="2292753"/>
+            <a:ext cx="2077803" cy="1038901"/>
           </a:xfrm>
-          <a:prstGeom prst="roundRect">
-            <a:avLst>
-              <a:gd name="adj" fmla="val 10000"/>
-            </a:avLst>
-          </a:prstGeom>
+          <a:custGeom>
+            <a:avLst/>
+            <a:gdLst>
+              <a:gd name="connsiteX0" fmla="*/ 0 w 2077803"/>
+              <a:gd name="connsiteY0" fmla="*/ 103890 h 1038901"/>
+              <a:gd name="connsiteX1" fmla="*/ 103890 w 2077803"/>
+              <a:gd name="connsiteY1" fmla="*/ 0 h 1038901"/>
+              <a:gd name="connsiteX2" fmla="*/ 1973913 w 2077803"/>
+              <a:gd name="connsiteY2" fmla="*/ 0 h 1038901"/>
+              <a:gd name="connsiteX3" fmla="*/ 2077803 w 2077803"/>
+              <a:gd name="connsiteY3" fmla="*/ 103890 h 1038901"/>
+              <a:gd name="connsiteX4" fmla="*/ 2077803 w 2077803"/>
+              <a:gd name="connsiteY4" fmla="*/ 935011 h 1038901"/>
+              <a:gd name="connsiteX5" fmla="*/ 1973913 w 2077803"/>
+              <a:gd name="connsiteY5" fmla="*/ 1038901 h 1038901"/>
+              <a:gd name="connsiteX6" fmla="*/ 103890 w 2077803"/>
+              <a:gd name="connsiteY6" fmla="*/ 1038901 h 1038901"/>
+              <a:gd name="connsiteX7" fmla="*/ 0 w 2077803"/>
+              <a:gd name="connsiteY7" fmla="*/ 935011 h 1038901"/>
+              <a:gd name="connsiteX8" fmla="*/ 0 w 2077803"/>
+              <a:gd name="connsiteY8" fmla="*/ 103890 h 1038901"/>
+            </a:gdLst>
+            <a:ahLst/>
+            <a:cxnLst>
+              <a:cxn ang="0">
+                <a:pos x="connsiteX0" y="connsiteY0"/>
+              </a:cxn>
+              <a:cxn ang="0">
+                <a:pos x="connsiteX1" y="connsiteY1"/>
+              </a:cxn>
+              <a:cxn ang="0">
+                <a:pos x="connsiteX2" y="connsiteY2"/>
+              </a:cxn>
+              <a:cxn ang="0">
+                <a:pos x="connsiteX3" y="connsiteY3"/>
+              </a:cxn>
+              <a:cxn ang="0">
+                <a:pos x="connsiteX4" y="connsiteY4"/>
+              </a:cxn>
+              <a:cxn ang="0">
+                <a:pos x="connsiteX5" y="connsiteY5"/>
+              </a:cxn>
+              <a:cxn ang="0">
+                <a:pos x="connsiteX6" y="connsiteY6"/>
+              </a:cxn>
+              <a:cxn ang="0">
+                <a:pos x="connsiteX7" y="connsiteY7"/>
+              </a:cxn>
+              <a:cxn ang="0">
+                <a:pos x="connsiteX8" y="connsiteY8"/>
+              </a:cxn>
+            </a:cxnLst>
+            <a:rect l="l" t="t" r="r" b="b"/>
+            <a:pathLst>
+              <a:path w="2077803" h="1038901">
+                <a:moveTo>
+                  <a:pt x="0" y="103890"/>
+                </a:moveTo>
+                <a:cubicBezTo>
+                  <a:pt x="0" y="46513"/>
+                  <a:pt x="46513" y="0"/>
+                  <a:pt x="103890" y="0"/>
+                </a:cubicBezTo>
+                <a:lnTo>
+                  <a:pt x="1973913" y="0"/>
+                </a:lnTo>
+                <a:cubicBezTo>
+                  <a:pt x="2031290" y="0"/>
+                  <a:pt x="2077803" y="46513"/>
+                  <a:pt x="2077803" y="103890"/>
+                </a:cubicBezTo>
+                <a:lnTo>
+                  <a:pt x="2077803" y="935011"/>
+                </a:lnTo>
+                <a:cubicBezTo>
+                  <a:pt x="2077803" y="992388"/>
+                  <a:pt x="2031290" y="1038901"/>
+                  <a:pt x="1973913" y="1038901"/>
+                </a:cubicBezTo>
+                <a:lnTo>
+                  <a:pt x="103890" y="1038901"/>
+                </a:lnTo>
+                <a:cubicBezTo>
+                  <a:pt x="46513" y="1038901"/>
+                  <a:pt x="0" y="992388"/>
+                  <a:pt x="0" y="935011"/>
+                </a:cubicBezTo>
+                <a:lnTo>
+                  <a:pt x="0" y="103890"/>
+                </a:lnTo>
+                <a:close/>
+              </a:path>
+            </a:pathLst>
+          </a:custGeom>
         </p:spPr>
         <p:style>
           <a:lnRef idx="2">
@@ -11279,7 +11613,7 @@
             </a:schemeClr>
           </a:lnRef>
           <a:fillRef idx="1">
-            <a:schemeClr val="accent1">
+            <a:schemeClr val="accent2">
               <a:hueOff val="0"/>
               <a:satOff val="0"/>
               <a:lumOff val="0"/>
@@ -11287,7 +11621,7 @@
             </a:schemeClr>
           </a:fillRef>
           <a:effectRef idx="0">
-            <a:schemeClr val="accent1">
+            <a:schemeClr val="accent2">
               <a:hueOff val="0"/>
               <a:satOff val="0"/>
               <a:lumOff val="0"/>
@@ -11298,162 +11632,13 @@
             <a:schemeClr val="lt1"/>
           </a:fontRef>
         </p:style>
-      </p:sp>
-      <p:sp>
-        <p:nvSpPr>
-          <p:cNvPr id="5" name="Freeform: Shape 4" descr="Depth vs breadth of data">
-            <a:extLst>
-              <a:ext uri="{FF2B5EF4-FFF2-40B4-BE49-F238E27FC236}">
-                <a16:creationId xmlns:a16="http://schemas.microsoft.com/office/drawing/2014/main" id="{A83EEE03-3E26-98A7-2F49-3DCFD8C50668}"/>
-              </a:ext>
-            </a:extLst>
-          </p:cNvPr>
-          <p:cNvSpPr/>
-          <p:nvPr/>
-        </p:nvSpPr>
-        <p:spPr>
-          <a:xfrm>
-            <a:off x="1034207" y="3314792"/>
-            <a:ext cx="3007072" cy="1909490"/>
-          </a:xfrm>
-          <a:custGeom>
-            <a:avLst/>
-            <a:gdLst>
-              <a:gd name="connsiteX0" fmla="*/ 0 w 3007072"/>
-              <a:gd name="connsiteY0" fmla="*/ 190949 h 1909490"/>
-              <a:gd name="connsiteX1" fmla="*/ 190949 w 3007072"/>
-              <a:gd name="connsiteY1" fmla="*/ 0 h 1909490"/>
-              <a:gd name="connsiteX2" fmla="*/ 2816123 w 3007072"/>
-              <a:gd name="connsiteY2" fmla="*/ 0 h 1909490"/>
-              <a:gd name="connsiteX3" fmla="*/ 3007072 w 3007072"/>
-              <a:gd name="connsiteY3" fmla="*/ 190949 h 1909490"/>
-              <a:gd name="connsiteX4" fmla="*/ 3007072 w 3007072"/>
-              <a:gd name="connsiteY4" fmla="*/ 1718541 h 1909490"/>
-              <a:gd name="connsiteX5" fmla="*/ 2816123 w 3007072"/>
-              <a:gd name="connsiteY5" fmla="*/ 1909490 h 1909490"/>
-              <a:gd name="connsiteX6" fmla="*/ 190949 w 3007072"/>
-              <a:gd name="connsiteY6" fmla="*/ 1909490 h 1909490"/>
-              <a:gd name="connsiteX7" fmla="*/ 0 w 3007072"/>
-              <a:gd name="connsiteY7" fmla="*/ 1718541 h 1909490"/>
-              <a:gd name="connsiteX8" fmla="*/ 0 w 3007072"/>
-              <a:gd name="connsiteY8" fmla="*/ 190949 h 1909490"/>
-            </a:gdLst>
-            <a:ahLst/>
-            <a:cxnLst>
-              <a:cxn ang="0">
-                <a:pos x="connsiteX0" y="connsiteY0"/>
-              </a:cxn>
-              <a:cxn ang="0">
-                <a:pos x="connsiteX1" y="connsiteY1"/>
-              </a:cxn>
-              <a:cxn ang="0">
-                <a:pos x="connsiteX2" y="connsiteY2"/>
-              </a:cxn>
-              <a:cxn ang="0">
-                <a:pos x="connsiteX3" y="connsiteY3"/>
-              </a:cxn>
-              <a:cxn ang="0">
-                <a:pos x="connsiteX4" y="connsiteY4"/>
-              </a:cxn>
-              <a:cxn ang="0">
-                <a:pos x="connsiteX5" y="connsiteY5"/>
-              </a:cxn>
-              <a:cxn ang="0">
-                <a:pos x="connsiteX6" y="connsiteY6"/>
-              </a:cxn>
-              <a:cxn ang="0">
-                <a:pos x="connsiteX7" y="connsiteY7"/>
-              </a:cxn>
-              <a:cxn ang="0">
-                <a:pos x="connsiteX8" y="connsiteY8"/>
-              </a:cxn>
-            </a:cxnLst>
-            <a:rect l="l" t="t" r="r" b="b"/>
-            <a:pathLst>
-              <a:path w="3007072" h="1909490">
-                <a:moveTo>
-                  <a:pt x="0" y="190949"/>
-                </a:moveTo>
-                <a:cubicBezTo>
-                  <a:pt x="0" y="85491"/>
-                  <a:pt x="85491" y="0"/>
-                  <a:pt x="190949" y="0"/>
-                </a:cubicBezTo>
-                <a:lnTo>
-                  <a:pt x="2816123" y="0"/>
-                </a:lnTo>
-                <a:cubicBezTo>
-                  <a:pt x="2921581" y="0"/>
-                  <a:pt x="3007072" y="85491"/>
-                  <a:pt x="3007072" y="190949"/>
-                </a:cubicBezTo>
-                <a:lnTo>
-                  <a:pt x="3007072" y="1718541"/>
-                </a:lnTo>
-                <a:cubicBezTo>
-                  <a:pt x="3007072" y="1823999"/>
-                  <a:pt x="2921581" y="1909490"/>
-                  <a:pt x="2816123" y="1909490"/>
-                </a:cubicBezTo>
-                <a:lnTo>
-                  <a:pt x="190949" y="1909490"/>
-                </a:lnTo>
-                <a:cubicBezTo>
-                  <a:pt x="85491" y="1909490"/>
-                  <a:pt x="0" y="1823999"/>
-                  <a:pt x="0" y="1718541"/>
-                </a:cubicBezTo>
-                <a:lnTo>
-                  <a:pt x="0" y="190949"/>
-                </a:lnTo>
-                <a:close/>
-              </a:path>
-            </a:pathLst>
-          </a:custGeom>
-        </p:spPr>
-        <p:style>
-          <a:lnRef idx="2">
-            <a:schemeClr val="accent1">
-              <a:hueOff val="0"/>
-              <a:satOff val="0"/>
-              <a:lumOff val="0"/>
-              <a:alphaOff val="0"/>
-            </a:schemeClr>
-          </a:lnRef>
-          <a:fillRef idx="1">
-            <a:schemeClr val="lt1">
-              <a:alpha val="90000"/>
-              <a:hueOff val="0"/>
-              <a:satOff val="0"/>
-              <a:lumOff val="0"/>
-              <a:alphaOff val="0"/>
-            </a:schemeClr>
-          </a:fillRef>
-          <a:effectRef idx="0">
-            <a:schemeClr val="lt1">
-              <a:alpha val="90000"/>
-              <a:hueOff val="0"/>
-              <a:satOff val="0"/>
-              <a:lumOff val="0"/>
-              <a:alphaOff val="0"/>
-            </a:schemeClr>
-          </a:effectRef>
-          <a:fontRef idx="minor">
-            <a:schemeClr val="dk1">
-              <a:hueOff val="0"/>
-              <a:satOff val="0"/>
-              <a:lumOff val="0"/>
-              <a:alphaOff val="0"/>
-            </a:schemeClr>
-          </a:fontRef>
-        </p:style>
         <p:txBody>
-          <a:bodyPr spcFirstLastPara="0" vert="horz" wrap="square" lIns="166417" tIns="166417" rIns="166417" bIns="166417" numCol="1" spcCol="1270" anchor="ctr" anchorCtr="0">
+          <a:bodyPr spcFirstLastPara="0" vert="horz" wrap="square" lIns="70433" tIns="57098" rIns="70433" bIns="57098" numCol="1" spcCol="1270" anchor="ctr" anchorCtr="0">
             <a:noAutofit/>
           </a:bodyPr>
           <a:lstStyle/>
           <a:p>
-            <a:pPr marL="0" lvl="0" indent="0" algn="ctr" defTabSz="1289050">
+            <a:pPr marL="0" lvl="0" indent="0" algn="ctr" defTabSz="933450">
               <a:lnSpc>
                 <a:spcPct val="90000"/>
               </a:lnSpc>
@@ -11466,27 +11651,18 @@
               <a:buNone/>
             </a:pPr>
             <a:r>
-              <a:rPr lang="en-US" sz="2900" b="0" i="0" kern="1200" dirty="0"/>
-              <a:t>Depth vs breadth of </a:t>
+              <a:rPr lang="en-US" sz="2100" kern="1200"/>
+              <a:t>Depth vs breadth of data</a:t>
             </a:r>
-            <a:r>
-              <a:rPr lang="en-US" sz="2900" kern="1200" dirty="0"/>
-              <a:t>d</a:t>
-            </a:r>
-            <a:r>
-              <a:rPr lang="en-US" sz="2900" b="0" i="0" kern="1200" dirty="0"/>
-              <a:t>ata</a:t>
-            </a:r>
-            <a:endParaRPr lang="en-US" sz="2900" kern="1200" dirty="0"/>
           </a:p>
         </p:txBody>
       </p:sp>
       <p:sp>
         <p:nvSpPr>
-          <p:cNvPr id="7" name="Rectangle: Rounded Corners 6">
-            <a:extLst>
-              <a:ext uri="{FF2B5EF4-FFF2-40B4-BE49-F238E27FC236}">
-                <a16:creationId xmlns:a16="http://schemas.microsoft.com/office/drawing/2014/main" id="{07CA73D5-D5A6-49E1-4B31-7DEA27069217}"/>
+          <p:cNvPr id="17" name="Freeform: Shape 16">
+            <a:extLst>
+              <a:ext uri="{FF2B5EF4-FFF2-40B4-BE49-F238E27FC236}">
+                <a16:creationId xmlns:a16="http://schemas.microsoft.com/office/drawing/2014/main" id="{9BB0E00A-9ED3-1DCD-9E57-39CF2B000A39}"/>
               </a:ext>
               <a:ext uri="{C183D7F6-B498-43B3-948B-1728B52AA6E4}">
                 <adec:decorative xmlns:adec="http://schemas.microsoft.com/office/drawing/2017/decorative" val="1"/>
@@ -11498,51 +11674,68 @@
         </p:nvSpPr>
         <p:spPr>
           <a:xfrm>
-            <a:off x="4375398" y="2997379"/>
-            <a:ext cx="3007072" cy="1909490"/>
+            <a:off x="2617618" y="3331655"/>
+            <a:ext cx="207780" cy="779176"/>
           </a:xfrm>
-          <a:prstGeom prst="roundRect">
-            <a:avLst>
-              <a:gd name="adj" fmla="val 10000"/>
-            </a:avLst>
-          </a:prstGeom>
+          <a:custGeom>
+            <a:avLst/>
+            <a:gdLst/>
+            <a:ahLst/>
+            <a:cxnLst/>
+            <a:rect l="0" t="0" r="0" b="0"/>
+            <a:pathLst>
+              <a:path>
+                <a:moveTo>
+                  <a:pt x="0" y="0"/>
+                </a:moveTo>
+                <a:lnTo>
+                  <a:pt x="0" y="779176"/>
+                </a:lnTo>
+                <a:lnTo>
+                  <a:pt x="207780" y="779176"/>
+                </a:lnTo>
+              </a:path>
+            </a:pathLst>
+          </a:custGeom>
+          <a:noFill/>
         </p:spPr>
         <p:style>
           <a:lnRef idx="2">
-            <a:schemeClr val="lt1">
+            <a:schemeClr val="accent3">
               <a:hueOff val="0"/>
               <a:satOff val="0"/>
               <a:lumOff val="0"/>
               <a:alphaOff val="0"/>
             </a:schemeClr>
           </a:lnRef>
-          <a:fillRef idx="1">
-            <a:schemeClr val="accent1">
+          <a:fillRef idx="0">
+            <a:scrgbClr r="0" g="0" b="0"/>
+          </a:fillRef>
+          <a:effectRef idx="0">
+            <a:schemeClr val="accent2">
+              <a:tint val="90000"/>
               <a:hueOff val="0"/>
               <a:satOff val="0"/>
               <a:lumOff val="0"/>
               <a:alphaOff val="0"/>
             </a:schemeClr>
-          </a:fillRef>
-          <a:effectRef idx="0">
-            <a:schemeClr val="accent1">
+          </a:effectRef>
+          <a:fontRef idx="minor">
+            <a:schemeClr val="tx1">
               <a:hueOff val="0"/>
               <a:satOff val="0"/>
               <a:lumOff val="0"/>
               <a:alphaOff val="0"/>
             </a:schemeClr>
-          </a:effectRef>
-          <a:fontRef idx="minor">
-            <a:schemeClr val="lt1"/>
           </a:fontRef>
         </p:style>
       </p:sp>
       <p:sp>
         <p:nvSpPr>
-          <p:cNvPr id="9" name="Freeform: Shape 8" descr="Quality of data collection">
-            <a:extLst>
-              <a:ext uri="{FF2B5EF4-FFF2-40B4-BE49-F238E27FC236}">
-                <a16:creationId xmlns:a16="http://schemas.microsoft.com/office/drawing/2014/main" id="{102912EC-2BDA-E98A-C730-6DECD8917F88}"/>
+          <p:cNvPr id="18" name="Freeform: Shape 17">
+            <a:extLst>
+              <a:ext uri="{FF2B5EF4-FFF2-40B4-BE49-F238E27FC236}">
+                <a16:creationId xmlns:a16="http://schemas.microsoft.com/office/drawing/2014/main" id="{6FB92882-FC4E-2E7A-489A-72E2EAB89D6F}"/>
               </a:ext>
             </a:extLst>
           </p:cNvPr>
@@ -11551,30 +11744,30 @@
         </p:nvSpPr>
         <p:spPr>
           <a:xfrm>
-            <a:off x="4709517" y="3314792"/>
-            <a:ext cx="3007072" cy="1909490"/>
+            <a:off x="2825398" y="3591380"/>
+            <a:ext cx="1662242" cy="1038901"/>
           </a:xfrm>
           <a:custGeom>
             <a:avLst/>
             <a:gdLst>
-              <a:gd name="connsiteX0" fmla="*/ 0 w 3007072"/>
-              <a:gd name="connsiteY0" fmla="*/ 190949 h 1909490"/>
-              <a:gd name="connsiteX1" fmla="*/ 190949 w 3007072"/>
-              <a:gd name="connsiteY1" fmla="*/ 0 h 1909490"/>
-              <a:gd name="connsiteX2" fmla="*/ 2816123 w 3007072"/>
-              <a:gd name="connsiteY2" fmla="*/ 0 h 1909490"/>
-              <a:gd name="connsiteX3" fmla="*/ 3007072 w 3007072"/>
-              <a:gd name="connsiteY3" fmla="*/ 190949 h 1909490"/>
-              <a:gd name="connsiteX4" fmla="*/ 3007072 w 3007072"/>
-              <a:gd name="connsiteY4" fmla="*/ 1718541 h 1909490"/>
-              <a:gd name="connsiteX5" fmla="*/ 2816123 w 3007072"/>
-              <a:gd name="connsiteY5" fmla="*/ 1909490 h 1909490"/>
-              <a:gd name="connsiteX6" fmla="*/ 190949 w 3007072"/>
-              <a:gd name="connsiteY6" fmla="*/ 1909490 h 1909490"/>
-              <a:gd name="connsiteX7" fmla="*/ 0 w 3007072"/>
-              <a:gd name="connsiteY7" fmla="*/ 1718541 h 1909490"/>
-              <a:gd name="connsiteX8" fmla="*/ 0 w 3007072"/>
-              <a:gd name="connsiteY8" fmla="*/ 190949 h 1909490"/>
+              <a:gd name="connsiteX0" fmla="*/ 0 w 1662242"/>
+              <a:gd name="connsiteY0" fmla="*/ 103890 h 1038901"/>
+              <a:gd name="connsiteX1" fmla="*/ 103890 w 1662242"/>
+              <a:gd name="connsiteY1" fmla="*/ 0 h 1038901"/>
+              <a:gd name="connsiteX2" fmla="*/ 1558352 w 1662242"/>
+              <a:gd name="connsiteY2" fmla="*/ 0 h 1038901"/>
+              <a:gd name="connsiteX3" fmla="*/ 1662242 w 1662242"/>
+              <a:gd name="connsiteY3" fmla="*/ 103890 h 1038901"/>
+              <a:gd name="connsiteX4" fmla="*/ 1662242 w 1662242"/>
+              <a:gd name="connsiteY4" fmla="*/ 935011 h 1038901"/>
+              <a:gd name="connsiteX5" fmla="*/ 1558352 w 1662242"/>
+              <a:gd name="connsiteY5" fmla="*/ 1038901 h 1038901"/>
+              <a:gd name="connsiteX6" fmla="*/ 103890 w 1662242"/>
+              <a:gd name="connsiteY6" fmla="*/ 1038901 h 1038901"/>
+              <a:gd name="connsiteX7" fmla="*/ 0 w 1662242"/>
+              <a:gd name="connsiteY7" fmla="*/ 935011 h 1038901"/>
+              <a:gd name="connsiteX8" fmla="*/ 0 w 1662242"/>
+              <a:gd name="connsiteY8" fmla="*/ 103890 h 1038901"/>
             </a:gdLst>
             <a:ahLst/>
             <a:cxnLst>
@@ -11608,41 +11801,41 @@
             </a:cxnLst>
             <a:rect l="l" t="t" r="r" b="b"/>
             <a:pathLst>
-              <a:path w="3007072" h="1909490">
+              <a:path w="1662242" h="1038901">
                 <a:moveTo>
-                  <a:pt x="0" y="190949"/>
+                  <a:pt x="0" y="103890"/>
                 </a:moveTo>
                 <a:cubicBezTo>
-                  <a:pt x="0" y="85491"/>
-                  <a:pt x="85491" y="0"/>
-                  <a:pt x="190949" y="0"/>
+                  <a:pt x="0" y="46513"/>
+                  <a:pt x="46513" y="0"/>
+                  <a:pt x="103890" y="0"/>
                 </a:cubicBezTo>
                 <a:lnTo>
-                  <a:pt x="2816123" y="0"/>
+                  <a:pt x="1558352" y="0"/>
                 </a:lnTo>
                 <a:cubicBezTo>
-                  <a:pt x="2921581" y="0"/>
-                  <a:pt x="3007072" y="85491"/>
-                  <a:pt x="3007072" y="190949"/>
+                  <a:pt x="1615729" y="0"/>
+                  <a:pt x="1662242" y="46513"/>
+                  <a:pt x="1662242" y="103890"/>
                 </a:cubicBezTo>
                 <a:lnTo>
-                  <a:pt x="3007072" y="1718541"/>
+                  <a:pt x="1662242" y="935011"/>
                 </a:lnTo>
                 <a:cubicBezTo>
-                  <a:pt x="3007072" y="1823999"/>
-                  <a:pt x="2921581" y="1909490"/>
-                  <a:pt x="2816123" y="1909490"/>
+                  <a:pt x="1662242" y="992388"/>
+                  <a:pt x="1615729" y="1038901"/>
+                  <a:pt x="1558352" y="1038901"/>
                 </a:cubicBezTo>
                 <a:lnTo>
-                  <a:pt x="190949" y="1909490"/>
+                  <a:pt x="103890" y="1038901"/>
                 </a:lnTo>
                 <a:cubicBezTo>
-                  <a:pt x="85491" y="1909490"/>
-                  <a:pt x="0" y="1823999"/>
-                  <a:pt x="0" y="1718541"/>
+                  <a:pt x="46513" y="1038901"/>
+                  <a:pt x="0" y="992388"/>
+                  <a:pt x="0" y="935011"/>
                 </a:cubicBezTo>
                 <a:lnTo>
-                  <a:pt x="0" y="190949"/>
+                  <a:pt x="0" y="103890"/>
                 </a:lnTo>
                 <a:close/>
               </a:path>
@@ -11651,7 +11844,7 @@
         </p:spPr>
         <p:style>
           <a:lnRef idx="2">
-            <a:schemeClr val="accent1">
+            <a:schemeClr val="accent2">
               <a:hueOff val="0"/>
               <a:satOff val="0"/>
               <a:lumOff val="0"/>
@@ -11686,12 +11879,12 @@
           </a:fontRef>
         </p:style>
         <p:txBody>
-          <a:bodyPr spcFirstLastPara="0" vert="horz" wrap="square" lIns="166417" tIns="166417" rIns="166417" bIns="166417" numCol="1" spcCol="1270" anchor="ctr" anchorCtr="0">
+          <a:bodyPr spcFirstLastPara="0" vert="horz" wrap="square" lIns="62813" tIns="52018" rIns="62813" bIns="52018" numCol="1" spcCol="1270" anchor="ctr" anchorCtr="0">
             <a:noAutofit/>
           </a:bodyPr>
           <a:lstStyle/>
           <a:p>
-            <a:pPr marL="0" lvl="0" indent="0" algn="ctr" defTabSz="1289050">
+            <a:pPr marL="0" lvl="0" indent="0" algn="ctr" defTabSz="755650">
               <a:lnSpc>
                 <a:spcPct val="90000"/>
               </a:lnSpc>
@@ -11704,18 +11897,18 @@
               <a:buNone/>
             </a:pPr>
             <a:r>
-              <a:rPr lang="en-US" sz="2900" kern="1200" dirty="0"/>
-              <a:t>Quality of data collection</a:t>
+              <a:rPr lang="en-US" sz="1700" kern="1200"/>
+              <a:t>More metadata</a:t>
             </a:r>
           </a:p>
         </p:txBody>
       </p:sp>
       <p:sp>
         <p:nvSpPr>
-          <p:cNvPr id="10" name="Rectangle: Rounded Corners 9">
-            <a:extLst>
-              <a:ext uri="{FF2B5EF4-FFF2-40B4-BE49-F238E27FC236}">
-                <a16:creationId xmlns:a16="http://schemas.microsoft.com/office/drawing/2014/main" id="{9934CEFE-E4B1-86E8-BAC9-5B51DC47A2C6}"/>
+          <p:cNvPr id="19" name="Freeform: Shape 18">
+            <a:extLst>
+              <a:ext uri="{FF2B5EF4-FFF2-40B4-BE49-F238E27FC236}">
+                <a16:creationId xmlns:a16="http://schemas.microsoft.com/office/drawing/2014/main" id="{34B06410-EF9C-472E-4054-FCD8ECAF8729}"/>
               </a:ext>
               <a:ext uri="{C183D7F6-B498-43B3-948B-1728B52AA6E4}">
                 <adec:decorative xmlns:adec="http://schemas.microsoft.com/office/drawing/2017/decorative" val="1"/>
@@ -11727,51 +11920,68 @@
         </p:nvSpPr>
         <p:spPr>
           <a:xfrm>
-            <a:off x="8050708" y="2997379"/>
-            <a:ext cx="3007072" cy="1909490"/>
+            <a:off x="2617618" y="3331655"/>
+            <a:ext cx="207780" cy="2077803"/>
           </a:xfrm>
-          <a:prstGeom prst="roundRect">
-            <a:avLst>
-              <a:gd name="adj" fmla="val 10000"/>
-            </a:avLst>
-          </a:prstGeom>
+          <a:custGeom>
+            <a:avLst/>
+            <a:gdLst/>
+            <a:ahLst/>
+            <a:cxnLst/>
+            <a:rect l="0" t="0" r="0" b="0"/>
+            <a:pathLst>
+              <a:path>
+                <a:moveTo>
+                  <a:pt x="0" y="0"/>
+                </a:moveTo>
+                <a:lnTo>
+                  <a:pt x="0" y="2077803"/>
+                </a:lnTo>
+                <a:lnTo>
+                  <a:pt x="207780" y="2077803"/>
+                </a:lnTo>
+              </a:path>
+            </a:pathLst>
+          </a:custGeom>
+          <a:noFill/>
         </p:spPr>
         <p:style>
           <a:lnRef idx="2">
-            <a:schemeClr val="lt1">
+            <a:schemeClr val="accent3">
               <a:hueOff val="0"/>
               <a:satOff val="0"/>
               <a:lumOff val="0"/>
               <a:alphaOff val="0"/>
             </a:schemeClr>
           </a:lnRef>
-          <a:fillRef idx="1">
-            <a:schemeClr val="accent1">
+          <a:fillRef idx="0">
+            <a:scrgbClr r="0" g="0" b="0"/>
+          </a:fillRef>
+          <a:effectRef idx="0">
+            <a:schemeClr val="accent2">
+              <a:tint val="90000"/>
               <a:hueOff val="0"/>
               <a:satOff val="0"/>
               <a:lumOff val="0"/>
               <a:alphaOff val="0"/>
             </a:schemeClr>
-          </a:fillRef>
-          <a:effectRef idx="0">
-            <a:schemeClr val="accent1">
+          </a:effectRef>
+          <a:fontRef idx="minor">
+            <a:schemeClr val="tx1">
               <a:hueOff val="0"/>
               <a:satOff val="0"/>
               <a:lumOff val="0"/>
               <a:alphaOff val="0"/>
             </a:schemeClr>
-          </a:effectRef>
-          <a:fontRef idx="minor">
-            <a:schemeClr val="lt1"/>
           </a:fontRef>
         </p:style>
       </p:sp>
       <p:sp>
         <p:nvSpPr>
-          <p:cNvPr id="11" name="Freeform: Shape 10" descr="Predictive model instead of cluster analysis">
-            <a:extLst>
-              <a:ext uri="{FF2B5EF4-FFF2-40B4-BE49-F238E27FC236}">
-                <a16:creationId xmlns:a16="http://schemas.microsoft.com/office/drawing/2014/main" id="{48FD4320-586F-C1F2-65EC-7AB49AA05928}"/>
+          <p:cNvPr id="20" name="Freeform: Shape 19">
+            <a:extLst>
+              <a:ext uri="{FF2B5EF4-FFF2-40B4-BE49-F238E27FC236}">
+                <a16:creationId xmlns:a16="http://schemas.microsoft.com/office/drawing/2014/main" id="{C2138683-929B-F5D2-29B6-D0D4FAF5DCC4}"/>
               </a:ext>
             </a:extLst>
           </p:cNvPr>
@@ -11780,30 +11990,30 @@
         </p:nvSpPr>
         <p:spPr>
           <a:xfrm>
-            <a:off x="8384827" y="3314792"/>
-            <a:ext cx="3007072" cy="1909490"/>
+            <a:off x="2825398" y="4890007"/>
+            <a:ext cx="1662242" cy="1038901"/>
           </a:xfrm>
           <a:custGeom>
             <a:avLst/>
             <a:gdLst>
-              <a:gd name="connsiteX0" fmla="*/ 0 w 3007072"/>
-              <a:gd name="connsiteY0" fmla="*/ 190949 h 1909490"/>
-              <a:gd name="connsiteX1" fmla="*/ 190949 w 3007072"/>
-              <a:gd name="connsiteY1" fmla="*/ 0 h 1909490"/>
-              <a:gd name="connsiteX2" fmla="*/ 2816123 w 3007072"/>
-              <a:gd name="connsiteY2" fmla="*/ 0 h 1909490"/>
-              <a:gd name="connsiteX3" fmla="*/ 3007072 w 3007072"/>
-              <a:gd name="connsiteY3" fmla="*/ 190949 h 1909490"/>
-              <a:gd name="connsiteX4" fmla="*/ 3007072 w 3007072"/>
-              <a:gd name="connsiteY4" fmla="*/ 1718541 h 1909490"/>
-              <a:gd name="connsiteX5" fmla="*/ 2816123 w 3007072"/>
-              <a:gd name="connsiteY5" fmla="*/ 1909490 h 1909490"/>
-              <a:gd name="connsiteX6" fmla="*/ 190949 w 3007072"/>
-              <a:gd name="connsiteY6" fmla="*/ 1909490 h 1909490"/>
-              <a:gd name="connsiteX7" fmla="*/ 0 w 3007072"/>
-              <a:gd name="connsiteY7" fmla="*/ 1718541 h 1909490"/>
-              <a:gd name="connsiteX8" fmla="*/ 0 w 3007072"/>
-              <a:gd name="connsiteY8" fmla="*/ 190949 h 1909490"/>
+              <a:gd name="connsiteX0" fmla="*/ 0 w 1662242"/>
+              <a:gd name="connsiteY0" fmla="*/ 103890 h 1038901"/>
+              <a:gd name="connsiteX1" fmla="*/ 103890 w 1662242"/>
+              <a:gd name="connsiteY1" fmla="*/ 0 h 1038901"/>
+              <a:gd name="connsiteX2" fmla="*/ 1558352 w 1662242"/>
+              <a:gd name="connsiteY2" fmla="*/ 0 h 1038901"/>
+              <a:gd name="connsiteX3" fmla="*/ 1662242 w 1662242"/>
+              <a:gd name="connsiteY3" fmla="*/ 103890 h 1038901"/>
+              <a:gd name="connsiteX4" fmla="*/ 1662242 w 1662242"/>
+              <a:gd name="connsiteY4" fmla="*/ 935011 h 1038901"/>
+              <a:gd name="connsiteX5" fmla="*/ 1558352 w 1662242"/>
+              <a:gd name="connsiteY5" fmla="*/ 1038901 h 1038901"/>
+              <a:gd name="connsiteX6" fmla="*/ 103890 w 1662242"/>
+              <a:gd name="connsiteY6" fmla="*/ 1038901 h 1038901"/>
+              <a:gd name="connsiteX7" fmla="*/ 0 w 1662242"/>
+              <a:gd name="connsiteY7" fmla="*/ 935011 h 1038901"/>
+              <a:gd name="connsiteX8" fmla="*/ 0 w 1662242"/>
+              <a:gd name="connsiteY8" fmla="*/ 103890 h 1038901"/>
             </a:gdLst>
             <a:ahLst/>
             <a:cxnLst>
@@ -11837,41 +12047,41 @@
             </a:cxnLst>
             <a:rect l="l" t="t" r="r" b="b"/>
             <a:pathLst>
-              <a:path w="3007072" h="1909490">
+              <a:path w="1662242" h="1038901">
                 <a:moveTo>
-                  <a:pt x="0" y="190949"/>
+                  <a:pt x="0" y="103890"/>
                 </a:moveTo>
                 <a:cubicBezTo>
-                  <a:pt x="0" y="85491"/>
-                  <a:pt x="85491" y="0"/>
-                  <a:pt x="190949" y="0"/>
+                  <a:pt x="0" y="46513"/>
+                  <a:pt x="46513" y="0"/>
+                  <a:pt x="103890" y="0"/>
                 </a:cubicBezTo>
                 <a:lnTo>
-                  <a:pt x="2816123" y="0"/>
+                  <a:pt x="1558352" y="0"/>
                 </a:lnTo>
                 <a:cubicBezTo>
-                  <a:pt x="2921581" y="0"/>
-                  <a:pt x="3007072" y="85491"/>
-                  <a:pt x="3007072" y="190949"/>
+                  <a:pt x="1615729" y="0"/>
+                  <a:pt x="1662242" y="46513"/>
+                  <a:pt x="1662242" y="103890"/>
                 </a:cubicBezTo>
                 <a:lnTo>
-                  <a:pt x="3007072" y="1718541"/>
+                  <a:pt x="1662242" y="935011"/>
                 </a:lnTo>
                 <a:cubicBezTo>
-                  <a:pt x="3007072" y="1823999"/>
-                  <a:pt x="2921581" y="1909490"/>
-                  <a:pt x="2816123" y="1909490"/>
+                  <a:pt x="1662242" y="992388"/>
+                  <a:pt x="1615729" y="1038901"/>
+                  <a:pt x="1558352" y="1038901"/>
                 </a:cubicBezTo>
                 <a:lnTo>
-                  <a:pt x="190949" y="1909490"/>
+                  <a:pt x="103890" y="1038901"/>
                 </a:lnTo>
                 <a:cubicBezTo>
-                  <a:pt x="85491" y="1909490"/>
-                  <a:pt x="0" y="1823999"/>
-                  <a:pt x="0" y="1718541"/>
+                  <a:pt x="46513" y="1038901"/>
+                  <a:pt x="0" y="992388"/>
+                  <a:pt x="0" y="935011"/>
                 </a:cubicBezTo>
                 <a:lnTo>
-                  <a:pt x="0" y="190949"/>
+                  <a:pt x="0" y="103890"/>
                 </a:lnTo>
                 <a:close/>
               </a:path>
@@ -11880,10 +12090,10 @@
         </p:spPr>
         <p:style>
           <a:lnRef idx="2">
-            <a:schemeClr val="accent1">
-              <a:hueOff val="0"/>
-              <a:satOff val="0"/>
-              <a:lumOff val="0"/>
+            <a:schemeClr val="accent2">
+              <a:hueOff val="-751712"/>
+              <a:satOff val="-301"/>
+              <a:lumOff val="3529"/>
               <a:alphaOff val="0"/>
             </a:schemeClr>
           </a:lnRef>
@@ -11915,12 +12125,12 @@
           </a:fontRef>
         </p:style>
         <p:txBody>
-          <a:bodyPr spcFirstLastPara="0" vert="horz" wrap="square" lIns="166417" tIns="166417" rIns="166417" bIns="166417" numCol="1" spcCol="1270" anchor="ctr" anchorCtr="0">
+          <a:bodyPr spcFirstLastPara="0" vert="horz" wrap="square" lIns="62813" tIns="52018" rIns="62813" bIns="52018" numCol="1" spcCol="1270" anchor="ctr" anchorCtr="0">
             <a:noAutofit/>
           </a:bodyPr>
           <a:lstStyle/>
           <a:p>
-            <a:pPr marL="0" lvl="0" indent="0" algn="ctr" defTabSz="1289050">
+            <a:pPr marL="0" lvl="0" indent="0" algn="ctr" defTabSz="755650">
               <a:lnSpc>
                 <a:spcPct val="90000"/>
               </a:lnSpc>
@@ -11933,7 +12143,585 @@
               <a:buNone/>
             </a:pPr>
             <a:r>
-              <a:rPr lang="en-US" sz="2900" kern="1200" dirty="0"/>
+              <a:rPr lang="en-US" sz="1700" kern="1200"/>
+              <a:t>Capture videos and overlap with video analysis</a:t>
+            </a:r>
+          </a:p>
+        </p:txBody>
+      </p:sp>
+      <p:sp>
+        <p:nvSpPr>
+          <p:cNvPr id="21" name="Freeform: Shape 20">
+            <a:extLst>
+              <a:ext uri="{FF2B5EF4-FFF2-40B4-BE49-F238E27FC236}">
+                <a16:creationId xmlns:a16="http://schemas.microsoft.com/office/drawing/2014/main" id="{04482732-D9D3-04F3-7E73-C32F675CA459}"/>
+              </a:ext>
+            </a:extLst>
+          </p:cNvPr>
+          <p:cNvSpPr/>
+          <p:nvPr/>
+        </p:nvSpPr>
+        <p:spPr>
+          <a:xfrm>
+            <a:off x="5007092" y="2292753"/>
+            <a:ext cx="2077803" cy="1038901"/>
+          </a:xfrm>
+          <a:custGeom>
+            <a:avLst/>
+            <a:gdLst>
+              <a:gd name="connsiteX0" fmla="*/ 0 w 2077803"/>
+              <a:gd name="connsiteY0" fmla="*/ 103890 h 1038901"/>
+              <a:gd name="connsiteX1" fmla="*/ 103890 w 2077803"/>
+              <a:gd name="connsiteY1" fmla="*/ 0 h 1038901"/>
+              <a:gd name="connsiteX2" fmla="*/ 1973913 w 2077803"/>
+              <a:gd name="connsiteY2" fmla="*/ 0 h 1038901"/>
+              <a:gd name="connsiteX3" fmla="*/ 2077803 w 2077803"/>
+              <a:gd name="connsiteY3" fmla="*/ 103890 h 1038901"/>
+              <a:gd name="connsiteX4" fmla="*/ 2077803 w 2077803"/>
+              <a:gd name="connsiteY4" fmla="*/ 935011 h 1038901"/>
+              <a:gd name="connsiteX5" fmla="*/ 1973913 w 2077803"/>
+              <a:gd name="connsiteY5" fmla="*/ 1038901 h 1038901"/>
+              <a:gd name="connsiteX6" fmla="*/ 103890 w 2077803"/>
+              <a:gd name="connsiteY6" fmla="*/ 1038901 h 1038901"/>
+              <a:gd name="connsiteX7" fmla="*/ 0 w 2077803"/>
+              <a:gd name="connsiteY7" fmla="*/ 935011 h 1038901"/>
+              <a:gd name="connsiteX8" fmla="*/ 0 w 2077803"/>
+              <a:gd name="connsiteY8" fmla="*/ 103890 h 1038901"/>
+            </a:gdLst>
+            <a:ahLst/>
+            <a:cxnLst>
+              <a:cxn ang="0">
+                <a:pos x="connsiteX0" y="connsiteY0"/>
+              </a:cxn>
+              <a:cxn ang="0">
+                <a:pos x="connsiteX1" y="connsiteY1"/>
+              </a:cxn>
+              <a:cxn ang="0">
+                <a:pos x="connsiteX2" y="connsiteY2"/>
+              </a:cxn>
+              <a:cxn ang="0">
+                <a:pos x="connsiteX3" y="connsiteY3"/>
+              </a:cxn>
+              <a:cxn ang="0">
+                <a:pos x="connsiteX4" y="connsiteY4"/>
+              </a:cxn>
+              <a:cxn ang="0">
+                <a:pos x="connsiteX5" y="connsiteY5"/>
+              </a:cxn>
+              <a:cxn ang="0">
+                <a:pos x="connsiteX6" y="connsiteY6"/>
+              </a:cxn>
+              <a:cxn ang="0">
+                <a:pos x="connsiteX7" y="connsiteY7"/>
+              </a:cxn>
+              <a:cxn ang="0">
+                <a:pos x="connsiteX8" y="connsiteY8"/>
+              </a:cxn>
+            </a:cxnLst>
+            <a:rect l="l" t="t" r="r" b="b"/>
+            <a:pathLst>
+              <a:path w="2077803" h="1038901">
+                <a:moveTo>
+                  <a:pt x="0" y="103890"/>
+                </a:moveTo>
+                <a:cubicBezTo>
+                  <a:pt x="0" y="46513"/>
+                  <a:pt x="46513" y="0"/>
+                  <a:pt x="103890" y="0"/>
+                </a:cubicBezTo>
+                <a:lnTo>
+                  <a:pt x="1973913" y="0"/>
+                </a:lnTo>
+                <a:cubicBezTo>
+                  <a:pt x="2031290" y="0"/>
+                  <a:pt x="2077803" y="46513"/>
+                  <a:pt x="2077803" y="103890"/>
+                </a:cubicBezTo>
+                <a:lnTo>
+                  <a:pt x="2077803" y="935011"/>
+                </a:lnTo>
+                <a:cubicBezTo>
+                  <a:pt x="2077803" y="992388"/>
+                  <a:pt x="2031290" y="1038901"/>
+                  <a:pt x="1973913" y="1038901"/>
+                </a:cubicBezTo>
+                <a:lnTo>
+                  <a:pt x="103890" y="1038901"/>
+                </a:lnTo>
+                <a:cubicBezTo>
+                  <a:pt x="46513" y="1038901"/>
+                  <a:pt x="0" y="992388"/>
+                  <a:pt x="0" y="935011"/>
+                </a:cubicBezTo>
+                <a:lnTo>
+                  <a:pt x="0" y="103890"/>
+                </a:lnTo>
+                <a:close/>
+              </a:path>
+            </a:pathLst>
+          </a:custGeom>
+        </p:spPr>
+        <p:style>
+          <a:lnRef idx="2">
+            <a:schemeClr val="lt1">
+              <a:hueOff val="0"/>
+              <a:satOff val="0"/>
+              <a:lumOff val="0"/>
+              <a:alphaOff val="0"/>
+            </a:schemeClr>
+          </a:lnRef>
+          <a:fillRef idx="1">
+            <a:schemeClr val="accent2">
+              <a:hueOff val="-751712"/>
+              <a:satOff val="-301"/>
+              <a:lumOff val="3529"/>
+              <a:alphaOff val="0"/>
+            </a:schemeClr>
+          </a:fillRef>
+          <a:effectRef idx="0">
+            <a:schemeClr val="accent2">
+              <a:hueOff val="-751712"/>
+              <a:satOff val="-301"/>
+              <a:lumOff val="3529"/>
+              <a:alphaOff val="0"/>
+            </a:schemeClr>
+          </a:effectRef>
+          <a:fontRef idx="minor">
+            <a:schemeClr val="lt1"/>
+          </a:fontRef>
+        </p:style>
+        <p:txBody>
+          <a:bodyPr spcFirstLastPara="0" vert="horz" wrap="square" lIns="70433" tIns="57098" rIns="70433" bIns="57098" numCol="1" spcCol="1270" anchor="ctr" anchorCtr="0">
+            <a:noAutofit/>
+          </a:bodyPr>
+          <a:lstStyle/>
+          <a:p>
+            <a:pPr marL="0" lvl="0" indent="0" algn="ctr" defTabSz="933450">
+              <a:lnSpc>
+                <a:spcPct val="90000"/>
+              </a:lnSpc>
+              <a:spcBef>
+                <a:spcPct val="0"/>
+              </a:spcBef>
+              <a:spcAft>
+                <a:spcPct val="35000"/>
+              </a:spcAft>
+              <a:buNone/>
+            </a:pPr>
+            <a:r>
+              <a:rPr lang="en-US" sz="2100" kern="1200"/>
+              <a:t>Quality of data collection</a:t>
+            </a:r>
+          </a:p>
+        </p:txBody>
+      </p:sp>
+      <p:sp>
+        <p:nvSpPr>
+          <p:cNvPr id="22" name="Freeform: Shape 21">
+            <a:extLst>
+              <a:ext uri="{FF2B5EF4-FFF2-40B4-BE49-F238E27FC236}">
+                <a16:creationId xmlns:a16="http://schemas.microsoft.com/office/drawing/2014/main" id="{F5752C9F-8F46-DB6E-9F76-1F97E5253082}"/>
+              </a:ext>
+              <a:ext uri="{C183D7F6-B498-43B3-948B-1728B52AA6E4}">
+                <adec:decorative xmlns:adec="http://schemas.microsoft.com/office/drawing/2017/decorative" val="1"/>
+              </a:ext>
+            </a:extLst>
+          </p:cNvPr>
+          <p:cNvSpPr/>
+          <p:nvPr/>
+        </p:nvSpPr>
+        <p:spPr>
+          <a:xfrm>
+            <a:off x="5214872" y="3331655"/>
+            <a:ext cx="207780" cy="779176"/>
+          </a:xfrm>
+          <a:custGeom>
+            <a:avLst/>
+            <a:gdLst/>
+            <a:ahLst/>
+            <a:cxnLst/>
+            <a:rect l="0" t="0" r="0" b="0"/>
+            <a:pathLst>
+              <a:path>
+                <a:moveTo>
+                  <a:pt x="0" y="0"/>
+                </a:moveTo>
+                <a:lnTo>
+                  <a:pt x="0" y="779176"/>
+                </a:lnTo>
+                <a:lnTo>
+                  <a:pt x="207780" y="779176"/>
+                </a:lnTo>
+              </a:path>
+            </a:pathLst>
+          </a:custGeom>
+          <a:noFill/>
+        </p:spPr>
+        <p:style>
+          <a:lnRef idx="2">
+            <a:schemeClr val="accent3">
+              <a:hueOff val="0"/>
+              <a:satOff val="0"/>
+              <a:lumOff val="0"/>
+              <a:alphaOff val="0"/>
+            </a:schemeClr>
+          </a:lnRef>
+          <a:fillRef idx="0">
+            <a:scrgbClr r="0" g="0" b="0"/>
+          </a:fillRef>
+          <a:effectRef idx="0">
+            <a:schemeClr val="accent2">
+              <a:tint val="90000"/>
+              <a:hueOff val="0"/>
+              <a:satOff val="0"/>
+              <a:lumOff val="0"/>
+              <a:alphaOff val="0"/>
+            </a:schemeClr>
+          </a:effectRef>
+          <a:fontRef idx="minor">
+            <a:schemeClr val="tx1">
+              <a:hueOff val="0"/>
+              <a:satOff val="0"/>
+              <a:lumOff val="0"/>
+              <a:alphaOff val="0"/>
+            </a:schemeClr>
+          </a:fontRef>
+        </p:style>
+      </p:sp>
+      <p:sp>
+        <p:nvSpPr>
+          <p:cNvPr id="23" name="Freeform: Shape 22">
+            <a:extLst>
+              <a:ext uri="{FF2B5EF4-FFF2-40B4-BE49-F238E27FC236}">
+                <a16:creationId xmlns:a16="http://schemas.microsoft.com/office/drawing/2014/main" id="{5C1825A1-CE14-3E0E-0BFE-CFF9467F33D6}"/>
+              </a:ext>
+            </a:extLst>
+          </p:cNvPr>
+          <p:cNvSpPr/>
+          <p:nvPr/>
+        </p:nvSpPr>
+        <p:spPr>
+          <a:xfrm>
+            <a:off x="5422653" y="3591380"/>
+            <a:ext cx="1662242" cy="1038901"/>
+          </a:xfrm>
+          <a:custGeom>
+            <a:avLst/>
+            <a:gdLst>
+              <a:gd name="connsiteX0" fmla="*/ 0 w 1662242"/>
+              <a:gd name="connsiteY0" fmla="*/ 103890 h 1038901"/>
+              <a:gd name="connsiteX1" fmla="*/ 103890 w 1662242"/>
+              <a:gd name="connsiteY1" fmla="*/ 0 h 1038901"/>
+              <a:gd name="connsiteX2" fmla="*/ 1558352 w 1662242"/>
+              <a:gd name="connsiteY2" fmla="*/ 0 h 1038901"/>
+              <a:gd name="connsiteX3" fmla="*/ 1662242 w 1662242"/>
+              <a:gd name="connsiteY3" fmla="*/ 103890 h 1038901"/>
+              <a:gd name="connsiteX4" fmla="*/ 1662242 w 1662242"/>
+              <a:gd name="connsiteY4" fmla="*/ 935011 h 1038901"/>
+              <a:gd name="connsiteX5" fmla="*/ 1558352 w 1662242"/>
+              <a:gd name="connsiteY5" fmla="*/ 1038901 h 1038901"/>
+              <a:gd name="connsiteX6" fmla="*/ 103890 w 1662242"/>
+              <a:gd name="connsiteY6" fmla="*/ 1038901 h 1038901"/>
+              <a:gd name="connsiteX7" fmla="*/ 0 w 1662242"/>
+              <a:gd name="connsiteY7" fmla="*/ 935011 h 1038901"/>
+              <a:gd name="connsiteX8" fmla="*/ 0 w 1662242"/>
+              <a:gd name="connsiteY8" fmla="*/ 103890 h 1038901"/>
+            </a:gdLst>
+            <a:ahLst/>
+            <a:cxnLst>
+              <a:cxn ang="0">
+                <a:pos x="connsiteX0" y="connsiteY0"/>
+              </a:cxn>
+              <a:cxn ang="0">
+                <a:pos x="connsiteX1" y="connsiteY1"/>
+              </a:cxn>
+              <a:cxn ang="0">
+                <a:pos x="connsiteX2" y="connsiteY2"/>
+              </a:cxn>
+              <a:cxn ang="0">
+                <a:pos x="connsiteX3" y="connsiteY3"/>
+              </a:cxn>
+              <a:cxn ang="0">
+                <a:pos x="connsiteX4" y="connsiteY4"/>
+              </a:cxn>
+              <a:cxn ang="0">
+                <a:pos x="connsiteX5" y="connsiteY5"/>
+              </a:cxn>
+              <a:cxn ang="0">
+                <a:pos x="connsiteX6" y="connsiteY6"/>
+              </a:cxn>
+              <a:cxn ang="0">
+                <a:pos x="connsiteX7" y="connsiteY7"/>
+              </a:cxn>
+              <a:cxn ang="0">
+                <a:pos x="connsiteX8" y="connsiteY8"/>
+              </a:cxn>
+            </a:cxnLst>
+            <a:rect l="l" t="t" r="r" b="b"/>
+            <a:pathLst>
+              <a:path w="1662242" h="1038901">
+                <a:moveTo>
+                  <a:pt x="0" y="103890"/>
+                </a:moveTo>
+                <a:cubicBezTo>
+                  <a:pt x="0" y="46513"/>
+                  <a:pt x="46513" y="0"/>
+                  <a:pt x="103890" y="0"/>
+                </a:cubicBezTo>
+                <a:lnTo>
+                  <a:pt x="1558352" y="0"/>
+                </a:lnTo>
+                <a:cubicBezTo>
+                  <a:pt x="1615729" y="0"/>
+                  <a:pt x="1662242" y="46513"/>
+                  <a:pt x="1662242" y="103890"/>
+                </a:cubicBezTo>
+                <a:lnTo>
+                  <a:pt x="1662242" y="935011"/>
+                </a:lnTo>
+                <a:cubicBezTo>
+                  <a:pt x="1662242" y="992388"/>
+                  <a:pt x="1615729" y="1038901"/>
+                  <a:pt x="1558352" y="1038901"/>
+                </a:cubicBezTo>
+                <a:lnTo>
+                  <a:pt x="103890" y="1038901"/>
+                </a:lnTo>
+                <a:cubicBezTo>
+                  <a:pt x="46513" y="1038901"/>
+                  <a:pt x="0" y="992388"/>
+                  <a:pt x="0" y="935011"/>
+                </a:cubicBezTo>
+                <a:lnTo>
+                  <a:pt x="0" y="103890"/>
+                </a:lnTo>
+                <a:close/>
+              </a:path>
+            </a:pathLst>
+          </a:custGeom>
+        </p:spPr>
+        <p:style>
+          <a:lnRef idx="2">
+            <a:schemeClr val="accent2">
+              <a:hueOff val="-1503424"/>
+              <a:satOff val="-602"/>
+              <a:lumOff val="7058"/>
+              <a:alphaOff val="0"/>
+            </a:schemeClr>
+          </a:lnRef>
+          <a:fillRef idx="1">
+            <a:schemeClr val="lt1">
+              <a:alpha val="90000"/>
+              <a:hueOff val="0"/>
+              <a:satOff val="0"/>
+              <a:lumOff val="0"/>
+              <a:alphaOff val="0"/>
+            </a:schemeClr>
+          </a:fillRef>
+          <a:effectRef idx="0">
+            <a:schemeClr val="lt1">
+              <a:alpha val="90000"/>
+              <a:hueOff val="0"/>
+              <a:satOff val="0"/>
+              <a:lumOff val="0"/>
+              <a:alphaOff val="0"/>
+            </a:schemeClr>
+          </a:effectRef>
+          <a:fontRef idx="minor">
+            <a:schemeClr val="dk1">
+              <a:hueOff val="0"/>
+              <a:satOff val="0"/>
+              <a:lumOff val="0"/>
+              <a:alphaOff val="0"/>
+            </a:schemeClr>
+          </a:fontRef>
+        </p:style>
+        <p:txBody>
+          <a:bodyPr spcFirstLastPara="0" vert="horz" wrap="square" lIns="62813" tIns="52018" rIns="62813" bIns="52018" numCol="1" spcCol="1270" anchor="ctr" anchorCtr="0">
+            <a:noAutofit/>
+          </a:bodyPr>
+          <a:lstStyle/>
+          <a:p>
+            <a:pPr marL="0" lvl="0" indent="0" algn="ctr" defTabSz="755650">
+              <a:lnSpc>
+                <a:spcPct val="90000"/>
+              </a:lnSpc>
+              <a:spcBef>
+                <a:spcPct val="0"/>
+              </a:spcBef>
+              <a:spcAft>
+                <a:spcPct val="35000"/>
+              </a:spcAft>
+              <a:buNone/>
+            </a:pPr>
+            <a:r>
+              <a:rPr lang="en-US" sz="1700" kern="1200"/>
+              <a:t>Data accuracy</a:t>
+            </a:r>
+          </a:p>
+        </p:txBody>
+      </p:sp>
+      <p:sp>
+        <p:nvSpPr>
+          <p:cNvPr id="24" name="Freeform: Shape 23">
+            <a:extLst>
+              <a:ext uri="{FF2B5EF4-FFF2-40B4-BE49-F238E27FC236}">
+                <a16:creationId xmlns:a16="http://schemas.microsoft.com/office/drawing/2014/main" id="{56AC885A-9459-6BB5-1693-665730DE858D}"/>
+              </a:ext>
+            </a:extLst>
+          </p:cNvPr>
+          <p:cNvSpPr/>
+          <p:nvPr/>
+        </p:nvSpPr>
+        <p:spPr>
+          <a:xfrm>
+            <a:off x="7604346" y="2292753"/>
+            <a:ext cx="2077803" cy="1038901"/>
+          </a:xfrm>
+          <a:custGeom>
+            <a:avLst/>
+            <a:gdLst>
+              <a:gd name="connsiteX0" fmla="*/ 0 w 2077803"/>
+              <a:gd name="connsiteY0" fmla="*/ 103890 h 1038901"/>
+              <a:gd name="connsiteX1" fmla="*/ 103890 w 2077803"/>
+              <a:gd name="connsiteY1" fmla="*/ 0 h 1038901"/>
+              <a:gd name="connsiteX2" fmla="*/ 1973913 w 2077803"/>
+              <a:gd name="connsiteY2" fmla="*/ 0 h 1038901"/>
+              <a:gd name="connsiteX3" fmla="*/ 2077803 w 2077803"/>
+              <a:gd name="connsiteY3" fmla="*/ 103890 h 1038901"/>
+              <a:gd name="connsiteX4" fmla="*/ 2077803 w 2077803"/>
+              <a:gd name="connsiteY4" fmla="*/ 935011 h 1038901"/>
+              <a:gd name="connsiteX5" fmla="*/ 1973913 w 2077803"/>
+              <a:gd name="connsiteY5" fmla="*/ 1038901 h 1038901"/>
+              <a:gd name="connsiteX6" fmla="*/ 103890 w 2077803"/>
+              <a:gd name="connsiteY6" fmla="*/ 1038901 h 1038901"/>
+              <a:gd name="connsiteX7" fmla="*/ 0 w 2077803"/>
+              <a:gd name="connsiteY7" fmla="*/ 935011 h 1038901"/>
+              <a:gd name="connsiteX8" fmla="*/ 0 w 2077803"/>
+              <a:gd name="connsiteY8" fmla="*/ 103890 h 1038901"/>
+            </a:gdLst>
+            <a:ahLst/>
+            <a:cxnLst>
+              <a:cxn ang="0">
+                <a:pos x="connsiteX0" y="connsiteY0"/>
+              </a:cxn>
+              <a:cxn ang="0">
+                <a:pos x="connsiteX1" y="connsiteY1"/>
+              </a:cxn>
+              <a:cxn ang="0">
+                <a:pos x="connsiteX2" y="connsiteY2"/>
+              </a:cxn>
+              <a:cxn ang="0">
+                <a:pos x="connsiteX3" y="connsiteY3"/>
+              </a:cxn>
+              <a:cxn ang="0">
+                <a:pos x="connsiteX4" y="connsiteY4"/>
+              </a:cxn>
+              <a:cxn ang="0">
+                <a:pos x="connsiteX5" y="connsiteY5"/>
+              </a:cxn>
+              <a:cxn ang="0">
+                <a:pos x="connsiteX6" y="connsiteY6"/>
+              </a:cxn>
+              <a:cxn ang="0">
+                <a:pos x="connsiteX7" y="connsiteY7"/>
+              </a:cxn>
+              <a:cxn ang="0">
+                <a:pos x="connsiteX8" y="connsiteY8"/>
+              </a:cxn>
+            </a:cxnLst>
+            <a:rect l="l" t="t" r="r" b="b"/>
+            <a:pathLst>
+              <a:path w="2077803" h="1038901">
+                <a:moveTo>
+                  <a:pt x="0" y="103890"/>
+                </a:moveTo>
+                <a:cubicBezTo>
+                  <a:pt x="0" y="46513"/>
+                  <a:pt x="46513" y="0"/>
+                  <a:pt x="103890" y="0"/>
+                </a:cubicBezTo>
+                <a:lnTo>
+                  <a:pt x="1973913" y="0"/>
+                </a:lnTo>
+                <a:cubicBezTo>
+                  <a:pt x="2031290" y="0"/>
+                  <a:pt x="2077803" y="46513"/>
+                  <a:pt x="2077803" y="103890"/>
+                </a:cubicBezTo>
+                <a:lnTo>
+                  <a:pt x="2077803" y="935011"/>
+                </a:lnTo>
+                <a:cubicBezTo>
+                  <a:pt x="2077803" y="992388"/>
+                  <a:pt x="2031290" y="1038901"/>
+                  <a:pt x="1973913" y="1038901"/>
+                </a:cubicBezTo>
+                <a:lnTo>
+                  <a:pt x="103890" y="1038901"/>
+                </a:lnTo>
+                <a:cubicBezTo>
+                  <a:pt x="46513" y="1038901"/>
+                  <a:pt x="0" y="992388"/>
+                  <a:pt x="0" y="935011"/>
+                </a:cubicBezTo>
+                <a:lnTo>
+                  <a:pt x="0" y="103890"/>
+                </a:lnTo>
+                <a:close/>
+              </a:path>
+            </a:pathLst>
+          </a:custGeom>
+        </p:spPr>
+        <p:style>
+          <a:lnRef idx="2">
+            <a:schemeClr val="lt1">
+              <a:hueOff val="0"/>
+              <a:satOff val="0"/>
+              <a:lumOff val="0"/>
+              <a:alphaOff val="0"/>
+            </a:schemeClr>
+          </a:lnRef>
+          <a:fillRef idx="1">
+            <a:schemeClr val="accent2">
+              <a:hueOff val="-1503424"/>
+              <a:satOff val="-602"/>
+              <a:lumOff val="7058"/>
+              <a:alphaOff val="0"/>
+            </a:schemeClr>
+          </a:fillRef>
+          <a:effectRef idx="0">
+            <a:schemeClr val="accent2">
+              <a:hueOff val="-1503424"/>
+              <a:satOff val="-602"/>
+              <a:lumOff val="7058"/>
+              <a:alphaOff val="0"/>
+            </a:schemeClr>
+          </a:effectRef>
+          <a:fontRef idx="minor">
+            <a:schemeClr val="lt1"/>
+          </a:fontRef>
+        </p:style>
+        <p:txBody>
+          <a:bodyPr spcFirstLastPara="0" vert="horz" wrap="square" lIns="70433" tIns="57098" rIns="70433" bIns="57098" numCol="1" spcCol="1270" anchor="ctr" anchorCtr="0">
+            <a:noAutofit/>
+          </a:bodyPr>
+          <a:lstStyle/>
+          <a:p>
+            <a:pPr marL="0" lvl="0" indent="0" algn="ctr" defTabSz="933450">
+              <a:lnSpc>
+                <a:spcPct val="90000"/>
+              </a:lnSpc>
+              <a:spcBef>
+                <a:spcPct val="0"/>
+              </a:spcBef>
+              <a:spcAft>
+                <a:spcPct val="35000"/>
+              </a:spcAft>
+              <a:buNone/>
+            </a:pPr>
+            <a:r>
+              <a:rPr lang="en-US" sz="2100" kern="1200"/>
               <a:t>Predictive model instead of only cluster analysis</a:t>
             </a:r>
           </a:p>

--- a/presentation/Autism_hackathon_01.pptx
+++ b/presentation/Autism_hackathon_01.pptx
@@ -134,7 +134,7 @@
   <pc:docChgLst>
     <pc:chgData name="Dhruv Bhatnagar" userId="d3ce6c2664132320" providerId="LiveId" clId="{84C4CC69-7288-4891-9C4F-C7C5AA4E3CF0}"/>
     <pc:docChg chg="undo custSel addSld delSld modSld sldOrd">
-      <pc:chgData name="Dhruv Bhatnagar" userId="d3ce6c2664132320" providerId="LiveId" clId="{84C4CC69-7288-4891-9C4F-C7C5AA4E3CF0}" dt="2023-04-20T19:26:56.083" v="3314" actId="962"/>
+      <pc:chgData name="Dhruv Bhatnagar" userId="d3ce6c2664132320" providerId="LiveId" clId="{84C4CC69-7288-4891-9C4F-C7C5AA4E3CF0}" dt="2023-04-20T19:38:16.117" v="3464" actId="166"/>
       <pc:docMkLst>
         <pc:docMk/>
       </pc:docMkLst>
@@ -911,7 +911,7 @@
         </pc:graphicFrameChg>
       </pc:sldChg>
       <pc:sldChg chg="addSp delSp modSp mod ord setBg">
-        <pc:chgData name="Dhruv Bhatnagar" userId="d3ce6c2664132320" providerId="LiveId" clId="{84C4CC69-7288-4891-9C4F-C7C5AA4E3CF0}" dt="2023-04-20T19:04:14.356" v="2613" actId="962"/>
+        <pc:chgData name="Dhruv Bhatnagar" userId="d3ce6c2664132320" providerId="LiveId" clId="{84C4CC69-7288-4891-9C4F-C7C5AA4E3CF0}" dt="2023-04-20T19:38:16.117" v="3464" actId="166"/>
         <pc:sldMkLst>
           <pc:docMk/>
           <pc:sldMk cId="2270266135" sldId="278"/>
@@ -932,8 +932,8 @@
             <ac:spMk id="3" creationId="{855C1811-0770-C017-E668-1834EC5C826F}"/>
           </ac:spMkLst>
         </pc:spChg>
-        <pc:spChg chg="mod topLvl">
-          <ac:chgData name="Dhruv Bhatnagar" userId="d3ce6c2664132320" providerId="LiveId" clId="{84C4CC69-7288-4891-9C4F-C7C5AA4E3CF0}" dt="2023-04-20T19:02:21.378" v="2345" actId="962"/>
+        <pc:spChg chg="mod ord topLvl">
+          <ac:chgData name="Dhruv Bhatnagar" userId="d3ce6c2664132320" providerId="LiveId" clId="{84C4CC69-7288-4891-9C4F-C7C5AA4E3CF0}" dt="2023-04-20T19:38:07.384" v="3461" actId="166"/>
           <ac:spMkLst>
             <pc:docMk/>
             <pc:sldMk cId="2270266135" sldId="278"/>
@@ -941,7 +941,7 @@
           </ac:spMkLst>
         </pc:spChg>
         <pc:spChg chg="mod topLvl">
-          <ac:chgData name="Dhruv Bhatnagar" userId="d3ce6c2664132320" providerId="LiveId" clId="{84C4CC69-7288-4891-9C4F-C7C5AA4E3CF0}" dt="2023-04-20T19:02:44.160" v="2407" actId="962"/>
+          <ac:chgData name="Dhruv Bhatnagar" userId="d3ce6c2664132320" providerId="LiveId" clId="{84C4CC69-7288-4891-9C4F-C7C5AA4E3CF0}" dt="2023-04-20T19:36:12.696" v="3447" actId="1076"/>
           <ac:spMkLst>
             <pc:docMk/>
             <pc:sldMk cId="2270266135" sldId="278"/>
@@ -956,24 +956,24 @@
             <ac:spMk id="6" creationId="{534BF635-0AED-1C94-380C-572EBA67082A}"/>
           </ac:spMkLst>
         </pc:spChg>
-        <pc:spChg chg="mod topLvl">
-          <ac:chgData name="Dhruv Bhatnagar" userId="d3ce6c2664132320" providerId="LiveId" clId="{84C4CC69-7288-4891-9C4F-C7C5AA4E3CF0}" dt="2023-04-20T19:02:37.507" v="2405" actId="962"/>
+        <pc:spChg chg="mod ord topLvl">
+          <ac:chgData name="Dhruv Bhatnagar" userId="d3ce6c2664132320" providerId="LiveId" clId="{84C4CC69-7288-4891-9C4F-C7C5AA4E3CF0}" dt="2023-04-20T19:38:10.044" v="3462" actId="166"/>
           <ac:spMkLst>
             <pc:docMk/>
             <pc:sldMk cId="2270266135" sldId="278"/>
             <ac:spMk id="7" creationId="{B9F90A7A-8DB1-8C47-4176-93CCAB58CECD}"/>
           </ac:spMkLst>
         </pc:spChg>
-        <pc:spChg chg="mod topLvl">
-          <ac:chgData name="Dhruv Bhatnagar" userId="d3ce6c2664132320" providerId="LiveId" clId="{84C4CC69-7288-4891-9C4F-C7C5AA4E3CF0}" dt="2023-04-20T18:57:01.284" v="1616" actId="962"/>
+        <pc:spChg chg="add del mod ord topLvl">
+          <ac:chgData name="Dhruv Bhatnagar" userId="d3ce6c2664132320" providerId="LiveId" clId="{84C4CC69-7288-4891-9C4F-C7C5AA4E3CF0}" dt="2023-04-20T19:37:26.437" v="3456" actId="13244"/>
           <ac:spMkLst>
             <pc:docMk/>
             <pc:sldMk cId="2270266135" sldId="278"/>
             <ac:spMk id="8" creationId="{1989C80E-4875-9F1F-2F4B-899A7190D2F3}"/>
           </ac:spMkLst>
         </pc:spChg>
-        <pc:spChg chg="mod topLvl">
-          <ac:chgData name="Dhruv Bhatnagar" userId="d3ce6c2664132320" providerId="LiveId" clId="{84C4CC69-7288-4891-9C4F-C7C5AA4E3CF0}" dt="2023-04-20T19:02:50.434" v="2439" actId="962"/>
+        <pc:spChg chg="mod ord topLvl">
+          <ac:chgData name="Dhruv Bhatnagar" userId="d3ce6c2664132320" providerId="LiveId" clId="{84C4CC69-7288-4891-9C4F-C7C5AA4E3CF0}" dt="2023-04-20T19:37:41.118" v="3458" actId="13244"/>
           <ac:spMkLst>
             <pc:docMk/>
             <pc:sldMk cId="2270266135" sldId="278"/>
@@ -981,7 +981,7 @@
           </ac:spMkLst>
         </pc:spChg>
         <pc:spChg chg="mod topLvl">
-          <ac:chgData name="Dhruv Bhatnagar" userId="d3ce6c2664132320" providerId="LiveId" clId="{84C4CC69-7288-4891-9C4F-C7C5AA4E3CF0}" dt="2023-04-20T19:03:03.214" v="2467" actId="962"/>
+          <ac:chgData name="Dhruv Bhatnagar" userId="d3ce6c2664132320" providerId="LiveId" clId="{84C4CC69-7288-4891-9C4F-C7C5AA4E3CF0}" dt="2023-04-20T19:35:20.356" v="3415" actId="1036"/>
           <ac:spMkLst>
             <pc:docMk/>
             <pc:sldMk cId="2270266135" sldId="278"/>
@@ -996,8 +996,8 @@
             <ac:spMk id="11" creationId="{660EB578-C970-4186-B93C-45851BBC6E34}"/>
           </ac:spMkLst>
         </pc:spChg>
-        <pc:spChg chg="mod topLvl">
-          <ac:chgData name="Dhruv Bhatnagar" userId="d3ce6c2664132320" providerId="LiveId" clId="{84C4CC69-7288-4891-9C4F-C7C5AA4E3CF0}" dt="2023-04-20T19:02:56.574" v="2465" actId="962"/>
+        <pc:spChg chg="mod ord topLvl">
+          <ac:chgData name="Dhruv Bhatnagar" userId="d3ce6c2664132320" providerId="LiveId" clId="{84C4CC69-7288-4891-9C4F-C7C5AA4E3CF0}" dt="2023-04-20T19:38:13.547" v="3463" actId="166"/>
           <ac:spMkLst>
             <pc:docMk/>
             <pc:sldMk cId="2270266135" sldId="278"/>
@@ -1005,15 +1005,15 @@
           </ac:spMkLst>
         </pc:spChg>
         <pc:spChg chg="mod topLvl">
-          <ac:chgData name="Dhruv Bhatnagar" userId="d3ce6c2664132320" providerId="LiveId" clId="{84C4CC69-7288-4891-9C4F-C7C5AA4E3CF0}" dt="2023-04-20T19:04:14.356" v="2613" actId="962"/>
+          <ac:chgData name="Dhruv Bhatnagar" userId="d3ce6c2664132320" providerId="LiveId" clId="{84C4CC69-7288-4891-9C4F-C7C5AA4E3CF0}" dt="2023-04-20T19:35:20.356" v="3415" actId="1036"/>
           <ac:spMkLst>
             <pc:docMk/>
             <pc:sldMk cId="2270266135" sldId="278"/>
             <ac:spMk id="12" creationId="{0B8D5BF2-B4C3-02D7-5D9B-6692E75DED15}"/>
           </ac:spMkLst>
         </pc:spChg>
-        <pc:spChg chg="mod topLvl">
-          <ac:chgData name="Dhruv Bhatnagar" userId="d3ce6c2664132320" providerId="LiveId" clId="{84C4CC69-7288-4891-9C4F-C7C5AA4E3CF0}" dt="2023-04-20T19:03:07.667" v="2469" actId="962"/>
+        <pc:spChg chg="mod ord topLvl">
+          <ac:chgData name="Dhruv Bhatnagar" userId="d3ce6c2664132320" providerId="LiveId" clId="{84C4CC69-7288-4891-9C4F-C7C5AA4E3CF0}" dt="2023-04-20T19:38:16.117" v="3464" actId="166"/>
           <ac:spMkLst>
             <pc:docMk/>
             <pc:sldMk cId="2270266135" sldId="278"/>
@@ -9741,10 +9741,10 @@
       </p:sp>
       <p:sp>
         <p:nvSpPr>
-          <p:cNvPr id="4" name="Freeform: Shape 3" descr="Data Curation">
-            <a:extLst>
-              <a:ext uri="{FF2B5EF4-FFF2-40B4-BE49-F238E27FC236}">
-                <a16:creationId xmlns:a16="http://schemas.microsoft.com/office/drawing/2014/main" id="{F7538B52-2384-B447-014B-AF5148BB30D7}"/>
+          <p:cNvPr id="5" name="Freeform: Shape 4" descr="Tried K-means, GMM&#10;">
+            <a:extLst>
+              <a:ext uri="{FF2B5EF4-FFF2-40B4-BE49-F238E27FC236}">
+                <a16:creationId xmlns:a16="http://schemas.microsoft.com/office/drawing/2014/main" id="{7ED63DF3-AD44-88BC-43C1-3C5BDA333374}"/>
               </a:ext>
             </a:extLst>
           </p:cNvPr>
@@ -9753,7 +9753,140 @@
         </p:nvSpPr>
         <p:spPr>
           <a:xfrm>
-            <a:off x="1277424" y="1083880"/>
+            <a:off x="742027" y="2725390"/>
+            <a:ext cx="10707945" cy="644962"/>
+          </a:xfrm>
+          <a:custGeom>
+            <a:avLst/>
+            <a:gdLst>
+              <a:gd name="connsiteX0" fmla="*/ 0 w 10707945"/>
+              <a:gd name="connsiteY0" fmla="*/ 0 h 644962"/>
+              <a:gd name="connsiteX1" fmla="*/ 10707945 w 10707945"/>
+              <a:gd name="connsiteY1" fmla="*/ 0 h 644962"/>
+              <a:gd name="connsiteX2" fmla="*/ 10707945 w 10707945"/>
+              <a:gd name="connsiteY2" fmla="*/ 644962 h 644962"/>
+              <a:gd name="connsiteX3" fmla="*/ 0 w 10707945"/>
+              <a:gd name="connsiteY3" fmla="*/ 644962 h 644962"/>
+              <a:gd name="connsiteX4" fmla="*/ 0 w 10707945"/>
+              <a:gd name="connsiteY4" fmla="*/ 0 h 644962"/>
+            </a:gdLst>
+            <a:ahLst/>
+            <a:cxnLst>
+              <a:cxn ang="0">
+                <a:pos x="connsiteX0" y="connsiteY0"/>
+              </a:cxn>
+              <a:cxn ang="0">
+                <a:pos x="connsiteX1" y="connsiteY1"/>
+              </a:cxn>
+              <a:cxn ang="0">
+                <a:pos x="connsiteX2" y="connsiteY2"/>
+              </a:cxn>
+              <a:cxn ang="0">
+                <a:pos x="connsiteX3" y="connsiteY3"/>
+              </a:cxn>
+              <a:cxn ang="0">
+                <a:pos x="connsiteX4" y="connsiteY4"/>
+              </a:cxn>
+            </a:cxnLst>
+            <a:rect l="l" t="t" r="r" b="b"/>
+            <a:pathLst>
+              <a:path w="10707945" h="644962">
+                <a:moveTo>
+                  <a:pt x="0" y="0"/>
+                </a:moveTo>
+                <a:lnTo>
+                  <a:pt x="10707945" y="0"/>
+                </a:lnTo>
+                <a:lnTo>
+                  <a:pt x="10707945" y="644962"/>
+                </a:lnTo>
+                <a:lnTo>
+                  <a:pt x="0" y="644962"/>
+                </a:lnTo>
+                <a:lnTo>
+                  <a:pt x="0" y="0"/>
+                </a:lnTo>
+                <a:close/>
+              </a:path>
+            </a:pathLst>
+          </a:custGeom>
+        </p:spPr>
+        <p:style>
+          <a:lnRef idx="2">
+            <a:schemeClr val="accent1">
+              <a:hueOff val="0"/>
+              <a:satOff val="0"/>
+              <a:lumOff val="0"/>
+              <a:alphaOff val="0"/>
+            </a:schemeClr>
+          </a:lnRef>
+          <a:fillRef idx="1">
+            <a:schemeClr val="lt1">
+              <a:alpha val="90000"/>
+              <a:hueOff val="0"/>
+              <a:satOff val="0"/>
+              <a:lumOff val="0"/>
+              <a:alphaOff val="0"/>
+            </a:schemeClr>
+          </a:fillRef>
+          <a:effectRef idx="0">
+            <a:schemeClr val="lt1">
+              <a:alpha val="90000"/>
+              <a:hueOff val="0"/>
+              <a:satOff val="0"/>
+              <a:lumOff val="0"/>
+              <a:alphaOff val="0"/>
+            </a:schemeClr>
+          </a:effectRef>
+          <a:fontRef idx="minor">
+            <a:schemeClr val="dk1">
+              <a:hueOff val="0"/>
+              <a:satOff val="0"/>
+              <a:lumOff val="0"/>
+              <a:alphaOff val="0"/>
+            </a:schemeClr>
+          </a:fontRef>
+        </p:style>
+        <p:txBody>
+          <a:bodyPr spcFirstLastPara="0" vert="horz" wrap="square" lIns="831056" tIns="270764" rIns="831056" bIns="128016" numCol="1" spcCol="1270" anchor="t" anchorCtr="0">
+            <a:noAutofit/>
+          </a:bodyPr>
+          <a:lstStyle/>
+          <a:p>
+            <a:pPr marL="171450" lvl="1" indent="-171450" algn="l" defTabSz="800100">
+              <a:lnSpc>
+                <a:spcPct val="90000"/>
+              </a:lnSpc>
+              <a:spcBef>
+                <a:spcPct val="0"/>
+              </a:spcBef>
+              <a:spcAft>
+                <a:spcPct val="15000"/>
+              </a:spcAft>
+              <a:buChar char="•"/>
+            </a:pPr>
+            <a:r>
+              <a:rPr lang="en-US" sz="1800" b="1" kern="1200" dirty="0"/>
+              <a:t>Tried K-means, GMM</a:t>
+            </a:r>
+          </a:p>
+        </p:txBody>
+      </p:sp>
+      <p:sp>
+        <p:nvSpPr>
+          <p:cNvPr id="9" name="Freeform: Shape 8" descr="Cluster Analysis">
+            <a:extLst>
+              <a:ext uri="{FF2B5EF4-FFF2-40B4-BE49-F238E27FC236}">
+                <a16:creationId xmlns:a16="http://schemas.microsoft.com/office/drawing/2014/main" id="{ACC98BAE-7536-9CCD-59CC-EE8139801AD2}"/>
+              </a:ext>
+            </a:extLst>
+          </p:cNvPr>
+          <p:cNvSpPr/>
+          <p:nvPr/>
+        </p:nvSpPr>
+        <p:spPr>
+          <a:xfrm>
+            <a:off x="1277424" y="3440553"/>
             <a:ext cx="7495561" cy="383760"/>
           </a:xfrm>
           <a:custGeom>
@@ -9899,19 +10032,22 @@
               <a:buNone/>
             </a:pPr>
             <a:r>
-              <a:rPr lang="en-US" sz="2400" b="0" i="0" kern="1200"/>
-              <a:t>Data curation</a:t>
+              <a:rPr lang="en-US" sz="2400" b="0" i="0" kern="1200" dirty="0"/>
+              <a:t>Cluster analysis</a:t>
             </a:r>
-            <a:endParaRPr lang="en-US" sz="2400" kern="1200"/>
+            <a:endParaRPr lang="en-US" sz="2400" kern="1200" dirty="0"/>
           </a:p>
         </p:txBody>
       </p:sp>
       <p:sp>
         <p:nvSpPr>
-          <p:cNvPr id="5" name="Freeform: Shape 4" descr="Tried K-means, GMM&#10;">
-            <a:extLst>
-              <a:ext uri="{FF2B5EF4-FFF2-40B4-BE49-F238E27FC236}">
-                <a16:creationId xmlns:a16="http://schemas.microsoft.com/office/drawing/2014/main" id="{7ED63DF3-AD44-88BC-43C1-3C5BDA333374}"/>
+          <p:cNvPr id="8" name="Rectangle 7">
+            <a:extLst>
+              <a:ext uri="{FF2B5EF4-FFF2-40B4-BE49-F238E27FC236}">
+                <a16:creationId xmlns:a16="http://schemas.microsoft.com/office/drawing/2014/main" id="{1989C80E-4875-9F1F-2F4B-899A7190D2F3}"/>
+              </a:ext>
+              <a:ext uri="{C183D7F6-B498-43B3-948B-1728B52AA6E4}">
+                <adec:decorative xmlns:adec="http://schemas.microsoft.com/office/drawing/2017/decorative" val="0"/>
               </a:ext>
             </a:extLst>
           </p:cNvPr>
@@ -9920,7 +10056,87 @@
         </p:nvSpPr>
         <p:spPr>
           <a:xfrm>
-            <a:off x="742027" y="2725390"/>
+            <a:off x="742027" y="3824313"/>
+            <a:ext cx="10707945" cy="418954"/>
+          </a:xfrm>
+          <a:prstGeom prst="rect">
+            <a:avLst/>
+          </a:prstGeom>
+        </p:spPr>
+        <p:style>
+          <a:lnRef idx="2">
+            <a:schemeClr val="accent1">
+              <a:hueOff val="0"/>
+              <a:satOff val="0"/>
+              <a:lumOff val="0"/>
+              <a:alphaOff val="0"/>
+            </a:schemeClr>
+          </a:lnRef>
+          <a:fillRef idx="1">
+            <a:schemeClr val="lt1">
+              <a:alpha val="90000"/>
+              <a:hueOff val="0"/>
+              <a:satOff val="0"/>
+              <a:lumOff val="0"/>
+              <a:alphaOff val="0"/>
+            </a:schemeClr>
+          </a:fillRef>
+          <a:effectRef idx="0">
+            <a:schemeClr val="lt1">
+              <a:alpha val="90000"/>
+              <a:hueOff val="0"/>
+              <a:satOff val="0"/>
+              <a:lumOff val="0"/>
+              <a:alphaOff val="0"/>
+            </a:schemeClr>
+          </a:effectRef>
+          <a:fontRef idx="minor">
+            <a:schemeClr val="dk1">
+              <a:hueOff val="0"/>
+              <a:satOff val="0"/>
+              <a:lumOff val="0"/>
+              <a:alphaOff val="0"/>
+            </a:schemeClr>
+          </a:fontRef>
+        </p:style>
+        <p:txBody>
+          <a:bodyPr/>
+          <a:lstStyle/>
+          <a:p>
+            <a:pPr marL="914400" lvl="3" indent="-171450" defTabSz="800100">
+              <a:lnSpc>
+                <a:spcPct val="90000"/>
+              </a:lnSpc>
+              <a:spcBef>
+                <a:spcPct val="0"/>
+              </a:spcBef>
+              <a:spcAft>
+                <a:spcPct val="15000"/>
+              </a:spcAft>
+              <a:buChar char="•"/>
+            </a:pPr>
+            <a:r>
+              <a:rPr lang="en-US" b="1" dirty="0"/>
+              <a:t>Based on elbow curve, we went with 3-4 clusters</a:t>
+            </a:r>
+          </a:p>
+        </p:txBody>
+      </p:sp>
+      <p:sp>
+        <p:nvSpPr>
+          <p:cNvPr id="10" name="Freeform: Shape 9" descr="Lean metadata – age, gender are very broad dimensions to profile&#10;">
+            <a:extLst>
+              <a:ext uri="{FF2B5EF4-FFF2-40B4-BE49-F238E27FC236}">
+                <a16:creationId xmlns:a16="http://schemas.microsoft.com/office/drawing/2014/main" id="{C34413B0-E86C-F2AD-D01C-96E0B195BA61}"/>
+              </a:ext>
+            </a:extLst>
+          </p:cNvPr>
+          <p:cNvSpPr/>
+          <p:nvPr/>
+        </p:nvSpPr>
+        <p:spPr>
+          <a:xfrm>
+            <a:off x="742027" y="4453612"/>
             <a:ext cx="10707945" cy="644962"/>
           </a:xfrm>
           <a:custGeom>
@@ -10034,17 +10250,17 @@
             </a:pPr>
             <a:r>
               <a:rPr lang="en-US" sz="1800" b="1" kern="1200" dirty="0"/>
-              <a:t>Tried K-means, GMM</a:t>
+              <a:t>Lean metadata – age, gender are very broad dimensions to profile</a:t>
             </a:r>
           </a:p>
         </p:txBody>
       </p:sp>
       <p:sp>
         <p:nvSpPr>
-          <p:cNvPr id="7" name="Freeform: Shape 6" descr="Selecting the Right Model">
-            <a:extLst>
-              <a:ext uri="{FF2B5EF4-FFF2-40B4-BE49-F238E27FC236}">
-                <a16:creationId xmlns:a16="http://schemas.microsoft.com/office/drawing/2014/main" id="{B9F90A7A-8DB1-8C47-4176-93CCAB58CECD}"/>
+          <p:cNvPr id="12" name="Freeform: Shape 11" descr="Link to the website graphing student performance data.">
+            <a:extLst>
+              <a:ext uri="{FF2B5EF4-FFF2-40B4-BE49-F238E27FC236}">
+                <a16:creationId xmlns:a16="http://schemas.microsoft.com/office/drawing/2014/main" id="{0B8D5BF2-B4C3-02D7-5D9B-6692E75DED15}"/>
               </a:ext>
             </a:extLst>
           </p:cNvPr>
@@ -10053,7 +10269,143 @@
         </p:nvSpPr>
         <p:spPr>
           <a:xfrm>
-            <a:off x="1277424" y="2533510"/>
+            <a:off x="742027" y="5360654"/>
+            <a:ext cx="10707945" cy="644962"/>
+          </a:xfrm>
+          <a:custGeom>
+            <a:avLst/>
+            <a:gdLst>
+              <a:gd name="connsiteX0" fmla="*/ 0 w 10707945"/>
+              <a:gd name="connsiteY0" fmla="*/ 0 h 644962"/>
+              <a:gd name="connsiteX1" fmla="*/ 10707945 w 10707945"/>
+              <a:gd name="connsiteY1" fmla="*/ 0 h 644962"/>
+              <a:gd name="connsiteX2" fmla="*/ 10707945 w 10707945"/>
+              <a:gd name="connsiteY2" fmla="*/ 644962 h 644962"/>
+              <a:gd name="connsiteX3" fmla="*/ 0 w 10707945"/>
+              <a:gd name="connsiteY3" fmla="*/ 644962 h 644962"/>
+              <a:gd name="connsiteX4" fmla="*/ 0 w 10707945"/>
+              <a:gd name="connsiteY4" fmla="*/ 0 h 644962"/>
+            </a:gdLst>
+            <a:ahLst/>
+            <a:cxnLst>
+              <a:cxn ang="0">
+                <a:pos x="connsiteX0" y="connsiteY0"/>
+              </a:cxn>
+              <a:cxn ang="0">
+                <a:pos x="connsiteX1" y="connsiteY1"/>
+              </a:cxn>
+              <a:cxn ang="0">
+                <a:pos x="connsiteX2" y="connsiteY2"/>
+              </a:cxn>
+              <a:cxn ang="0">
+                <a:pos x="connsiteX3" y="connsiteY3"/>
+              </a:cxn>
+              <a:cxn ang="0">
+                <a:pos x="connsiteX4" y="connsiteY4"/>
+              </a:cxn>
+            </a:cxnLst>
+            <a:rect l="l" t="t" r="r" b="b"/>
+            <a:pathLst>
+              <a:path w="10707945" h="644962">
+                <a:moveTo>
+                  <a:pt x="0" y="0"/>
+                </a:moveTo>
+                <a:lnTo>
+                  <a:pt x="10707945" y="0"/>
+                </a:lnTo>
+                <a:lnTo>
+                  <a:pt x="10707945" y="644962"/>
+                </a:lnTo>
+                <a:lnTo>
+                  <a:pt x="0" y="644962"/>
+                </a:lnTo>
+                <a:lnTo>
+                  <a:pt x="0" y="0"/>
+                </a:lnTo>
+                <a:close/>
+              </a:path>
+            </a:pathLst>
+          </a:custGeom>
+        </p:spPr>
+        <p:style>
+          <a:lnRef idx="2">
+            <a:schemeClr val="accent1">
+              <a:hueOff val="0"/>
+              <a:satOff val="0"/>
+              <a:lumOff val="0"/>
+              <a:alphaOff val="0"/>
+            </a:schemeClr>
+          </a:lnRef>
+          <a:fillRef idx="1">
+            <a:schemeClr val="lt1">
+              <a:alpha val="90000"/>
+              <a:hueOff val="0"/>
+              <a:satOff val="0"/>
+              <a:lumOff val="0"/>
+              <a:alphaOff val="0"/>
+            </a:schemeClr>
+          </a:fillRef>
+          <a:effectRef idx="0">
+            <a:schemeClr val="lt1">
+              <a:alpha val="90000"/>
+              <a:hueOff val="0"/>
+              <a:satOff val="0"/>
+              <a:lumOff val="0"/>
+              <a:alphaOff val="0"/>
+            </a:schemeClr>
+          </a:effectRef>
+          <a:fontRef idx="minor">
+            <a:schemeClr val="dk1">
+              <a:hueOff val="0"/>
+              <a:satOff val="0"/>
+              <a:lumOff val="0"/>
+              <a:alphaOff val="0"/>
+            </a:schemeClr>
+          </a:fontRef>
+        </p:style>
+        <p:txBody>
+          <a:bodyPr spcFirstLastPara="0" vert="horz" wrap="square" lIns="831056" tIns="270764" rIns="831056" bIns="128016" numCol="1" spcCol="1270" anchor="t" anchorCtr="0">
+            <a:noAutofit/>
+          </a:bodyPr>
+          <a:lstStyle/>
+          <a:p>
+            <a:pPr marL="171450" lvl="1" indent="-171450" algn="l" defTabSz="800100">
+              <a:lnSpc>
+                <a:spcPct val="90000"/>
+              </a:lnSpc>
+              <a:spcBef>
+                <a:spcPct val="0"/>
+              </a:spcBef>
+              <a:spcAft>
+                <a:spcPct val="15000"/>
+              </a:spcAft>
+              <a:buChar char="•"/>
+            </a:pPr>
+            <a:r>
+              <a:rPr lang="en-US" sz="1800" b="1" i="0" u="sng" kern="1200" dirty="0">
+                <a:hlinkClick r:id="rId2"/>
+              </a:rPr>
+              <a:t>https://jolly-desert-01b5c5610.3.azurestaticapps.net/</a:t>
+            </a:r>
+            <a:endParaRPr lang="en-US" sz="1800" b="1" kern="1200" dirty="0"/>
+          </a:p>
+        </p:txBody>
+      </p:sp>
+      <p:sp>
+        <p:nvSpPr>
+          <p:cNvPr id="4" name="Freeform: Shape 3" descr="Data Curation">
+            <a:extLst>
+              <a:ext uri="{FF2B5EF4-FFF2-40B4-BE49-F238E27FC236}">
+                <a16:creationId xmlns:a16="http://schemas.microsoft.com/office/drawing/2014/main" id="{F7538B52-2384-B447-014B-AF5148BB30D7}"/>
+              </a:ext>
+            </a:extLst>
+          </p:cNvPr>
+          <p:cNvSpPr/>
+          <p:nvPr/>
+        </p:nvSpPr>
+        <p:spPr>
+          <a:xfrm>
+            <a:off x="1277424" y="1083880"/>
             <a:ext cx="7495561" cy="383760"/>
           </a:xfrm>
           <a:custGeom>
@@ -10200,7 +10552,7 @@
             </a:pPr>
             <a:r>
               <a:rPr lang="en-US" sz="2400" b="0" i="0" kern="1200"/>
-              <a:t>Selecting the right model</a:t>
+              <a:t>Data curation</a:t>
             </a:r>
             <a:endParaRPr lang="en-US" sz="2400" kern="1200"/>
           </a:p>
@@ -10208,13 +10560,10 @@
       </p:sp>
       <p:sp>
         <p:nvSpPr>
-          <p:cNvPr id="8" name="Rectangle 7">
-            <a:extLst>
-              <a:ext uri="{FF2B5EF4-FFF2-40B4-BE49-F238E27FC236}">
-                <a16:creationId xmlns:a16="http://schemas.microsoft.com/office/drawing/2014/main" id="{1989C80E-4875-9F1F-2F4B-899A7190D2F3}"/>
-              </a:ext>
-              <a:ext uri="{C183D7F6-B498-43B3-948B-1728B52AA6E4}">
-                <adec:decorative xmlns:adec="http://schemas.microsoft.com/office/drawing/2017/decorative" val="1"/>
+          <p:cNvPr id="7" name="Freeform: Shape 6" descr="Selecting the Right Model">
+            <a:extLst>
+              <a:ext uri="{FF2B5EF4-FFF2-40B4-BE49-F238E27FC236}">
+                <a16:creationId xmlns:a16="http://schemas.microsoft.com/office/drawing/2014/main" id="{B9F90A7A-8DB1-8C47-4176-93CCAB58CECD}"/>
               </a:ext>
             </a:extLst>
           </p:cNvPr>
@@ -10223,65 +10572,7 @@
         </p:nvSpPr>
         <p:spPr>
           <a:xfrm>
-            <a:off x="742027" y="3632433"/>
-            <a:ext cx="10707945" cy="327600"/>
-          </a:xfrm>
-          <a:prstGeom prst="rect">
-            <a:avLst/>
-          </a:prstGeom>
-        </p:spPr>
-        <p:style>
-          <a:lnRef idx="2">
-            <a:schemeClr val="accent1">
-              <a:hueOff val="0"/>
-              <a:satOff val="0"/>
-              <a:lumOff val="0"/>
-              <a:alphaOff val="0"/>
-            </a:schemeClr>
-          </a:lnRef>
-          <a:fillRef idx="1">
-            <a:schemeClr val="lt1">
-              <a:alpha val="90000"/>
-              <a:hueOff val="0"/>
-              <a:satOff val="0"/>
-              <a:lumOff val="0"/>
-              <a:alphaOff val="0"/>
-            </a:schemeClr>
-          </a:fillRef>
-          <a:effectRef idx="0">
-            <a:schemeClr val="lt1">
-              <a:alpha val="90000"/>
-              <a:hueOff val="0"/>
-              <a:satOff val="0"/>
-              <a:lumOff val="0"/>
-              <a:alphaOff val="0"/>
-            </a:schemeClr>
-          </a:effectRef>
-          <a:fontRef idx="minor">
-            <a:schemeClr val="dk1">
-              <a:hueOff val="0"/>
-              <a:satOff val="0"/>
-              <a:lumOff val="0"/>
-              <a:alphaOff val="0"/>
-            </a:schemeClr>
-          </a:fontRef>
-        </p:style>
-      </p:sp>
-      <p:sp>
-        <p:nvSpPr>
-          <p:cNvPr id="9" name="Freeform: Shape 8" descr="Cluster Analysis">
-            <a:extLst>
-              <a:ext uri="{FF2B5EF4-FFF2-40B4-BE49-F238E27FC236}">
-                <a16:creationId xmlns:a16="http://schemas.microsoft.com/office/drawing/2014/main" id="{ACC98BAE-7536-9CCD-59CC-EE8139801AD2}"/>
-              </a:ext>
-            </a:extLst>
-          </p:cNvPr>
-          <p:cNvSpPr/>
-          <p:nvPr/>
-        </p:nvSpPr>
-        <p:spPr>
-          <a:xfrm>
-            <a:off x="1277424" y="3440553"/>
+            <a:off x="1277424" y="2533510"/>
             <a:ext cx="7495561" cy="383760"/>
           </a:xfrm>
           <a:custGeom>
@@ -10427,19 +10718,19 @@
               <a:buNone/>
             </a:pPr>
             <a:r>
-              <a:rPr lang="en-US" sz="2400" b="0" i="0" kern="1200" dirty="0"/>
-              <a:t>Cluster analysis</a:t>
+              <a:rPr lang="en-US" sz="2400" b="0" i="0" kern="1200"/>
+              <a:t>Selecting the right model</a:t>
             </a:r>
-            <a:endParaRPr lang="en-US" sz="2400" kern="1200" dirty="0"/>
+            <a:endParaRPr lang="en-US" sz="2400" kern="1200"/>
           </a:p>
         </p:txBody>
       </p:sp>
       <p:sp>
         <p:nvSpPr>
-          <p:cNvPr id="10" name="Freeform: Shape 9" descr="Lean metadata – age, gender are very broad dimensions to profile&#10;">
-            <a:extLst>
-              <a:ext uri="{FF2B5EF4-FFF2-40B4-BE49-F238E27FC236}">
-                <a16:creationId xmlns:a16="http://schemas.microsoft.com/office/drawing/2014/main" id="{C34413B0-E86C-F2AD-D01C-96E0B195BA61}"/>
+          <p:cNvPr id="11" name="Freeform: Shape 10" descr="Data Analysis">
+            <a:extLst>
+              <a:ext uri="{FF2B5EF4-FFF2-40B4-BE49-F238E27FC236}">
+                <a16:creationId xmlns:a16="http://schemas.microsoft.com/office/drawing/2014/main" id="{7410E1BF-AB3A-6D77-27B8-CD863E553E63}"/>
               </a:ext>
             </a:extLst>
           </p:cNvPr>
@@ -10448,140 +10739,7 @@
         </p:nvSpPr>
         <p:spPr>
           <a:xfrm>
-            <a:off x="742027" y="4222113"/>
-            <a:ext cx="10707945" cy="644962"/>
-          </a:xfrm>
-          <a:custGeom>
-            <a:avLst/>
-            <a:gdLst>
-              <a:gd name="connsiteX0" fmla="*/ 0 w 10707945"/>
-              <a:gd name="connsiteY0" fmla="*/ 0 h 644962"/>
-              <a:gd name="connsiteX1" fmla="*/ 10707945 w 10707945"/>
-              <a:gd name="connsiteY1" fmla="*/ 0 h 644962"/>
-              <a:gd name="connsiteX2" fmla="*/ 10707945 w 10707945"/>
-              <a:gd name="connsiteY2" fmla="*/ 644962 h 644962"/>
-              <a:gd name="connsiteX3" fmla="*/ 0 w 10707945"/>
-              <a:gd name="connsiteY3" fmla="*/ 644962 h 644962"/>
-              <a:gd name="connsiteX4" fmla="*/ 0 w 10707945"/>
-              <a:gd name="connsiteY4" fmla="*/ 0 h 644962"/>
-            </a:gdLst>
-            <a:ahLst/>
-            <a:cxnLst>
-              <a:cxn ang="0">
-                <a:pos x="connsiteX0" y="connsiteY0"/>
-              </a:cxn>
-              <a:cxn ang="0">
-                <a:pos x="connsiteX1" y="connsiteY1"/>
-              </a:cxn>
-              <a:cxn ang="0">
-                <a:pos x="connsiteX2" y="connsiteY2"/>
-              </a:cxn>
-              <a:cxn ang="0">
-                <a:pos x="connsiteX3" y="connsiteY3"/>
-              </a:cxn>
-              <a:cxn ang="0">
-                <a:pos x="connsiteX4" y="connsiteY4"/>
-              </a:cxn>
-            </a:cxnLst>
-            <a:rect l="l" t="t" r="r" b="b"/>
-            <a:pathLst>
-              <a:path w="10707945" h="644962">
-                <a:moveTo>
-                  <a:pt x="0" y="0"/>
-                </a:moveTo>
-                <a:lnTo>
-                  <a:pt x="10707945" y="0"/>
-                </a:lnTo>
-                <a:lnTo>
-                  <a:pt x="10707945" y="644962"/>
-                </a:lnTo>
-                <a:lnTo>
-                  <a:pt x="0" y="644962"/>
-                </a:lnTo>
-                <a:lnTo>
-                  <a:pt x="0" y="0"/>
-                </a:lnTo>
-                <a:close/>
-              </a:path>
-            </a:pathLst>
-          </a:custGeom>
-        </p:spPr>
-        <p:style>
-          <a:lnRef idx="2">
-            <a:schemeClr val="accent1">
-              <a:hueOff val="0"/>
-              <a:satOff val="0"/>
-              <a:lumOff val="0"/>
-              <a:alphaOff val="0"/>
-            </a:schemeClr>
-          </a:lnRef>
-          <a:fillRef idx="1">
-            <a:schemeClr val="lt1">
-              <a:alpha val="90000"/>
-              <a:hueOff val="0"/>
-              <a:satOff val="0"/>
-              <a:lumOff val="0"/>
-              <a:alphaOff val="0"/>
-            </a:schemeClr>
-          </a:fillRef>
-          <a:effectRef idx="0">
-            <a:schemeClr val="lt1">
-              <a:alpha val="90000"/>
-              <a:hueOff val="0"/>
-              <a:satOff val="0"/>
-              <a:lumOff val="0"/>
-              <a:alphaOff val="0"/>
-            </a:schemeClr>
-          </a:effectRef>
-          <a:fontRef idx="minor">
-            <a:schemeClr val="dk1">
-              <a:hueOff val="0"/>
-              <a:satOff val="0"/>
-              <a:lumOff val="0"/>
-              <a:alphaOff val="0"/>
-            </a:schemeClr>
-          </a:fontRef>
-        </p:style>
-        <p:txBody>
-          <a:bodyPr spcFirstLastPara="0" vert="horz" wrap="square" lIns="831056" tIns="270764" rIns="831056" bIns="128016" numCol="1" spcCol="1270" anchor="t" anchorCtr="0">
-            <a:noAutofit/>
-          </a:bodyPr>
-          <a:lstStyle/>
-          <a:p>
-            <a:pPr marL="171450" lvl="1" indent="-171450" algn="l" defTabSz="800100">
-              <a:lnSpc>
-                <a:spcPct val="90000"/>
-              </a:lnSpc>
-              <a:spcBef>
-                <a:spcPct val="0"/>
-              </a:spcBef>
-              <a:spcAft>
-                <a:spcPct val="15000"/>
-              </a:spcAft>
-              <a:buChar char="•"/>
-            </a:pPr>
-            <a:r>
-              <a:rPr lang="en-US" sz="1800" b="1" kern="1200" dirty="0"/>
-              <a:t>Lean metadata – age, gender are very broad dimensions to profile</a:t>
-            </a:r>
-          </a:p>
-        </p:txBody>
-      </p:sp>
-      <p:sp>
-        <p:nvSpPr>
-          <p:cNvPr id="11" name="Freeform: Shape 10" descr="Data Analysis">
-            <a:extLst>
-              <a:ext uri="{FF2B5EF4-FFF2-40B4-BE49-F238E27FC236}">
-                <a16:creationId xmlns:a16="http://schemas.microsoft.com/office/drawing/2014/main" id="{7410E1BF-AB3A-6D77-27B8-CD863E553E63}"/>
-              </a:ext>
-            </a:extLst>
-          </p:cNvPr>
-          <p:cNvSpPr/>
-          <p:nvPr/>
-        </p:nvSpPr>
-        <p:spPr>
-          <a:xfrm>
-            <a:off x="1277424" y="4030233"/>
+            <a:off x="1277424" y="4243267"/>
             <a:ext cx="7495561" cy="383760"/>
           </a:xfrm>
           <a:custGeom>
@@ -10736,10 +10894,10 @@
       </p:sp>
       <p:sp>
         <p:nvSpPr>
-          <p:cNvPr id="12" name="Freeform: Shape 11" descr="Link to the website graphing student performance data.">
-            <a:extLst>
-              <a:ext uri="{FF2B5EF4-FFF2-40B4-BE49-F238E27FC236}">
-                <a16:creationId xmlns:a16="http://schemas.microsoft.com/office/drawing/2014/main" id="{0B8D5BF2-B4C3-02D7-5D9B-6692E75DED15}"/>
+          <p:cNvPr id="13" name="Freeform: Shape 12" descr="Visualizing the data&#10;">
+            <a:extLst>
+              <a:ext uri="{FF2B5EF4-FFF2-40B4-BE49-F238E27FC236}">
+                <a16:creationId xmlns:a16="http://schemas.microsoft.com/office/drawing/2014/main" id="{8A39E3CC-D296-30AA-C410-52268E49D608}"/>
               </a:ext>
             </a:extLst>
           </p:cNvPr>
@@ -10748,143 +10906,7 @@
         </p:nvSpPr>
         <p:spPr>
           <a:xfrm>
-            <a:off x="742027" y="5129155"/>
-            <a:ext cx="10707945" cy="644962"/>
-          </a:xfrm>
-          <a:custGeom>
-            <a:avLst/>
-            <a:gdLst>
-              <a:gd name="connsiteX0" fmla="*/ 0 w 10707945"/>
-              <a:gd name="connsiteY0" fmla="*/ 0 h 644962"/>
-              <a:gd name="connsiteX1" fmla="*/ 10707945 w 10707945"/>
-              <a:gd name="connsiteY1" fmla="*/ 0 h 644962"/>
-              <a:gd name="connsiteX2" fmla="*/ 10707945 w 10707945"/>
-              <a:gd name="connsiteY2" fmla="*/ 644962 h 644962"/>
-              <a:gd name="connsiteX3" fmla="*/ 0 w 10707945"/>
-              <a:gd name="connsiteY3" fmla="*/ 644962 h 644962"/>
-              <a:gd name="connsiteX4" fmla="*/ 0 w 10707945"/>
-              <a:gd name="connsiteY4" fmla="*/ 0 h 644962"/>
-            </a:gdLst>
-            <a:ahLst/>
-            <a:cxnLst>
-              <a:cxn ang="0">
-                <a:pos x="connsiteX0" y="connsiteY0"/>
-              </a:cxn>
-              <a:cxn ang="0">
-                <a:pos x="connsiteX1" y="connsiteY1"/>
-              </a:cxn>
-              <a:cxn ang="0">
-                <a:pos x="connsiteX2" y="connsiteY2"/>
-              </a:cxn>
-              <a:cxn ang="0">
-                <a:pos x="connsiteX3" y="connsiteY3"/>
-              </a:cxn>
-              <a:cxn ang="0">
-                <a:pos x="connsiteX4" y="connsiteY4"/>
-              </a:cxn>
-            </a:cxnLst>
-            <a:rect l="l" t="t" r="r" b="b"/>
-            <a:pathLst>
-              <a:path w="10707945" h="644962">
-                <a:moveTo>
-                  <a:pt x="0" y="0"/>
-                </a:moveTo>
-                <a:lnTo>
-                  <a:pt x="10707945" y="0"/>
-                </a:lnTo>
-                <a:lnTo>
-                  <a:pt x="10707945" y="644962"/>
-                </a:lnTo>
-                <a:lnTo>
-                  <a:pt x="0" y="644962"/>
-                </a:lnTo>
-                <a:lnTo>
-                  <a:pt x="0" y="0"/>
-                </a:lnTo>
-                <a:close/>
-              </a:path>
-            </a:pathLst>
-          </a:custGeom>
-        </p:spPr>
-        <p:style>
-          <a:lnRef idx="2">
-            <a:schemeClr val="accent1">
-              <a:hueOff val="0"/>
-              <a:satOff val="0"/>
-              <a:lumOff val="0"/>
-              <a:alphaOff val="0"/>
-            </a:schemeClr>
-          </a:lnRef>
-          <a:fillRef idx="1">
-            <a:schemeClr val="lt1">
-              <a:alpha val="90000"/>
-              <a:hueOff val="0"/>
-              <a:satOff val="0"/>
-              <a:lumOff val="0"/>
-              <a:alphaOff val="0"/>
-            </a:schemeClr>
-          </a:fillRef>
-          <a:effectRef idx="0">
-            <a:schemeClr val="lt1">
-              <a:alpha val="90000"/>
-              <a:hueOff val="0"/>
-              <a:satOff val="0"/>
-              <a:lumOff val="0"/>
-              <a:alphaOff val="0"/>
-            </a:schemeClr>
-          </a:effectRef>
-          <a:fontRef idx="minor">
-            <a:schemeClr val="dk1">
-              <a:hueOff val="0"/>
-              <a:satOff val="0"/>
-              <a:lumOff val="0"/>
-              <a:alphaOff val="0"/>
-            </a:schemeClr>
-          </a:fontRef>
-        </p:style>
-        <p:txBody>
-          <a:bodyPr spcFirstLastPara="0" vert="horz" wrap="square" lIns="831056" tIns="270764" rIns="831056" bIns="128016" numCol="1" spcCol="1270" anchor="t" anchorCtr="0">
-            <a:noAutofit/>
-          </a:bodyPr>
-          <a:lstStyle/>
-          <a:p>
-            <a:pPr marL="171450" lvl="1" indent="-171450" algn="l" defTabSz="800100">
-              <a:lnSpc>
-                <a:spcPct val="90000"/>
-              </a:lnSpc>
-              <a:spcBef>
-                <a:spcPct val="0"/>
-              </a:spcBef>
-              <a:spcAft>
-                <a:spcPct val="15000"/>
-              </a:spcAft>
-              <a:buChar char="•"/>
-            </a:pPr>
-            <a:r>
-              <a:rPr lang="en-US" sz="1800" b="1" i="0" u="sng" kern="1200" dirty="0">
-                <a:hlinkClick r:id="rId2"/>
-              </a:rPr>
-              <a:t>https://jolly-desert-01b5c5610.3.azurestaticapps.net/</a:t>
-            </a:r>
-            <a:endParaRPr lang="en-US" sz="1800" b="1" kern="1200" dirty="0"/>
-          </a:p>
-        </p:txBody>
-      </p:sp>
-      <p:sp>
-        <p:nvSpPr>
-          <p:cNvPr id="13" name="Freeform: Shape 12" descr="Visualizing the data&#10;">
-            <a:extLst>
-              <a:ext uri="{FF2B5EF4-FFF2-40B4-BE49-F238E27FC236}">
-                <a16:creationId xmlns:a16="http://schemas.microsoft.com/office/drawing/2014/main" id="{8A39E3CC-D296-30AA-C410-52268E49D608}"/>
-              </a:ext>
-            </a:extLst>
-          </p:cNvPr>
-          <p:cNvSpPr/>
-          <p:nvPr/>
-        </p:nvSpPr>
-        <p:spPr>
-          <a:xfrm>
-            <a:off x="1277424" y="4937275"/>
+            <a:off x="1277424" y="5168774"/>
             <a:ext cx="7495561" cy="383760"/>
           </a:xfrm>
           <a:custGeom>
